--- a/presentations/ep1000_actuators/ep1000_actuators.pptx
+++ b/presentations/ep1000_actuators/ep1000_actuators.pptx
@@ -5,7 +5,7 @@
     <p:sldMasterId id="2147483660" r:id="rId1"/>
   </p:sldMasterIdLst>
   <p:notesMasterIdLst>
-    <p:notesMasterId r:id="rId12"/>
+    <p:notesMasterId r:id="rId18"/>
   </p:notesMasterIdLst>
   <p:sldIdLst>
     <p:sldId id="256" r:id="rId2"/>
@@ -17,7 +17,13 @@
     <p:sldId id="264" r:id="rId8"/>
     <p:sldId id="266" r:id="rId9"/>
     <p:sldId id="265" r:id="rId10"/>
-    <p:sldId id="259" r:id="rId11"/>
+    <p:sldId id="268" r:id="rId11"/>
+    <p:sldId id="269" r:id="rId12"/>
+    <p:sldId id="270" r:id="rId13"/>
+    <p:sldId id="271" r:id="rId14"/>
+    <p:sldId id="272" r:id="rId15"/>
+    <p:sldId id="273" r:id="rId16"/>
+    <p:sldId id="259" r:id="rId17"/>
   </p:sldIdLst>
   <p:sldSz cx="9144000" cy="6858000" type="screen4x3"/>
   <p:notesSz cx="6858000" cy="9144000"/>
@@ -206,7 +212,7 @@
           <a:p>
             <a:fld id="{2A875741-58CA-43A4-9946-B635E52C5CD8}" type="datetimeFigureOut">
               <a:rPr lang="en-US" smtClean="0"/>
-              <a:t>6/10/2021</a:t>
+              <a:t>6/11/2021</a:t>
             </a:fld>
             <a:endParaRPr lang="en-US"/>
           </a:p>
@@ -616,7 +622,7 @@
           <a:p>
             <a:fld id="{9665C769-D7C3-4E51-9622-EB882B1C6B88}" type="datetime1">
               <a:rPr lang="en-US" smtClean="0"/>
-              <a:t>6/10/2021</a:t>
+              <a:t>6/11/2021</a:t>
             </a:fld>
             <a:endParaRPr lang="en-US"/>
           </a:p>
@@ -810,7 +816,7 @@
           <a:p>
             <a:fld id="{AC2FA8F2-92AD-4DF3-BB80-1A576E4607C5}" type="datetime1">
               <a:rPr lang="en-US" smtClean="0"/>
-              <a:t>6/10/2021</a:t>
+              <a:t>6/11/2021</a:t>
             </a:fld>
             <a:endParaRPr lang="en-US"/>
           </a:p>
@@ -1009,7 +1015,7 @@
           <a:p>
             <a:fld id="{FF161318-0D48-4B52-BC2D-A0EA8E79725D}" type="datetime1">
               <a:rPr lang="en-US" smtClean="0"/>
-              <a:t>6/10/2021</a:t>
+              <a:t>6/11/2021</a:t>
             </a:fld>
             <a:endParaRPr lang="en-US"/>
           </a:p>
@@ -1203,7 +1209,7 @@
           <a:p>
             <a:fld id="{828929F4-2E32-48E9-8E95-ABAA8EAAF6A9}" type="datetime1">
               <a:rPr lang="en-US" smtClean="0"/>
-              <a:t>6/10/2021</a:t>
+              <a:t>6/11/2021</a:t>
             </a:fld>
             <a:endParaRPr lang="en-US"/>
           </a:p>
@@ -1466,7 +1472,7 @@
           <a:p>
             <a:fld id="{4D668969-C21F-428C-9E53-8D921FF4543A}" type="datetime1">
               <a:rPr lang="en-US" smtClean="0"/>
-              <a:t>6/10/2021</a:t>
+              <a:t>6/11/2021</a:t>
             </a:fld>
             <a:endParaRPr lang="en-US"/>
           </a:p>
@@ -1720,7 +1726,7 @@
           <a:p>
             <a:fld id="{01FB22A5-6159-4D69-BFEE-F4892803599C}" type="datetime1">
               <a:rPr lang="en-US" smtClean="0"/>
-              <a:t>6/10/2021</a:t>
+              <a:t>6/11/2021</a:t>
             </a:fld>
             <a:endParaRPr lang="en-US"/>
           </a:p>
@@ -2114,7 +2120,7 @@
           <a:p>
             <a:fld id="{738CC944-9765-440C-9A18-3DC1DA37440E}" type="datetime1">
               <a:rPr lang="en-US" smtClean="0"/>
-              <a:t>6/10/2021</a:t>
+              <a:t>6/11/2021</a:t>
             </a:fld>
             <a:endParaRPr lang="en-US"/>
           </a:p>
@@ -2248,7 +2254,7 @@
           <a:p>
             <a:fld id="{D8661C67-BB8E-4D16-A78D-460AAF94A53C}" type="datetime1">
               <a:rPr lang="en-US" smtClean="0"/>
-              <a:t>6/10/2021</a:t>
+              <a:t>6/11/2021</a:t>
             </a:fld>
             <a:endParaRPr lang="en-US"/>
           </a:p>
@@ -2359,7 +2365,7 @@
           <a:p>
             <a:fld id="{DBBC12E8-4105-456C-A90A-AF2362FB188F}" type="datetime1">
               <a:rPr lang="en-US" smtClean="0"/>
-              <a:t>6/10/2021</a:t>
+              <a:t>6/11/2021</a:t>
             </a:fld>
             <a:endParaRPr lang="en-US"/>
           </a:p>
@@ -2658,7 +2664,7 @@
           <a:p>
             <a:fld id="{11FD4DDA-56B2-4B92-884C-68E9C78E3003}" type="datetime1">
               <a:rPr lang="en-US" smtClean="0"/>
-              <a:t>6/10/2021</a:t>
+              <a:t>6/11/2021</a:t>
             </a:fld>
             <a:endParaRPr lang="en-US"/>
           </a:p>
@@ -2937,7 +2943,7 @@
           <a:p>
             <a:fld id="{750461B4-47C4-4F2C-98A2-225FD39D225C}" type="datetime1">
               <a:rPr lang="en-US" smtClean="0"/>
-              <a:t>6/10/2021</a:t>
+              <a:t>6/11/2021</a:t>
             </a:fld>
             <a:endParaRPr lang="en-US"/>
           </a:p>
@@ -3562,14 +3568,11 @@
             <a:br>
               <a:rPr lang="en-US" dirty="0"/>
             </a:br>
-            <a:r>
-              <a:rPr lang="en-US" dirty="0">
-                <a:solidFill>
-                  <a:srgbClr val="FF0000"/>
-                </a:solidFill>
-              </a:rPr>
-              <a:t>Assignment</a:t>
-            </a:r>
+            <a:endParaRPr lang="en-US" dirty="0">
+              <a:solidFill>
+                <a:srgbClr val="FF0000"/>
+              </a:solidFill>
+            </a:endParaRPr>
           </a:p>
         </p:txBody>
       </p:sp>
@@ -3608,6 +3611,2160 @@
           <p:cNvPr id="2" name="Title 1">
             <a:extLst>
               <a:ext uri="{FF2B5EF4-FFF2-40B4-BE49-F238E27FC236}">
+                <a16:creationId xmlns:a16="http://schemas.microsoft.com/office/drawing/2014/main" id="{A23D1864-141E-4DCD-A1DC-4A9CFDA86964}"/>
+              </a:ext>
+            </a:extLst>
+          </p:cNvPr>
+          <p:cNvSpPr>
+            <a:spLocks noGrp="1"/>
+          </p:cNvSpPr>
+          <p:nvPr>
+            <p:ph type="title"/>
+          </p:nvPr>
+        </p:nvSpPr>
+        <p:spPr/>
+        <p:txBody>
+          <a:bodyPr/>
+          <a:lstStyle/>
+          <a:p>
+            <a:r>
+              <a:rPr lang="en-US" dirty="0" err="1"/>
+              <a:t>Oled</a:t>
+            </a:r>
+            <a:r>
+              <a:rPr lang="en-US" dirty="0"/>
+              <a:t> Displays SSD1306</a:t>
+            </a:r>
+          </a:p>
+        </p:txBody>
+      </p:sp>
+      <p:sp>
+        <p:nvSpPr>
+          <p:cNvPr id="3" name="Content Placeholder 2">
+            <a:extLst>
+              <a:ext uri="{FF2B5EF4-FFF2-40B4-BE49-F238E27FC236}">
+                <a16:creationId xmlns:a16="http://schemas.microsoft.com/office/drawing/2014/main" id="{D0B0A26A-0911-4FE6-BD9E-F2FF6657C3F6}"/>
+              </a:ext>
+            </a:extLst>
+          </p:cNvPr>
+          <p:cNvSpPr>
+            <a:spLocks noGrp="1"/>
+          </p:cNvSpPr>
+          <p:nvPr>
+            <p:ph sz="half" idx="1"/>
+          </p:nvPr>
+        </p:nvSpPr>
+        <p:spPr>
+          <a:xfrm>
+            <a:off x="628649" y="1825625"/>
+            <a:ext cx="4600575" cy="4351338"/>
+          </a:xfrm>
+        </p:spPr>
+        <p:txBody>
+          <a:bodyPr/>
+          <a:lstStyle/>
+          <a:p>
+            <a:r>
+              <a:rPr lang="en-US" sz="2000" dirty="0"/>
+              <a:t>Very small, graphic displays (30x20mm)</a:t>
+            </a:r>
+          </a:p>
+          <a:p>
+            <a:r>
+              <a:rPr lang="en-US" sz="2000" dirty="0"/>
+              <a:t>Getting popular, for IOT projects for information display.</a:t>
+            </a:r>
+          </a:p>
+          <a:p>
+            <a:r>
+              <a:rPr lang="en-US" sz="2000" dirty="0"/>
+              <a:t>Resolution: 128x128, 128x64, 128x32 pixels</a:t>
+            </a:r>
+          </a:p>
+          <a:p>
+            <a:r>
+              <a:rPr lang="en-US" sz="2000" dirty="0"/>
+              <a:t>Uses I2C interface</a:t>
+            </a:r>
+          </a:p>
+          <a:p>
+            <a:r>
+              <a:rPr lang="en-US" sz="2000" dirty="0"/>
+              <a:t>Library: </a:t>
+            </a:r>
+            <a:r>
+              <a:rPr lang="en-US" sz="2000" dirty="0">
+                <a:hlinkClick r:id="rId2"/>
+              </a:rPr>
+              <a:t>SSD1306</a:t>
+            </a:r>
+            <a:r>
+              <a:rPr lang="en-US" sz="2000" dirty="0"/>
+              <a:t> by Adafruit</a:t>
+            </a:r>
+          </a:p>
+          <a:p>
+            <a:r>
+              <a:rPr lang="en-US" sz="2000" dirty="0"/>
+              <a:t>Tutorials:</a:t>
+            </a:r>
+          </a:p>
+          <a:p>
+            <a:pPr lvl="1"/>
+            <a:r>
+              <a:rPr lang="en-US" sz="1600" dirty="0">
+                <a:hlinkClick r:id="rId3"/>
+              </a:rPr>
+              <a:t>Last Minute Engineers</a:t>
+            </a:r>
+            <a:endParaRPr lang="en-US" sz="1600" dirty="0"/>
+          </a:p>
+          <a:p>
+            <a:pPr lvl="1"/>
+            <a:r>
+              <a:rPr lang="en-US" sz="1600" dirty="0">
+                <a:hlinkClick r:id="rId4"/>
+              </a:rPr>
+              <a:t>Adafruit</a:t>
+            </a:r>
+            <a:endParaRPr lang="en-US" sz="1600" dirty="0"/>
+          </a:p>
+          <a:p>
+            <a:pPr lvl="1"/>
+            <a:endParaRPr lang="en-US" sz="1600" dirty="0"/>
+          </a:p>
+          <a:p>
+            <a:endParaRPr lang="en-US" sz="2000" dirty="0"/>
+          </a:p>
+        </p:txBody>
+      </p:sp>
+      <p:sp>
+        <p:nvSpPr>
+          <p:cNvPr id="5" name="Slide Number Placeholder 4">
+            <a:extLst>
+              <a:ext uri="{FF2B5EF4-FFF2-40B4-BE49-F238E27FC236}">
+                <a16:creationId xmlns:a16="http://schemas.microsoft.com/office/drawing/2014/main" id="{25391739-0FCB-4E01-8E37-C843D5950AD9}"/>
+              </a:ext>
+            </a:extLst>
+          </p:cNvPr>
+          <p:cNvSpPr>
+            <a:spLocks noGrp="1"/>
+          </p:cNvSpPr>
+          <p:nvPr>
+            <p:ph type="sldNum" sz="quarter" idx="12"/>
+          </p:nvPr>
+        </p:nvSpPr>
+        <p:spPr/>
+        <p:txBody>
+          <a:bodyPr/>
+          <a:lstStyle/>
+          <a:p>
+            <a:fld id="{CAB166B3-F268-4CEF-878A-CFB0D0D505D3}" type="slidenum">
+              <a:rPr lang="en-US" smtClean="0"/>
+              <a:t>10</a:t>
+            </a:fld>
+            <a:endParaRPr lang="en-US" dirty="0"/>
+          </a:p>
+        </p:txBody>
+      </p:sp>
+      <p:pic>
+        <p:nvPicPr>
+          <p:cNvPr id="11" name="Content Placeholder 10">
+            <a:extLst>
+              <a:ext uri="{FF2B5EF4-FFF2-40B4-BE49-F238E27FC236}">
+                <a16:creationId xmlns:a16="http://schemas.microsoft.com/office/drawing/2014/main" id="{953A221B-AE5D-492D-899E-99E6856F988C}"/>
+              </a:ext>
+            </a:extLst>
+          </p:cNvPr>
+          <p:cNvPicPr>
+            <a:picLocks noGrp="1" noChangeAspect="1"/>
+          </p:cNvPicPr>
+          <p:nvPr>
+            <p:ph sz="half" idx="2"/>
+          </p:nvPr>
+        </p:nvPicPr>
+        <p:blipFill>
+          <a:blip r:embed="rId5"/>
+          <a:stretch>
+            <a:fillRect/>
+          </a:stretch>
+        </p:blipFill>
+        <p:spPr>
+          <a:xfrm>
+            <a:off x="6022656" y="4287479"/>
+            <a:ext cx="1603439" cy="1597478"/>
+          </a:xfrm>
+        </p:spPr>
+      </p:pic>
+      <p:pic>
+        <p:nvPicPr>
+          <p:cNvPr id="13" name="Picture 12">
+            <a:extLst>
+              <a:ext uri="{FF2B5EF4-FFF2-40B4-BE49-F238E27FC236}">
+                <a16:creationId xmlns:a16="http://schemas.microsoft.com/office/drawing/2014/main" id="{7594F5EF-527F-4D97-ABCF-34CC8A75A52C}"/>
+              </a:ext>
+            </a:extLst>
+          </p:cNvPr>
+          <p:cNvPicPr>
+            <a:picLocks noChangeAspect="1"/>
+          </p:cNvPicPr>
+          <p:nvPr/>
+        </p:nvPicPr>
+        <p:blipFill>
+          <a:blip r:embed="rId6"/>
+          <a:stretch>
+            <a:fillRect/>
+          </a:stretch>
+        </p:blipFill>
+        <p:spPr>
+          <a:xfrm>
+            <a:off x="5915024" y="1082771"/>
+            <a:ext cx="2457450" cy="3124200"/>
+          </a:xfrm>
+          <a:prstGeom prst="rect">
+            <a:avLst/>
+          </a:prstGeom>
+        </p:spPr>
+      </p:pic>
+    </p:spTree>
+    <p:extLst>
+      <p:ext uri="{BB962C8B-B14F-4D97-AF65-F5344CB8AC3E}">
+        <p14:creationId xmlns:p14="http://schemas.microsoft.com/office/powerpoint/2010/main" val="1299280611"/>
+      </p:ext>
+    </p:extLst>
+  </p:cSld>
+  <p:clrMapOvr>
+    <a:masterClrMapping/>
+  </p:clrMapOvr>
+</p:sld>
+</file>
+
+<file path=ppt/slides/slide11.xml><?xml version="1.0" encoding="utf-8"?>
+<p:sld xmlns:a="http://schemas.openxmlformats.org/drawingml/2006/main" xmlns:r="http://schemas.openxmlformats.org/officeDocument/2006/relationships" xmlns:p="http://schemas.openxmlformats.org/presentationml/2006/main">
+  <p:cSld>
+    <p:spTree>
+      <p:nvGrpSpPr>
+        <p:cNvPr id="1" name=""/>
+        <p:cNvGrpSpPr/>
+        <p:nvPr/>
+      </p:nvGrpSpPr>
+      <p:grpSpPr>
+        <a:xfrm>
+          <a:off x="0" y="0"/>
+          <a:ext cx="0" cy="0"/>
+          <a:chOff x="0" y="0"/>
+          <a:chExt cx="0" cy="0"/>
+        </a:xfrm>
+      </p:grpSpPr>
+      <p:sp>
+        <p:nvSpPr>
+          <p:cNvPr id="2" name="Title 1">
+            <a:extLst>
+              <a:ext uri="{FF2B5EF4-FFF2-40B4-BE49-F238E27FC236}">
+                <a16:creationId xmlns:a16="http://schemas.microsoft.com/office/drawing/2014/main" id="{FB5AAA67-7328-4B82-B3F1-187CBC2961DD}"/>
+              </a:ext>
+            </a:extLst>
+          </p:cNvPr>
+          <p:cNvSpPr>
+            <a:spLocks noGrp="1"/>
+          </p:cNvSpPr>
+          <p:nvPr>
+            <p:ph type="title"/>
+          </p:nvPr>
+        </p:nvSpPr>
+        <p:spPr/>
+        <p:txBody>
+          <a:bodyPr/>
+          <a:lstStyle/>
+          <a:p>
+            <a:r>
+              <a:rPr lang="en-SG" dirty="0" err="1"/>
+              <a:t>NeoPixels</a:t>
+            </a:r>
+            <a:endParaRPr lang="en-US" dirty="0"/>
+          </a:p>
+        </p:txBody>
+      </p:sp>
+      <p:sp>
+        <p:nvSpPr>
+          <p:cNvPr id="3" name="Content Placeholder 2">
+            <a:extLst>
+              <a:ext uri="{FF2B5EF4-FFF2-40B4-BE49-F238E27FC236}">
+                <a16:creationId xmlns:a16="http://schemas.microsoft.com/office/drawing/2014/main" id="{C1F7DEA4-2AF5-4031-AC6E-849BD4F002A6}"/>
+              </a:ext>
+            </a:extLst>
+          </p:cNvPr>
+          <p:cNvSpPr>
+            <a:spLocks noGrp="1"/>
+          </p:cNvSpPr>
+          <p:nvPr>
+            <p:ph sz="half" idx="1"/>
+          </p:nvPr>
+        </p:nvSpPr>
+        <p:spPr/>
+        <p:txBody>
+          <a:bodyPr/>
+          <a:lstStyle/>
+          <a:p>
+            <a:r>
+              <a:rPr lang="en-SG" sz="2000" dirty="0"/>
+              <a:t>Individually addressable LEDs housed on a strip and controlled by a single digital I/O pin from the microcontroller.</a:t>
+            </a:r>
+          </a:p>
+          <a:p>
+            <a:r>
+              <a:rPr lang="en-SG" sz="2000" dirty="0"/>
+              <a:t>Can control</a:t>
+            </a:r>
+          </a:p>
+          <a:p>
+            <a:pPr lvl="1"/>
+            <a:r>
+              <a:rPr lang="en-SG" sz="1600" dirty="0"/>
+              <a:t>Which LED to turn ON/OFF</a:t>
+            </a:r>
+          </a:p>
+          <a:p>
+            <a:pPr lvl="1"/>
+            <a:r>
+              <a:rPr lang="en-SG" sz="1600" dirty="0"/>
+              <a:t>Intensity of light</a:t>
+            </a:r>
+          </a:p>
+          <a:p>
+            <a:pPr lvl="1"/>
+            <a:r>
+              <a:rPr lang="en-SG" sz="1600" dirty="0" err="1"/>
+              <a:t>Color</a:t>
+            </a:r>
+            <a:r>
+              <a:rPr lang="en-SG" sz="1600" dirty="0"/>
+              <a:t> (If RGB)</a:t>
+            </a:r>
+            <a:endParaRPr lang="en-US" sz="1600" dirty="0"/>
+          </a:p>
+          <a:p>
+            <a:r>
+              <a:rPr lang="en-US" sz="2000" dirty="0"/>
+              <a:t>Good for lighting, ambient light control, effects</a:t>
+            </a:r>
+          </a:p>
+          <a:p>
+            <a:r>
+              <a:rPr lang="en-US" sz="2000" dirty="0"/>
+              <a:t>Library: </a:t>
+            </a:r>
+            <a:r>
+              <a:rPr lang="en-US" sz="2000" dirty="0">
+                <a:hlinkClick r:id="rId2"/>
+              </a:rPr>
+              <a:t>Adafruit </a:t>
+            </a:r>
+            <a:r>
+              <a:rPr lang="en-US" sz="2000" dirty="0" err="1">
+                <a:hlinkClick r:id="rId2"/>
+              </a:rPr>
+              <a:t>Neopixel</a:t>
+            </a:r>
+            <a:endParaRPr lang="en-US" sz="2000" dirty="0"/>
+          </a:p>
+          <a:p>
+            <a:r>
+              <a:rPr lang="en-US" sz="2000" dirty="0"/>
+              <a:t>Tutorial:</a:t>
+            </a:r>
+          </a:p>
+          <a:p>
+            <a:pPr lvl="1"/>
+            <a:r>
+              <a:rPr lang="en-US" sz="1600" dirty="0">
+                <a:hlinkClick r:id="rId3"/>
+              </a:rPr>
+              <a:t>Adafruit</a:t>
+            </a:r>
+            <a:endParaRPr lang="en-US" sz="1600" dirty="0"/>
+          </a:p>
+          <a:p>
+            <a:pPr lvl="1"/>
+            <a:endParaRPr lang="en-SG" sz="1600" dirty="0"/>
+          </a:p>
+        </p:txBody>
+      </p:sp>
+      <p:pic>
+        <p:nvPicPr>
+          <p:cNvPr id="7" name="Content Placeholder 6">
+            <a:extLst>
+              <a:ext uri="{FF2B5EF4-FFF2-40B4-BE49-F238E27FC236}">
+                <a16:creationId xmlns:a16="http://schemas.microsoft.com/office/drawing/2014/main" id="{68D73055-B9AE-4B55-BC9F-8F50134D9C45}"/>
+              </a:ext>
+            </a:extLst>
+          </p:cNvPr>
+          <p:cNvPicPr>
+            <a:picLocks noGrp="1" noChangeAspect="1"/>
+          </p:cNvPicPr>
+          <p:nvPr>
+            <p:ph sz="half" idx="2"/>
+          </p:nvPr>
+        </p:nvPicPr>
+        <p:blipFill>
+          <a:blip r:embed="rId4"/>
+          <a:stretch>
+            <a:fillRect/>
+          </a:stretch>
+        </p:blipFill>
+        <p:spPr>
+          <a:xfrm>
+            <a:off x="4629150" y="1894745"/>
+            <a:ext cx="3886200" cy="2914650"/>
+          </a:xfrm>
+        </p:spPr>
+      </p:pic>
+      <p:sp>
+        <p:nvSpPr>
+          <p:cNvPr id="5" name="Slide Number Placeholder 4">
+            <a:extLst>
+              <a:ext uri="{FF2B5EF4-FFF2-40B4-BE49-F238E27FC236}">
+                <a16:creationId xmlns:a16="http://schemas.microsoft.com/office/drawing/2014/main" id="{AE07E7B5-E547-4150-80CB-B614159E18FF}"/>
+              </a:ext>
+            </a:extLst>
+          </p:cNvPr>
+          <p:cNvSpPr>
+            <a:spLocks noGrp="1"/>
+          </p:cNvSpPr>
+          <p:nvPr>
+            <p:ph type="sldNum" sz="quarter" idx="12"/>
+          </p:nvPr>
+        </p:nvSpPr>
+        <p:spPr/>
+        <p:txBody>
+          <a:bodyPr/>
+          <a:lstStyle/>
+          <a:p>
+            <a:fld id="{CAB166B3-F268-4CEF-878A-CFB0D0D505D3}" type="slidenum">
+              <a:rPr lang="en-US" smtClean="0"/>
+              <a:t>11</a:t>
+            </a:fld>
+            <a:endParaRPr lang="en-US"/>
+          </a:p>
+        </p:txBody>
+      </p:sp>
+      <p:sp>
+        <p:nvSpPr>
+          <p:cNvPr id="8" name="TextBox 7">
+            <a:extLst>
+              <a:ext uri="{FF2B5EF4-FFF2-40B4-BE49-F238E27FC236}">
+                <a16:creationId xmlns:a16="http://schemas.microsoft.com/office/drawing/2014/main" id="{E8936BEB-FA3C-4D67-9D44-A3CE92C28AE1}"/>
+              </a:ext>
+            </a:extLst>
+          </p:cNvPr>
+          <p:cNvSpPr txBox="1"/>
+          <p:nvPr/>
+        </p:nvSpPr>
+        <p:spPr>
+          <a:xfrm>
+            <a:off x="4629150" y="4937760"/>
+            <a:ext cx="3511296" cy="738664"/>
+          </a:xfrm>
+          <a:prstGeom prst="rect">
+            <a:avLst/>
+          </a:prstGeom>
+          <a:noFill/>
+        </p:spPr>
+        <p:txBody>
+          <a:bodyPr wrap="square" rtlCol="0">
+            <a:spAutoFit/>
+          </a:bodyPr>
+          <a:lstStyle/>
+          <a:p>
+            <a:r>
+              <a:rPr lang="en-SG" sz="1400" dirty="0" err="1"/>
+              <a:t>Neopixels</a:t>
+            </a:r>
+            <a:r>
+              <a:rPr lang="en-SG" sz="1400" dirty="0"/>
+              <a:t> require quite a lot</a:t>
+            </a:r>
+            <a:r>
+              <a:rPr lang="en-US" sz="1400" dirty="0"/>
+              <a:t> of current.  Always supply the </a:t>
+            </a:r>
+            <a:r>
+              <a:rPr lang="en-US" sz="1400" dirty="0" err="1"/>
+              <a:t>neopixels</a:t>
+            </a:r>
+            <a:r>
+              <a:rPr lang="en-US" sz="1400" dirty="0"/>
+              <a:t> from a separate power source, not from the microcontroller.</a:t>
+            </a:r>
+            <a:endParaRPr lang="en-SG" sz="1400" dirty="0"/>
+          </a:p>
+        </p:txBody>
+      </p:sp>
+    </p:spTree>
+    <p:extLst>
+      <p:ext uri="{BB962C8B-B14F-4D97-AF65-F5344CB8AC3E}">
+        <p14:creationId xmlns:p14="http://schemas.microsoft.com/office/powerpoint/2010/main" val="358901752"/>
+      </p:ext>
+    </p:extLst>
+  </p:cSld>
+  <p:clrMapOvr>
+    <a:masterClrMapping/>
+  </p:clrMapOvr>
+</p:sld>
+</file>
+
+<file path=ppt/slides/slide12.xml><?xml version="1.0" encoding="utf-8"?>
+<p:sld xmlns:a="http://schemas.openxmlformats.org/drawingml/2006/main" xmlns:r="http://schemas.openxmlformats.org/officeDocument/2006/relationships" xmlns:p="http://schemas.openxmlformats.org/presentationml/2006/main">
+  <p:cSld>
+    <p:spTree>
+      <p:nvGrpSpPr>
+        <p:cNvPr id="1" name=""/>
+        <p:cNvGrpSpPr/>
+        <p:nvPr/>
+      </p:nvGrpSpPr>
+      <p:grpSpPr>
+        <a:xfrm>
+          <a:off x="0" y="0"/>
+          <a:ext cx="0" cy="0"/>
+          <a:chOff x="0" y="0"/>
+          <a:chExt cx="0" cy="0"/>
+        </a:xfrm>
+      </p:grpSpPr>
+      <p:sp>
+        <p:nvSpPr>
+          <p:cNvPr id="2" name="Title 1">
+            <a:extLst>
+              <a:ext uri="{FF2B5EF4-FFF2-40B4-BE49-F238E27FC236}">
+                <a16:creationId xmlns:a16="http://schemas.microsoft.com/office/drawing/2014/main" id="{B3E8821C-2600-45C8-B744-23887A2DBF8F}"/>
+              </a:ext>
+            </a:extLst>
+          </p:cNvPr>
+          <p:cNvSpPr>
+            <a:spLocks noGrp="1"/>
+          </p:cNvSpPr>
+          <p:nvPr>
+            <p:ph type="title"/>
+          </p:nvPr>
+        </p:nvSpPr>
+        <p:spPr/>
+        <p:txBody>
+          <a:bodyPr/>
+          <a:lstStyle/>
+          <a:p>
+            <a:r>
+              <a:rPr lang="en-SG" dirty="0" err="1"/>
+              <a:t>Neopixels</a:t>
+            </a:r>
+            <a:r>
+              <a:rPr lang="en-SG" dirty="0"/>
+              <a:t> - demo</a:t>
+            </a:r>
+            <a:endParaRPr lang="en-US" dirty="0"/>
+          </a:p>
+        </p:txBody>
+      </p:sp>
+      <p:sp>
+        <p:nvSpPr>
+          <p:cNvPr id="3" name="Content Placeholder 2">
+            <a:extLst>
+              <a:ext uri="{FF2B5EF4-FFF2-40B4-BE49-F238E27FC236}">
+                <a16:creationId xmlns:a16="http://schemas.microsoft.com/office/drawing/2014/main" id="{0B78E210-F46A-4A34-9104-C1F34828C025}"/>
+              </a:ext>
+            </a:extLst>
+          </p:cNvPr>
+          <p:cNvSpPr>
+            <a:spLocks noGrp="1"/>
+          </p:cNvSpPr>
+          <p:nvPr>
+            <p:ph sz="half" idx="1"/>
+          </p:nvPr>
+        </p:nvSpPr>
+        <p:spPr/>
+        <p:txBody>
+          <a:bodyPr/>
+          <a:lstStyle/>
+          <a:p>
+            <a:r>
+              <a:rPr lang="en-SG" sz="2000" dirty="0"/>
+              <a:t>Always power up </a:t>
+            </a:r>
+            <a:r>
+              <a:rPr lang="en-SG" sz="2000" dirty="0" err="1"/>
+              <a:t>neopixels</a:t>
+            </a:r>
+            <a:r>
+              <a:rPr lang="en-SG" sz="2000" dirty="0"/>
+              <a:t> using a separate power source for the extra current required.</a:t>
+            </a:r>
+          </a:p>
+          <a:p>
+            <a:r>
+              <a:rPr lang="en-SG" sz="2000" dirty="0"/>
+              <a:t>You can join strips of </a:t>
+            </a:r>
+            <a:r>
+              <a:rPr lang="en-SG" sz="2000" dirty="0" err="1"/>
+              <a:t>neopixels</a:t>
+            </a:r>
+            <a:r>
+              <a:rPr lang="en-SG" sz="2000" dirty="0"/>
+              <a:t> together.</a:t>
+            </a:r>
+          </a:p>
+          <a:p>
+            <a:r>
+              <a:rPr lang="en-SG" sz="2000" dirty="0">
+                <a:hlinkClick r:id="rId2"/>
+              </a:rPr>
+              <a:t>Adafruit Library</a:t>
+            </a:r>
+            <a:r>
+              <a:rPr lang="en-SG" sz="2000" dirty="0"/>
+              <a:t> comes with a number of very useful methods:</a:t>
+            </a:r>
+          </a:p>
+          <a:p>
+            <a:pPr lvl="1"/>
+            <a:r>
+              <a:rPr lang="en-SG" sz="1600" dirty="0" err="1"/>
+              <a:t>Color</a:t>
+            </a:r>
+            <a:r>
+              <a:rPr lang="en-SG" sz="1600" dirty="0"/>
+              <a:t>(r, g, b) returns a 32bit </a:t>
+            </a:r>
+            <a:r>
+              <a:rPr lang="en-SG" sz="1600" dirty="0" err="1"/>
+              <a:t>color</a:t>
+            </a:r>
+            <a:endParaRPr lang="en-SG" sz="1600" dirty="0"/>
+          </a:p>
+          <a:p>
+            <a:pPr lvl="1"/>
+            <a:r>
+              <a:rPr lang="en-SG" sz="1600" dirty="0"/>
+              <a:t>fill() fills </a:t>
+            </a:r>
+            <a:r>
+              <a:rPr lang="en-SG" sz="1600" dirty="0" err="1"/>
+              <a:t>neopixels</a:t>
+            </a:r>
+            <a:r>
+              <a:rPr lang="en-SG" sz="1600" dirty="0"/>
+              <a:t> with same </a:t>
+            </a:r>
+            <a:r>
+              <a:rPr lang="en-SG" sz="1600" dirty="0" err="1"/>
+              <a:t>color</a:t>
+            </a:r>
+            <a:endParaRPr lang="en-SG" sz="1600" dirty="0"/>
+          </a:p>
+          <a:p>
+            <a:pPr lvl="1"/>
+            <a:r>
+              <a:rPr lang="en-SG" sz="1600" dirty="0" err="1"/>
+              <a:t>setColor</a:t>
+            </a:r>
+            <a:r>
+              <a:rPr lang="en-SG" sz="1600" dirty="0"/>
+              <a:t>() sets individual </a:t>
+            </a:r>
+            <a:r>
+              <a:rPr lang="en-SG" sz="1600" dirty="0" err="1"/>
+              <a:t>neopixels</a:t>
+            </a:r>
+            <a:endParaRPr lang="en-SG" sz="1600" dirty="0"/>
+          </a:p>
+          <a:p>
+            <a:pPr lvl="1"/>
+            <a:r>
+              <a:rPr lang="en-SG" sz="1600" dirty="0" err="1"/>
+              <a:t>setBrightness</a:t>
+            </a:r>
+            <a:r>
+              <a:rPr lang="en-SG" sz="1600" dirty="0"/>
+              <a:t>() controls intensity</a:t>
+            </a:r>
+          </a:p>
+          <a:p>
+            <a:pPr lvl="1"/>
+            <a:r>
+              <a:rPr lang="en-SG" sz="1600" dirty="0"/>
+              <a:t>clear() blanks out</a:t>
+            </a:r>
+          </a:p>
+          <a:p>
+            <a:pPr lvl="1"/>
+            <a:r>
+              <a:rPr lang="en-SG" sz="1600" dirty="0"/>
+              <a:t>show() must be called before the </a:t>
+            </a:r>
+            <a:r>
+              <a:rPr lang="en-SG" sz="1600" dirty="0" err="1"/>
+              <a:t>neoplxels</a:t>
+            </a:r>
+            <a:r>
+              <a:rPr lang="en-SG" sz="1600" dirty="0"/>
+              <a:t> can display</a:t>
+            </a:r>
+            <a:endParaRPr lang="en-US" sz="1600" dirty="0"/>
+          </a:p>
+        </p:txBody>
+      </p:sp>
+      <p:pic>
+        <p:nvPicPr>
+          <p:cNvPr id="7" name="Content Placeholder 6">
+            <a:hlinkClick r:id="rId3"/>
+            <a:extLst>
+              <a:ext uri="{FF2B5EF4-FFF2-40B4-BE49-F238E27FC236}">
+                <a16:creationId xmlns:a16="http://schemas.microsoft.com/office/drawing/2014/main" id="{6D7C20B2-D97C-471A-BB69-6C7598C16EAA}"/>
+              </a:ext>
+            </a:extLst>
+          </p:cNvPr>
+          <p:cNvPicPr>
+            <a:picLocks noGrp="1" noChangeAspect="1"/>
+          </p:cNvPicPr>
+          <p:nvPr>
+            <p:ph sz="half" idx="2"/>
+          </p:nvPr>
+        </p:nvPicPr>
+        <p:blipFill>
+          <a:blip r:embed="rId4"/>
+          <a:stretch>
+            <a:fillRect/>
+          </a:stretch>
+        </p:blipFill>
+        <p:spPr>
+          <a:xfrm>
+            <a:off x="4629150" y="1833792"/>
+            <a:ext cx="3886200" cy="3402315"/>
+          </a:xfrm>
+        </p:spPr>
+      </p:pic>
+      <p:sp>
+        <p:nvSpPr>
+          <p:cNvPr id="5" name="Slide Number Placeholder 4">
+            <a:extLst>
+              <a:ext uri="{FF2B5EF4-FFF2-40B4-BE49-F238E27FC236}">
+                <a16:creationId xmlns:a16="http://schemas.microsoft.com/office/drawing/2014/main" id="{B1F3A098-01EC-41E8-B3BB-753022949F07}"/>
+              </a:ext>
+            </a:extLst>
+          </p:cNvPr>
+          <p:cNvSpPr>
+            <a:spLocks noGrp="1"/>
+          </p:cNvSpPr>
+          <p:nvPr>
+            <p:ph type="sldNum" sz="quarter" idx="12"/>
+          </p:nvPr>
+        </p:nvSpPr>
+        <p:spPr/>
+        <p:txBody>
+          <a:bodyPr/>
+          <a:lstStyle/>
+          <a:p>
+            <a:fld id="{CAB166B3-F268-4CEF-878A-CFB0D0D505D3}" type="slidenum">
+              <a:rPr lang="en-US" smtClean="0"/>
+              <a:t>12</a:t>
+            </a:fld>
+            <a:endParaRPr lang="en-US"/>
+          </a:p>
+        </p:txBody>
+      </p:sp>
+      <p:sp>
+        <p:nvSpPr>
+          <p:cNvPr id="8" name="TextBox 7">
+            <a:extLst>
+              <a:ext uri="{FF2B5EF4-FFF2-40B4-BE49-F238E27FC236}">
+                <a16:creationId xmlns:a16="http://schemas.microsoft.com/office/drawing/2014/main" id="{F1D9281F-75B7-4E9E-A4E9-FCD6F5CD26CF}"/>
+              </a:ext>
+            </a:extLst>
+          </p:cNvPr>
+          <p:cNvSpPr txBox="1"/>
+          <p:nvPr/>
+        </p:nvSpPr>
+        <p:spPr>
+          <a:xfrm>
+            <a:off x="6769936" y="5288398"/>
+            <a:ext cx="1745414" cy="338554"/>
+          </a:xfrm>
+          <a:prstGeom prst="rect">
+            <a:avLst/>
+          </a:prstGeom>
+          <a:noFill/>
+        </p:spPr>
+        <p:txBody>
+          <a:bodyPr wrap="none" rtlCol="0">
+            <a:spAutoFit/>
+          </a:bodyPr>
+          <a:lstStyle/>
+          <a:p>
+            <a:r>
+              <a:rPr lang="en-SG" sz="1600" dirty="0">
+                <a:hlinkClick r:id="rId3"/>
+              </a:rPr>
+              <a:t>Uno </a:t>
+            </a:r>
+            <a:r>
+              <a:rPr lang="en-SG" sz="1600" dirty="0" err="1">
+                <a:hlinkClick r:id="rId3"/>
+              </a:rPr>
+              <a:t>Neopixel</a:t>
+            </a:r>
+            <a:r>
+              <a:rPr lang="en-SG" sz="1600" dirty="0">
+                <a:hlinkClick r:id="rId3"/>
+              </a:rPr>
+              <a:t> Strip</a:t>
+            </a:r>
+            <a:endParaRPr lang="en-US" sz="1600" dirty="0"/>
+          </a:p>
+        </p:txBody>
+      </p:sp>
+    </p:spTree>
+    <p:extLst>
+      <p:ext uri="{BB962C8B-B14F-4D97-AF65-F5344CB8AC3E}">
+        <p14:creationId xmlns:p14="http://schemas.microsoft.com/office/powerpoint/2010/main" val="479251848"/>
+      </p:ext>
+    </p:extLst>
+  </p:cSld>
+  <p:clrMapOvr>
+    <a:masterClrMapping/>
+  </p:clrMapOvr>
+</p:sld>
+</file>
+
+<file path=ppt/slides/slide13.xml><?xml version="1.0" encoding="utf-8"?>
+<p:sld xmlns:a="http://schemas.openxmlformats.org/drawingml/2006/main" xmlns:r="http://schemas.openxmlformats.org/officeDocument/2006/relationships" xmlns:p="http://schemas.openxmlformats.org/presentationml/2006/main">
+  <p:cSld>
+    <p:spTree>
+      <p:nvGrpSpPr>
+        <p:cNvPr id="1" name=""/>
+        <p:cNvGrpSpPr/>
+        <p:nvPr/>
+      </p:nvGrpSpPr>
+      <p:grpSpPr>
+        <a:xfrm>
+          <a:off x="0" y="0"/>
+          <a:ext cx="0" cy="0"/>
+          <a:chOff x="0" y="0"/>
+          <a:chExt cx="0" cy="0"/>
+        </a:xfrm>
+      </p:grpSpPr>
+      <p:sp>
+        <p:nvSpPr>
+          <p:cNvPr id="2" name="Title 1">
+            <a:extLst>
+              <a:ext uri="{FF2B5EF4-FFF2-40B4-BE49-F238E27FC236}">
+                <a16:creationId xmlns:a16="http://schemas.microsoft.com/office/drawing/2014/main" id="{856E5082-6498-4C2C-93A2-C8F49A7C11D5}"/>
+              </a:ext>
+            </a:extLst>
+          </p:cNvPr>
+          <p:cNvSpPr>
+            <a:spLocks noGrp="1"/>
+          </p:cNvSpPr>
+          <p:nvPr>
+            <p:ph type="title"/>
+          </p:nvPr>
+        </p:nvSpPr>
+        <p:spPr/>
+        <p:txBody>
+          <a:bodyPr/>
+          <a:lstStyle/>
+          <a:p>
+            <a:r>
+              <a:rPr lang="en-SG" dirty="0" err="1"/>
+              <a:t>Neopixels</a:t>
+            </a:r>
+            <a:r>
+              <a:rPr lang="en-SG" dirty="0"/>
+              <a:t> – demo code</a:t>
+            </a:r>
+            <a:endParaRPr lang="en-US" dirty="0"/>
+          </a:p>
+        </p:txBody>
+      </p:sp>
+      <p:pic>
+        <p:nvPicPr>
+          <p:cNvPr id="9" name="Content Placeholder 8">
+            <a:extLst>
+              <a:ext uri="{FF2B5EF4-FFF2-40B4-BE49-F238E27FC236}">
+                <a16:creationId xmlns:a16="http://schemas.microsoft.com/office/drawing/2014/main" id="{2CE69D22-EDE1-4811-8F1C-9AF3E8CA5E24}"/>
+              </a:ext>
+            </a:extLst>
+          </p:cNvPr>
+          <p:cNvPicPr>
+            <a:picLocks noGrp="1" noChangeAspect="1"/>
+          </p:cNvPicPr>
+          <p:nvPr>
+            <p:ph sz="half" idx="1"/>
+          </p:nvPr>
+        </p:nvPicPr>
+        <p:blipFill>
+          <a:blip r:embed="rId2"/>
+          <a:stretch>
+            <a:fillRect/>
+          </a:stretch>
+        </p:blipFill>
+        <p:spPr>
+          <a:xfrm>
+            <a:off x="725001" y="1825624"/>
+            <a:ext cx="3906779" cy="4602607"/>
+          </a:xfrm>
+        </p:spPr>
+      </p:pic>
+      <p:pic>
+        <p:nvPicPr>
+          <p:cNvPr id="7" name="Content Placeholder 6">
+            <a:extLst>
+              <a:ext uri="{FF2B5EF4-FFF2-40B4-BE49-F238E27FC236}">
+                <a16:creationId xmlns:a16="http://schemas.microsoft.com/office/drawing/2014/main" id="{11842B82-ADE0-4B4F-8E97-D23B478D4FEA}"/>
+              </a:ext>
+            </a:extLst>
+          </p:cNvPr>
+          <p:cNvPicPr>
+            <a:picLocks noGrp="1" noChangeAspect="1"/>
+          </p:cNvPicPr>
+          <p:nvPr>
+            <p:ph sz="half" idx="2"/>
+          </p:nvPr>
+        </p:nvPicPr>
+        <p:blipFill>
+          <a:blip r:embed="rId3"/>
+          <a:stretch>
+            <a:fillRect/>
+          </a:stretch>
+        </p:blipFill>
+        <p:spPr>
+          <a:xfrm>
+            <a:off x="4812030" y="1851862"/>
+            <a:ext cx="3886200" cy="3622208"/>
+          </a:xfrm>
+        </p:spPr>
+      </p:pic>
+      <p:sp>
+        <p:nvSpPr>
+          <p:cNvPr id="5" name="Slide Number Placeholder 4">
+            <a:extLst>
+              <a:ext uri="{FF2B5EF4-FFF2-40B4-BE49-F238E27FC236}">
+                <a16:creationId xmlns:a16="http://schemas.microsoft.com/office/drawing/2014/main" id="{DFBAE3C5-DD7B-42D3-BFA5-B75F591C777A}"/>
+              </a:ext>
+            </a:extLst>
+          </p:cNvPr>
+          <p:cNvSpPr>
+            <a:spLocks noGrp="1"/>
+          </p:cNvSpPr>
+          <p:nvPr>
+            <p:ph type="sldNum" sz="quarter" idx="12"/>
+          </p:nvPr>
+        </p:nvSpPr>
+        <p:spPr/>
+        <p:txBody>
+          <a:bodyPr/>
+          <a:lstStyle/>
+          <a:p>
+            <a:fld id="{CAB166B3-F268-4CEF-878A-CFB0D0D505D3}" type="slidenum">
+              <a:rPr lang="en-US" smtClean="0"/>
+              <a:t>13</a:t>
+            </a:fld>
+            <a:endParaRPr lang="en-US"/>
+          </a:p>
+        </p:txBody>
+      </p:sp>
+      <p:sp>
+        <p:nvSpPr>
+          <p:cNvPr id="10" name="TextBox 9">
+            <a:extLst>
+              <a:ext uri="{FF2B5EF4-FFF2-40B4-BE49-F238E27FC236}">
+                <a16:creationId xmlns:a16="http://schemas.microsoft.com/office/drawing/2014/main" id="{F98892ED-67EC-416E-AD2F-6463D6CD6718}"/>
+              </a:ext>
+            </a:extLst>
+          </p:cNvPr>
+          <p:cNvSpPr txBox="1"/>
+          <p:nvPr/>
+        </p:nvSpPr>
+        <p:spPr>
+          <a:xfrm>
+            <a:off x="6149199" y="5599938"/>
+            <a:ext cx="2549031" cy="523220"/>
+          </a:xfrm>
+          <a:prstGeom prst="rect">
+            <a:avLst/>
+          </a:prstGeom>
+          <a:noFill/>
+        </p:spPr>
+        <p:txBody>
+          <a:bodyPr wrap="none" rtlCol="0">
+            <a:spAutoFit/>
+          </a:bodyPr>
+          <a:lstStyle/>
+          <a:p>
+            <a:r>
+              <a:rPr lang="en-SG" sz="1400" dirty="0"/>
+              <a:t>uint32_t = unsigned long = 32bit</a:t>
+            </a:r>
+          </a:p>
+          <a:p>
+            <a:r>
+              <a:rPr lang="en-SG" sz="1400" dirty="0"/>
+              <a:t>uint16_t = unsigned int = 16 bit</a:t>
+            </a:r>
+            <a:endParaRPr lang="en-US" sz="1400" dirty="0"/>
+          </a:p>
+        </p:txBody>
+      </p:sp>
+    </p:spTree>
+    <p:extLst>
+      <p:ext uri="{BB962C8B-B14F-4D97-AF65-F5344CB8AC3E}">
+        <p14:creationId xmlns:p14="http://schemas.microsoft.com/office/powerpoint/2010/main" val="1605084177"/>
+      </p:ext>
+    </p:extLst>
+  </p:cSld>
+  <p:clrMapOvr>
+    <a:masterClrMapping/>
+  </p:clrMapOvr>
+</p:sld>
+</file>
+
+<file path=ppt/slides/slide14.xml><?xml version="1.0" encoding="utf-8"?>
+<p:sld xmlns:a="http://schemas.openxmlformats.org/drawingml/2006/main" xmlns:r="http://schemas.openxmlformats.org/officeDocument/2006/relationships" xmlns:p="http://schemas.openxmlformats.org/presentationml/2006/main">
+  <p:cSld>
+    <p:spTree>
+      <p:nvGrpSpPr>
+        <p:cNvPr id="1" name=""/>
+        <p:cNvGrpSpPr/>
+        <p:nvPr/>
+      </p:nvGrpSpPr>
+      <p:grpSpPr>
+        <a:xfrm>
+          <a:off x="0" y="0"/>
+          <a:ext cx="0" cy="0"/>
+          <a:chOff x="0" y="0"/>
+          <a:chExt cx="0" cy="0"/>
+        </a:xfrm>
+      </p:grpSpPr>
+      <p:sp>
+        <p:nvSpPr>
+          <p:cNvPr id="2" name="Title 1">
+            <a:extLst>
+              <a:ext uri="{FF2B5EF4-FFF2-40B4-BE49-F238E27FC236}">
+                <a16:creationId xmlns:a16="http://schemas.microsoft.com/office/drawing/2014/main" id="{AB953185-05D2-46D5-8F1B-EB679A959E36}"/>
+              </a:ext>
+            </a:extLst>
+          </p:cNvPr>
+          <p:cNvSpPr>
+            <a:spLocks noGrp="1"/>
+          </p:cNvSpPr>
+          <p:nvPr>
+            <p:ph type="title"/>
+          </p:nvPr>
+        </p:nvSpPr>
+        <p:spPr/>
+        <p:txBody>
+          <a:bodyPr/>
+          <a:lstStyle/>
+          <a:p>
+            <a:r>
+              <a:rPr lang="en-SG" dirty="0"/>
+              <a:t>Motors</a:t>
+            </a:r>
+            <a:endParaRPr lang="en-US" dirty="0"/>
+          </a:p>
+        </p:txBody>
+      </p:sp>
+      <p:sp>
+        <p:nvSpPr>
+          <p:cNvPr id="37" name="Content Placeholder 36">
+            <a:extLst>
+              <a:ext uri="{FF2B5EF4-FFF2-40B4-BE49-F238E27FC236}">
+                <a16:creationId xmlns:a16="http://schemas.microsoft.com/office/drawing/2014/main" id="{09E86BBF-E0AC-4E40-835F-971A351ACFC7}"/>
+              </a:ext>
+            </a:extLst>
+          </p:cNvPr>
+          <p:cNvSpPr>
+            <a:spLocks noGrp="1"/>
+          </p:cNvSpPr>
+          <p:nvPr>
+            <p:ph idx="1"/>
+          </p:nvPr>
+        </p:nvSpPr>
+        <p:spPr/>
+        <p:txBody>
+          <a:bodyPr/>
+          <a:lstStyle/>
+          <a:p>
+            <a:r>
+              <a:rPr lang="en-SG" sz="2000" dirty="0"/>
+              <a:t>DC Motors require</a:t>
+            </a:r>
+            <a:br>
+              <a:rPr lang="en-SG" sz="2000" dirty="0"/>
+            </a:br>
+            <a:r>
+              <a:rPr lang="en-SG" sz="2000" dirty="0"/>
+              <a:t>a DC current to</a:t>
+            </a:r>
+            <a:br>
+              <a:rPr lang="en-SG" sz="2000" dirty="0"/>
+            </a:br>
+            <a:r>
+              <a:rPr lang="en-SG" sz="2000" dirty="0"/>
+              <a:t>work.</a:t>
+            </a:r>
+          </a:p>
+          <a:p>
+            <a:r>
+              <a:rPr lang="en-SG" sz="2000" dirty="0"/>
+              <a:t>DC motors are usually</a:t>
+            </a:r>
+            <a:br>
+              <a:rPr lang="en-SG" sz="2000" dirty="0"/>
+            </a:br>
+            <a:r>
+              <a:rPr lang="en-SG" sz="2000" dirty="0"/>
+              <a:t>continuously rotating.  Can</a:t>
+            </a:r>
+            <a:br>
+              <a:rPr lang="en-SG" sz="2000" dirty="0"/>
+            </a:br>
+            <a:r>
+              <a:rPr lang="en-SG" sz="2000" dirty="0"/>
+              <a:t>control speed and direction</a:t>
+            </a:r>
+          </a:p>
+          <a:p>
+            <a:r>
+              <a:rPr lang="en-SG" sz="2000" dirty="0"/>
+              <a:t>Stepper motors can move in ‘steps’.  Usually</a:t>
+            </a:r>
+            <a:br>
+              <a:rPr lang="en-SG" sz="2000" dirty="0"/>
+            </a:br>
+            <a:r>
+              <a:rPr lang="en-SG" sz="2000" dirty="0"/>
+              <a:t>done using a controller module, or by changing phase activation.</a:t>
+            </a:r>
+          </a:p>
+          <a:p>
+            <a:r>
+              <a:rPr lang="en-SG" sz="2000" dirty="0"/>
+              <a:t>Servo motors can be controlled to move, stop/hold, change direction using pulses.</a:t>
+            </a:r>
+          </a:p>
+          <a:p>
+            <a:r>
+              <a:rPr lang="en-SG" sz="2000" dirty="0"/>
+              <a:t>Motors consume a lot of current, hence requires an interface circuit.</a:t>
+            </a:r>
+            <a:br>
+              <a:rPr lang="en-SG" sz="2000" dirty="0"/>
+            </a:br>
+            <a:r>
+              <a:rPr lang="en-SG" sz="2000" dirty="0"/>
+              <a:t>Should not be driven from a digital IO pin.</a:t>
+            </a:r>
+            <a:endParaRPr lang="en-US" sz="2000" dirty="0"/>
+          </a:p>
+        </p:txBody>
+      </p:sp>
+      <p:sp>
+        <p:nvSpPr>
+          <p:cNvPr id="5" name="Slide Number Placeholder 4">
+            <a:extLst>
+              <a:ext uri="{FF2B5EF4-FFF2-40B4-BE49-F238E27FC236}">
+                <a16:creationId xmlns:a16="http://schemas.microsoft.com/office/drawing/2014/main" id="{443EB43C-45F2-4E60-8E93-A5590CCEBC66}"/>
+              </a:ext>
+            </a:extLst>
+          </p:cNvPr>
+          <p:cNvSpPr>
+            <a:spLocks noGrp="1"/>
+          </p:cNvSpPr>
+          <p:nvPr>
+            <p:ph type="sldNum" sz="quarter" idx="12"/>
+          </p:nvPr>
+        </p:nvSpPr>
+        <p:spPr/>
+        <p:txBody>
+          <a:bodyPr/>
+          <a:lstStyle/>
+          <a:p>
+            <a:fld id="{CAB166B3-F268-4CEF-878A-CFB0D0D505D3}" type="slidenum">
+              <a:rPr lang="en-US" smtClean="0"/>
+              <a:t>14</a:t>
+            </a:fld>
+            <a:endParaRPr lang="en-US"/>
+          </a:p>
+        </p:txBody>
+      </p:sp>
+      <p:grpSp>
+        <p:nvGrpSpPr>
+          <p:cNvPr id="36" name="Group 35">
+            <a:extLst>
+              <a:ext uri="{FF2B5EF4-FFF2-40B4-BE49-F238E27FC236}">
+                <a16:creationId xmlns:a16="http://schemas.microsoft.com/office/drawing/2014/main" id="{C37EF5A1-EEA4-4918-9852-F7F8BB2D7DC9}"/>
+              </a:ext>
+            </a:extLst>
+          </p:cNvPr>
+          <p:cNvGrpSpPr/>
+          <p:nvPr/>
+        </p:nvGrpSpPr>
+        <p:grpSpPr>
+          <a:xfrm>
+            <a:off x="3236976" y="941992"/>
+            <a:ext cx="5410962" cy="2715768"/>
+            <a:chOff x="2679192" y="1499616"/>
+            <a:chExt cx="5410962" cy="2715768"/>
+          </a:xfrm>
+        </p:grpSpPr>
+        <p:sp>
+          <p:nvSpPr>
+            <p:cNvPr id="6" name="Rectangle: Rounded Corners 5">
+              <a:extLst>
+                <a:ext uri="{FF2B5EF4-FFF2-40B4-BE49-F238E27FC236}">
+                  <a16:creationId xmlns:a16="http://schemas.microsoft.com/office/drawing/2014/main" id="{5BC61C68-5593-4D72-AD29-8D9EC97FCFC9}"/>
+                </a:ext>
+              </a:extLst>
+            </p:cNvPr>
+            <p:cNvSpPr/>
+            <p:nvPr/>
+          </p:nvSpPr>
+          <p:spPr>
+            <a:xfrm>
+              <a:off x="3941064" y="1499616"/>
+              <a:ext cx="1051560" cy="448056"/>
+            </a:xfrm>
+            <a:prstGeom prst="roundRect">
+              <a:avLst/>
+            </a:prstGeom>
+          </p:spPr>
+          <p:style>
+            <a:lnRef idx="2">
+              <a:schemeClr val="accent1">
+                <a:shade val="50000"/>
+              </a:schemeClr>
+            </a:lnRef>
+            <a:fillRef idx="1">
+              <a:schemeClr val="accent1"/>
+            </a:fillRef>
+            <a:effectRef idx="0">
+              <a:schemeClr val="accent1"/>
+            </a:effectRef>
+            <a:fontRef idx="minor">
+              <a:schemeClr val="lt1"/>
+            </a:fontRef>
+          </p:style>
+          <p:txBody>
+            <a:bodyPr rtlCol="0" anchor="ctr"/>
+            <a:lstStyle/>
+            <a:p>
+              <a:pPr algn="ctr"/>
+              <a:r>
+                <a:rPr lang="en-SG" dirty="0"/>
+                <a:t>Motors</a:t>
+              </a:r>
+              <a:endParaRPr lang="en-US" dirty="0"/>
+            </a:p>
+          </p:txBody>
+        </p:sp>
+        <p:sp>
+          <p:nvSpPr>
+            <p:cNvPr id="8" name="Rectangle: Rounded Corners 7">
+              <a:extLst>
+                <a:ext uri="{FF2B5EF4-FFF2-40B4-BE49-F238E27FC236}">
+                  <a16:creationId xmlns:a16="http://schemas.microsoft.com/office/drawing/2014/main" id="{C11D6D7B-D32F-4D45-B446-E5CF809811C6}"/>
+                </a:ext>
+              </a:extLst>
+            </p:cNvPr>
+            <p:cNvSpPr/>
+            <p:nvPr/>
+          </p:nvSpPr>
+          <p:spPr>
+            <a:xfrm>
+              <a:off x="2679192" y="2221992"/>
+              <a:ext cx="1051560" cy="448056"/>
+            </a:xfrm>
+            <a:prstGeom prst="roundRect">
+              <a:avLst/>
+            </a:prstGeom>
+            <a:solidFill>
+              <a:schemeClr val="accent4">
+                <a:lumMod val="75000"/>
+              </a:schemeClr>
+            </a:solidFill>
+          </p:spPr>
+          <p:style>
+            <a:lnRef idx="2">
+              <a:schemeClr val="accent1">
+                <a:shade val="50000"/>
+              </a:schemeClr>
+            </a:lnRef>
+            <a:fillRef idx="1">
+              <a:schemeClr val="accent1"/>
+            </a:fillRef>
+            <a:effectRef idx="0">
+              <a:schemeClr val="accent1"/>
+            </a:effectRef>
+            <a:fontRef idx="minor">
+              <a:schemeClr val="lt1"/>
+            </a:fontRef>
+          </p:style>
+          <p:txBody>
+            <a:bodyPr rtlCol="0" anchor="ctr"/>
+            <a:lstStyle/>
+            <a:p>
+              <a:pPr algn="ctr"/>
+              <a:r>
+                <a:rPr lang="en-SG" dirty="0"/>
+                <a:t>AC</a:t>
+              </a:r>
+              <a:endParaRPr lang="en-US" dirty="0"/>
+            </a:p>
+          </p:txBody>
+        </p:sp>
+        <p:sp>
+          <p:nvSpPr>
+            <p:cNvPr id="9" name="Rectangle: Rounded Corners 8">
+              <a:extLst>
+                <a:ext uri="{FF2B5EF4-FFF2-40B4-BE49-F238E27FC236}">
+                  <a16:creationId xmlns:a16="http://schemas.microsoft.com/office/drawing/2014/main" id="{87530AEC-C185-436B-8AD9-1D7ACE7A27C8}"/>
+                </a:ext>
+              </a:extLst>
+            </p:cNvPr>
+            <p:cNvSpPr/>
+            <p:nvPr/>
+          </p:nvSpPr>
+          <p:spPr>
+            <a:xfrm>
+              <a:off x="5111496" y="2221992"/>
+              <a:ext cx="1051560" cy="448056"/>
+            </a:xfrm>
+            <a:prstGeom prst="roundRect">
+              <a:avLst/>
+            </a:prstGeom>
+            <a:solidFill>
+              <a:schemeClr val="accent4">
+                <a:lumMod val="75000"/>
+              </a:schemeClr>
+            </a:solidFill>
+          </p:spPr>
+          <p:style>
+            <a:lnRef idx="2">
+              <a:schemeClr val="accent1">
+                <a:shade val="50000"/>
+              </a:schemeClr>
+            </a:lnRef>
+            <a:fillRef idx="1">
+              <a:schemeClr val="accent1"/>
+            </a:fillRef>
+            <a:effectRef idx="0">
+              <a:schemeClr val="accent1"/>
+            </a:effectRef>
+            <a:fontRef idx="minor">
+              <a:schemeClr val="lt1"/>
+            </a:fontRef>
+          </p:style>
+          <p:txBody>
+            <a:bodyPr rtlCol="0" anchor="ctr"/>
+            <a:lstStyle/>
+            <a:p>
+              <a:pPr algn="ctr"/>
+              <a:r>
+                <a:rPr lang="en-SG"/>
+                <a:t>DC</a:t>
+              </a:r>
+              <a:endParaRPr lang="en-US" dirty="0"/>
+            </a:p>
+          </p:txBody>
+        </p:sp>
+        <p:sp>
+          <p:nvSpPr>
+            <p:cNvPr id="10" name="Rectangle: Rounded Corners 9">
+              <a:extLst>
+                <a:ext uri="{FF2B5EF4-FFF2-40B4-BE49-F238E27FC236}">
+                  <a16:creationId xmlns:a16="http://schemas.microsoft.com/office/drawing/2014/main" id="{1500BA70-8669-414F-9725-BC03CB96AC3B}"/>
+                </a:ext>
+              </a:extLst>
+            </p:cNvPr>
+            <p:cNvSpPr/>
+            <p:nvPr/>
+          </p:nvSpPr>
+          <p:spPr>
+            <a:xfrm>
+              <a:off x="3794760" y="3026664"/>
+              <a:ext cx="1051560" cy="448056"/>
+            </a:xfrm>
+            <a:prstGeom prst="roundRect">
+              <a:avLst/>
+            </a:prstGeom>
+            <a:solidFill>
+              <a:schemeClr val="accent6">
+                <a:lumMod val="60000"/>
+                <a:lumOff val="40000"/>
+              </a:schemeClr>
+            </a:solidFill>
+          </p:spPr>
+          <p:style>
+            <a:lnRef idx="2">
+              <a:schemeClr val="accent1">
+                <a:shade val="50000"/>
+              </a:schemeClr>
+            </a:lnRef>
+            <a:fillRef idx="1">
+              <a:schemeClr val="accent1"/>
+            </a:fillRef>
+            <a:effectRef idx="0">
+              <a:schemeClr val="accent1"/>
+            </a:effectRef>
+            <a:fontRef idx="minor">
+              <a:schemeClr val="lt1"/>
+            </a:fontRef>
+          </p:style>
+          <p:txBody>
+            <a:bodyPr rtlCol="0" anchor="ctr"/>
+            <a:lstStyle/>
+            <a:p>
+              <a:pPr algn="ctr"/>
+              <a:r>
+                <a:rPr lang="en-SG" sz="1400" dirty="0"/>
+                <a:t>continuous</a:t>
+              </a:r>
+              <a:endParaRPr lang="en-US" sz="1400" dirty="0"/>
+            </a:p>
+          </p:txBody>
+        </p:sp>
+        <p:sp>
+          <p:nvSpPr>
+            <p:cNvPr id="11" name="Rectangle: Rounded Corners 10">
+              <a:extLst>
+                <a:ext uri="{FF2B5EF4-FFF2-40B4-BE49-F238E27FC236}">
+                  <a16:creationId xmlns:a16="http://schemas.microsoft.com/office/drawing/2014/main" id="{07DAB9A5-7D23-4718-89FD-41FA729109D5}"/>
+                </a:ext>
+              </a:extLst>
+            </p:cNvPr>
+            <p:cNvSpPr/>
+            <p:nvPr/>
+          </p:nvSpPr>
+          <p:spPr>
+            <a:xfrm>
+              <a:off x="5120640" y="3026664"/>
+              <a:ext cx="1051560" cy="448056"/>
+            </a:xfrm>
+            <a:prstGeom prst="roundRect">
+              <a:avLst/>
+            </a:prstGeom>
+            <a:solidFill>
+              <a:schemeClr val="accent6">
+                <a:lumMod val="60000"/>
+                <a:lumOff val="40000"/>
+              </a:schemeClr>
+            </a:solidFill>
+          </p:spPr>
+          <p:style>
+            <a:lnRef idx="2">
+              <a:schemeClr val="accent1">
+                <a:shade val="50000"/>
+              </a:schemeClr>
+            </a:lnRef>
+            <a:fillRef idx="1">
+              <a:schemeClr val="accent1"/>
+            </a:fillRef>
+            <a:effectRef idx="0">
+              <a:schemeClr val="accent1"/>
+            </a:effectRef>
+            <a:fontRef idx="minor">
+              <a:schemeClr val="lt1"/>
+            </a:fontRef>
+          </p:style>
+          <p:txBody>
+            <a:bodyPr rtlCol="0" anchor="ctr"/>
+            <a:lstStyle/>
+            <a:p>
+              <a:pPr algn="ctr"/>
+              <a:r>
+                <a:rPr lang="en-SG" sz="1400" dirty="0"/>
+                <a:t>stepper</a:t>
+              </a:r>
+              <a:endParaRPr lang="en-US" sz="1400" dirty="0"/>
+            </a:p>
+          </p:txBody>
+        </p:sp>
+        <p:sp>
+          <p:nvSpPr>
+            <p:cNvPr id="12" name="Rectangle: Rounded Corners 11">
+              <a:extLst>
+                <a:ext uri="{FF2B5EF4-FFF2-40B4-BE49-F238E27FC236}">
+                  <a16:creationId xmlns:a16="http://schemas.microsoft.com/office/drawing/2014/main" id="{905C75D1-F3E2-4F50-BC51-E48E92DEF49F}"/>
+                </a:ext>
+              </a:extLst>
+            </p:cNvPr>
+            <p:cNvSpPr/>
+            <p:nvPr/>
+          </p:nvSpPr>
+          <p:spPr>
+            <a:xfrm>
+              <a:off x="6419088" y="3026664"/>
+              <a:ext cx="1051560" cy="448056"/>
+            </a:xfrm>
+            <a:prstGeom prst="roundRect">
+              <a:avLst/>
+            </a:prstGeom>
+            <a:solidFill>
+              <a:schemeClr val="accent6">
+                <a:lumMod val="75000"/>
+              </a:schemeClr>
+            </a:solidFill>
+          </p:spPr>
+          <p:style>
+            <a:lnRef idx="2">
+              <a:schemeClr val="accent1">
+                <a:shade val="50000"/>
+              </a:schemeClr>
+            </a:lnRef>
+            <a:fillRef idx="1">
+              <a:schemeClr val="accent1"/>
+            </a:fillRef>
+            <a:effectRef idx="0">
+              <a:schemeClr val="accent1"/>
+            </a:effectRef>
+            <a:fontRef idx="minor">
+              <a:schemeClr val="lt1"/>
+            </a:fontRef>
+          </p:style>
+          <p:txBody>
+            <a:bodyPr rtlCol="0" anchor="ctr"/>
+            <a:lstStyle/>
+            <a:p>
+              <a:pPr algn="ctr"/>
+              <a:r>
+                <a:rPr lang="en-SG" sz="1400" dirty="0"/>
+                <a:t>servo</a:t>
+              </a:r>
+              <a:endParaRPr lang="en-US" sz="1400" dirty="0"/>
+            </a:p>
+          </p:txBody>
+        </p:sp>
+        <p:sp>
+          <p:nvSpPr>
+            <p:cNvPr id="13" name="Rectangle: Rounded Corners 12">
+              <a:extLst>
+                <a:ext uri="{FF2B5EF4-FFF2-40B4-BE49-F238E27FC236}">
+                  <a16:creationId xmlns:a16="http://schemas.microsoft.com/office/drawing/2014/main" id="{7F1AC114-225F-430E-A0A5-6E80136358C3}"/>
+                </a:ext>
+              </a:extLst>
+            </p:cNvPr>
+            <p:cNvSpPr/>
+            <p:nvPr/>
+          </p:nvSpPr>
+          <p:spPr>
+            <a:xfrm>
+              <a:off x="5788152" y="3767328"/>
+              <a:ext cx="1051560" cy="448056"/>
+            </a:xfrm>
+            <a:prstGeom prst="roundRect">
+              <a:avLst/>
+            </a:prstGeom>
+            <a:solidFill>
+              <a:schemeClr val="accent2">
+                <a:lumMod val="60000"/>
+                <a:lumOff val="40000"/>
+              </a:schemeClr>
+            </a:solidFill>
+          </p:spPr>
+          <p:style>
+            <a:lnRef idx="2">
+              <a:schemeClr val="accent1">
+                <a:shade val="50000"/>
+              </a:schemeClr>
+            </a:lnRef>
+            <a:fillRef idx="1">
+              <a:schemeClr val="accent1"/>
+            </a:fillRef>
+            <a:effectRef idx="0">
+              <a:schemeClr val="accent1"/>
+            </a:effectRef>
+            <a:fontRef idx="minor">
+              <a:schemeClr val="lt1"/>
+            </a:fontRef>
+          </p:style>
+          <p:txBody>
+            <a:bodyPr rtlCol="0" anchor="ctr"/>
+            <a:lstStyle/>
+            <a:p>
+              <a:pPr algn="ctr"/>
+              <a:r>
+                <a:rPr lang="en-SG" sz="1400" dirty="0"/>
+                <a:t>rotational</a:t>
+              </a:r>
+              <a:endParaRPr lang="en-US" sz="1400" dirty="0"/>
+            </a:p>
+          </p:txBody>
+        </p:sp>
+        <p:sp>
+          <p:nvSpPr>
+            <p:cNvPr id="14" name="Rectangle: Rounded Corners 13">
+              <a:extLst>
+                <a:ext uri="{FF2B5EF4-FFF2-40B4-BE49-F238E27FC236}">
+                  <a16:creationId xmlns:a16="http://schemas.microsoft.com/office/drawing/2014/main" id="{0F8F1FAB-98B6-4C2B-8C75-22CBA92F6C34}"/>
+                </a:ext>
+              </a:extLst>
+            </p:cNvPr>
+            <p:cNvSpPr/>
+            <p:nvPr/>
+          </p:nvSpPr>
+          <p:spPr>
+            <a:xfrm>
+              <a:off x="7038594" y="3758184"/>
+              <a:ext cx="1051560" cy="448056"/>
+            </a:xfrm>
+            <a:prstGeom prst="roundRect">
+              <a:avLst/>
+            </a:prstGeom>
+            <a:solidFill>
+              <a:schemeClr val="accent2">
+                <a:lumMod val="60000"/>
+                <a:lumOff val="40000"/>
+              </a:schemeClr>
+            </a:solidFill>
+          </p:spPr>
+          <p:style>
+            <a:lnRef idx="2">
+              <a:schemeClr val="accent1">
+                <a:shade val="50000"/>
+              </a:schemeClr>
+            </a:lnRef>
+            <a:fillRef idx="1">
+              <a:schemeClr val="accent1"/>
+            </a:fillRef>
+            <a:effectRef idx="0">
+              <a:schemeClr val="accent1"/>
+            </a:effectRef>
+            <a:fontRef idx="minor">
+              <a:schemeClr val="lt1"/>
+            </a:fontRef>
+          </p:style>
+          <p:txBody>
+            <a:bodyPr rtlCol="0" anchor="ctr"/>
+            <a:lstStyle/>
+            <a:p>
+              <a:pPr algn="ctr"/>
+              <a:r>
+                <a:rPr lang="en-SG" sz="1400" dirty="0"/>
+                <a:t>positional</a:t>
+              </a:r>
+              <a:endParaRPr lang="en-US" sz="1400" dirty="0"/>
+            </a:p>
+          </p:txBody>
+        </p:sp>
+        <p:cxnSp>
+          <p:nvCxnSpPr>
+            <p:cNvPr id="16" name="Connector: Elbow 15">
+              <a:extLst>
+                <a:ext uri="{FF2B5EF4-FFF2-40B4-BE49-F238E27FC236}">
+                  <a16:creationId xmlns:a16="http://schemas.microsoft.com/office/drawing/2014/main" id="{235A89C1-312F-4008-8963-6411CFB3088B}"/>
+                </a:ext>
+              </a:extLst>
+            </p:cNvPr>
+            <p:cNvCxnSpPr>
+              <a:cxnSpLocks/>
+              <a:stCxn id="6" idx="2"/>
+              <a:endCxn id="8" idx="0"/>
+            </p:cNvCxnSpPr>
+            <p:nvPr/>
+          </p:nvCxnSpPr>
+          <p:spPr>
+            <a:xfrm rot="5400000">
+              <a:off x="3698748" y="1453896"/>
+              <a:ext cx="274320" cy="1261872"/>
+            </a:xfrm>
+            <a:prstGeom prst="bentConnector3">
+              <a:avLst>
+                <a:gd name="adj1" fmla="val 50000"/>
+              </a:avLst>
+            </a:prstGeom>
+            <a:ln>
+              <a:tailEnd type="triangle"/>
+            </a:ln>
+          </p:spPr>
+          <p:style>
+            <a:lnRef idx="3">
+              <a:schemeClr val="dk1"/>
+            </a:lnRef>
+            <a:fillRef idx="0">
+              <a:schemeClr val="dk1"/>
+            </a:fillRef>
+            <a:effectRef idx="2">
+              <a:schemeClr val="dk1"/>
+            </a:effectRef>
+            <a:fontRef idx="minor">
+              <a:schemeClr val="tx1"/>
+            </a:fontRef>
+          </p:style>
+        </p:cxnSp>
+        <p:cxnSp>
+          <p:nvCxnSpPr>
+            <p:cNvPr id="20" name="Connector: Elbow 19">
+              <a:extLst>
+                <a:ext uri="{FF2B5EF4-FFF2-40B4-BE49-F238E27FC236}">
+                  <a16:creationId xmlns:a16="http://schemas.microsoft.com/office/drawing/2014/main" id="{9476A4C4-CC61-4BBE-93D8-BC3F4E32C908}"/>
+                </a:ext>
+              </a:extLst>
+            </p:cNvPr>
+            <p:cNvCxnSpPr>
+              <a:cxnSpLocks/>
+              <a:stCxn id="6" idx="2"/>
+              <a:endCxn id="9" idx="0"/>
+            </p:cNvCxnSpPr>
+            <p:nvPr/>
+          </p:nvCxnSpPr>
+          <p:spPr>
+            <a:xfrm rot="16200000" flipH="1">
+              <a:off x="4914900" y="1499616"/>
+              <a:ext cx="274320" cy="1170432"/>
+            </a:xfrm>
+            <a:prstGeom prst="bentConnector3">
+              <a:avLst/>
+            </a:prstGeom>
+            <a:ln>
+              <a:tailEnd type="triangle"/>
+            </a:ln>
+          </p:spPr>
+          <p:style>
+            <a:lnRef idx="3">
+              <a:schemeClr val="dk1"/>
+            </a:lnRef>
+            <a:fillRef idx="0">
+              <a:schemeClr val="dk1"/>
+            </a:fillRef>
+            <a:effectRef idx="2">
+              <a:schemeClr val="dk1"/>
+            </a:effectRef>
+            <a:fontRef idx="minor">
+              <a:schemeClr val="tx1"/>
+            </a:fontRef>
+          </p:style>
+        </p:cxnSp>
+        <p:cxnSp>
+          <p:nvCxnSpPr>
+            <p:cNvPr id="23" name="Connector: Elbow 22">
+              <a:extLst>
+                <a:ext uri="{FF2B5EF4-FFF2-40B4-BE49-F238E27FC236}">
+                  <a16:creationId xmlns:a16="http://schemas.microsoft.com/office/drawing/2014/main" id="{F03A8CFA-93C0-4DF9-833D-9E0E342DF036}"/>
+                </a:ext>
+              </a:extLst>
+            </p:cNvPr>
+            <p:cNvCxnSpPr>
+              <a:cxnSpLocks/>
+              <a:stCxn id="9" idx="2"/>
+              <a:endCxn id="10" idx="0"/>
+            </p:cNvCxnSpPr>
+            <p:nvPr/>
+          </p:nvCxnSpPr>
+          <p:spPr>
+            <a:xfrm rot="5400000">
+              <a:off x="4800600" y="2189988"/>
+              <a:ext cx="356616" cy="1316736"/>
+            </a:xfrm>
+            <a:prstGeom prst="bentConnector3">
+              <a:avLst/>
+            </a:prstGeom>
+            <a:ln>
+              <a:tailEnd type="triangle"/>
+            </a:ln>
+          </p:spPr>
+          <p:style>
+            <a:lnRef idx="3">
+              <a:schemeClr val="dk1"/>
+            </a:lnRef>
+            <a:fillRef idx="0">
+              <a:schemeClr val="dk1"/>
+            </a:fillRef>
+            <a:effectRef idx="2">
+              <a:schemeClr val="dk1"/>
+            </a:effectRef>
+            <a:fontRef idx="minor">
+              <a:schemeClr val="tx1"/>
+            </a:fontRef>
+          </p:style>
+        </p:cxnSp>
+        <p:cxnSp>
+          <p:nvCxnSpPr>
+            <p:cNvPr id="25" name="Connector: Elbow 24">
+              <a:extLst>
+                <a:ext uri="{FF2B5EF4-FFF2-40B4-BE49-F238E27FC236}">
+                  <a16:creationId xmlns:a16="http://schemas.microsoft.com/office/drawing/2014/main" id="{E3515C0D-E83C-4B2C-B546-B9D37C6061DA}"/>
+                </a:ext>
+              </a:extLst>
+            </p:cNvPr>
+            <p:cNvCxnSpPr>
+              <a:cxnSpLocks/>
+              <a:stCxn id="9" idx="2"/>
+              <a:endCxn id="12" idx="0"/>
+            </p:cNvCxnSpPr>
+            <p:nvPr/>
+          </p:nvCxnSpPr>
+          <p:spPr>
+            <a:xfrm rot="16200000" flipH="1">
+              <a:off x="6112764" y="2194560"/>
+              <a:ext cx="356616" cy="1307592"/>
+            </a:xfrm>
+            <a:prstGeom prst="bentConnector3">
+              <a:avLst>
+                <a:gd name="adj1" fmla="val 50000"/>
+              </a:avLst>
+            </a:prstGeom>
+            <a:ln>
+              <a:tailEnd type="triangle"/>
+            </a:ln>
+          </p:spPr>
+          <p:style>
+            <a:lnRef idx="3">
+              <a:schemeClr val="dk1"/>
+            </a:lnRef>
+            <a:fillRef idx="0">
+              <a:schemeClr val="dk1"/>
+            </a:fillRef>
+            <a:effectRef idx="2">
+              <a:schemeClr val="dk1"/>
+            </a:effectRef>
+            <a:fontRef idx="minor">
+              <a:schemeClr val="tx1"/>
+            </a:fontRef>
+          </p:style>
+        </p:cxnSp>
+        <p:cxnSp>
+          <p:nvCxnSpPr>
+            <p:cNvPr id="29" name="Straight Arrow Connector 28">
+              <a:extLst>
+                <a:ext uri="{FF2B5EF4-FFF2-40B4-BE49-F238E27FC236}">
+                  <a16:creationId xmlns:a16="http://schemas.microsoft.com/office/drawing/2014/main" id="{6225CA99-E95C-4E1B-9520-DB325D7937C2}"/>
+                </a:ext>
+              </a:extLst>
+            </p:cNvPr>
+            <p:cNvCxnSpPr>
+              <a:stCxn id="9" idx="2"/>
+              <a:endCxn id="11" idx="0"/>
+            </p:cNvCxnSpPr>
+            <p:nvPr/>
+          </p:nvCxnSpPr>
+          <p:spPr>
+            <a:xfrm>
+              <a:off x="5637276" y="2670048"/>
+              <a:ext cx="9144" cy="356616"/>
+            </a:xfrm>
+            <a:prstGeom prst="straightConnector1">
+              <a:avLst/>
+            </a:prstGeom>
+            <a:ln>
+              <a:tailEnd type="triangle"/>
+            </a:ln>
+          </p:spPr>
+          <p:style>
+            <a:lnRef idx="3">
+              <a:schemeClr val="dk1"/>
+            </a:lnRef>
+            <a:fillRef idx="0">
+              <a:schemeClr val="dk1"/>
+            </a:fillRef>
+            <a:effectRef idx="2">
+              <a:schemeClr val="dk1"/>
+            </a:effectRef>
+            <a:fontRef idx="minor">
+              <a:schemeClr val="tx1"/>
+            </a:fontRef>
+          </p:style>
+        </p:cxnSp>
+        <p:cxnSp>
+          <p:nvCxnSpPr>
+            <p:cNvPr id="31" name="Connector: Elbow 30">
+              <a:extLst>
+                <a:ext uri="{FF2B5EF4-FFF2-40B4-BE49-F238E27FC236}">
+                  <a16:creationId xmlns:a16="http://schemas.microsoft.com/office/drawing/2014/main" id="{FC175D71-CD93-429E-95CD-A41808EE29E7}"/>
+                </a:ext>
+              </a:extLst>
+            </p:cNvPr>
+            <p:cNvCxnSpPr>
+              <a:cxnSpLocks/>
+              <a:stCxn id="12" idx="2"/>
+              <a:endCxn id="13" idx="0"/>
+            </p:cNvCxnSpPr>
+            <p:nvPr/>
+          </p:nvCxnSpPr>
+          <p:spPr>
+            <a:xfrm rot="5400000">
+              <a:off x="6483096" y="3305556"/>
+              <a:ext cx="292608" cy="630936"/>
+            </a:xfrm>
+            <a:prstGeom prst="bentConnector3">
+              <a:avLst/>
+            </a:prstGeom>
+            <a:ln>
+              <a:tailEnd type="triangle"/>
+            </a:ln>
+          </p:spPr>
+          <p:style>
+            <a:lnRef idx="3">
+              <a:schemeClr val="dk1"/>
+            </a:lnRef>
+            <a:fillRef idx="0">
+              <a:schemeClr val="dk1"/>
+            </a:fillRef>
+            <a:effectRef idx="2">
+              <a:schemeClr val="dk1"/>
+            </a:effectRef>
+            <a:fontRef idx="minor">
+              <a:schemeClr val="tx1"/>
+            </a:fontRef>
+          </p:style>
+        </p:cxnSp>
+        <p:cxnSp>
+          <p:nvCxnSpPr>
+            <p:cNvPr id="33" name="Connector: Elbow 32">
+              <a:extLst>
+                <a:ext uri="{FF2B5EF4-FFF2-40B4-BE49-F238E27FC236}">
+                  <a16:creationId xmlns:a16="http://schemas.microsoft.com/office/drawing/2014/main" id="{30DDBCC4-C8C8-4C69-9F81-10C7B612ECE3}"/>
+                </a:ext>
+              </a:extLst>
+            </p:cNvPr>
+            <p:cNvCxnSpPr>
+              <a:cxnSpLocks/>
+            </p:cNvCxnSpPr>
+            <p:nvPr/>
+          </p:nvCxnSpPr>
+          <p:spPr>
+            <a:xfrm>
+              <a:off x="6981444" y="3607308"/>
+              <a:ext cx="582930" cy="205740"/>
+            </a:xfrm>
+            <a:prstGeom prst="bentConnector2">
+              <a:avLst/>
+            </a:prstGeom>
+            <a:ln>
+              <a:tailEnd type="triangle"/>
+            </a:ln>
+          </p:spPr>
+          <p:style>
+            <a:lnRef idx="3">
+              <a:schemeClr val="dk1"/>
+            </a:lnRef>
+            <a:fillRef idx="0">
+              <a:schemeClr val="dk1"/>
+            </a:fillRef>
+            <a:effectRef idx="2">
+              <a:schemeClr val="dk1"/>
+            </a:effectRef>
+            <a:fontRef idx="minor">
+              <a:schemeClr val="tx1"/>
+            </a:fontRef>
+          </p:style>
+        </p:cxnSp>
+      </p:grpSp>
+    </p:spTree>
+    <p:extLst>
+      <p:ext uri="{BB962C8B-B14F-4D97-AF65-F5344CB8AC3E}">
+        <p14:creationId xmlns:p14="http://schemas.microsoft.com/office/powerpoint/2010/main" val="2645427257"/>
+      </p:ext>
+    </p:extLst>
+  </p:cSld>
+  <p:clrMapOvr>
+    <a:masterClrMapping/>
+  </p:clrMapOvr>
+</p:sld>
+</file>
+
+<file path=ppt/slides/slide15.xml><?xml version="1.0" encoding="utf-8"?>
+<p:sld xmlns:a="http://schemas.openxmlformats.org/drawingml/2006/main" xmlns:r="http://schemas.openxmlformats.org/officeDocument/2006/relationships" xmlns:p="http://schemas.openxmlformats.org/presentationml/2006/main">
+  <p:cSld>
+    <p:spTree>
+      <p:nvGrpSpPr>
+        <p:cNvPr id="1" name=""/>
+        <p:cNvGrpSpPr/>
+        <p:nvPr/>
+      </p:nvGrpSpPr>
+      <p:grpSpPr>
+        <a:xfrm>
+          <a:off x="0" y="0"/>
+          <a:ext cx="0" cy="0"/>
+          <a:chOff x="0" y="0"/>
+          <a:chExt cx="0" cy="0"/>
+        </a:xfrm>
+      </p:grpSpPr>
+      <p:sp>
+        <p:nvSpPr>
+          <p:cNvPr id="2" name="Title 1">
+            <a:extLst>
+              <a:ext uri="{FF2B5EF4-FFF2-40B4-BE49-F238E27FC236}">
+                <a16:creationId xmlns:a16="http://schemas.microsoft.com/office/drawing/2014/main" id="{64849340-D6C2-4B6F-AF6C-5A7946808DF5}"/>
+              </a:ext>
+            </a:extLst>
+          </p:cNvPr>
+          <p:cNvSpPr>
+            <a:spLocks noGrp="1"/>
+          </p:cNvSpPr>
+          <p:nvPr>
+            <p:ph type="title"/>
+          </p:nvPr>
+        </p:nvSpPr>
+        <p:spPr/>
+        <p:txBody>
+          <a:bodyPr/>
+          <a:lstStyle/>
+          <a:p>
+            <a:r>
+              <a:rPr lang="en-SG" dirty="0"/>
+              <a:t>DC Motor control</a:t>
+            </a:r>
+            <a:endParaRPr lang="en-US" dirty="0"/>
+          </a:p>
+        </p:txBody>
+      </p:sp>
+      <p:sp>
+        <p:nvSpPr>
+          <p:cNvPr id="5" name="Content Placeholder 4">
+            <a:extLst>
+              <a:ext uri="{FF2B5EF4-FFF2-40B4-BE49-F238E27FC236}">
+                <a16:creationId xmlns:a16="http://schemas.microsoft.com/office/drawing/2014/main" id="{BD844E11-B9C2-4643-B96C-04F90089FCB4}"/>
+              </a:ext>
+            </a:extLst>
+          </p:cNvPr>
+          <p:cNvSpPr>
+            <a:spLocks noGrp="1"/>
+          </p:cNvSpPr>
+          <p:nvPr>
+            <p:ph sz="half" idx="1"/>
+          </p:nvPr>
+        </p:nvSpPr>
+        <p:spPr/>
+        <p:txBody>
+          <a:bodyPr/>
+          <a:lstStyle/>
+          <a:p>
+            <a:r>
+              <a:rPr lang="en-SG" sz="2000" dirty="0"/>
+              <a:t>Use a digital IO pin to control a transistor (Q).  Transistor acts like a “tap”</a:t>
+            </a:r>
+          </a:p>
+          <a:p>
+            <a:r>
+              <a:rPr lang="en-US" sz="2000" dirty="0" err="1"/>
+              <a:t>Qon</a:t>
+            </a:r>
+            <a:r>
+              <a:rPr lang="en-US" sz="2000" dirty="0"/>
+              <a:t> allows current to flow, which makes motor move.</a:t>
+            </a:r>
+          </a:p>
+          <a:p>
+            <a:r>
+              <a:rPr lang="en-US" sz="2000" dirty="0" err="1"/>
+              <a:t>Qoff</a:t>
+            </a:r>
+            <a:r>
+              <a:rPr lang="en-US" sz="2000" dirty="0"/>
+              <a:t> turns off the current.</a:t>
+            </a:r>
+          </a:p>
+          <a:p>
+            <a:r>
+              <a:rPr lang="en-US" sz="2000" dirty="0"/>
+              <a:t>Using PWM to control the On/OFF sequence allows control in motor speed.</a:t>
+            </a:r>
+          </a:p>
+          <a:p>
+            <a:r>
+              <a:rPr lang="en-US" sz="2000" dirty="0"/>
+              <a:t>PWM at low speeds do not provide much torque.</a:t>
+            </a:r>
+          </a:p>
+        </p:txBody>
+      </p:sp>
+      <p:sp>
+        <p:nvSpPr>
+          <p:cNvPr id="6" name="Content Placeholder 5">
+            <a:extLst>
+              <a:ext uri="{FF2B5EF4-FFF2-40B4-BE49-F238E27FC236}">
+                <a16:creationId xmlns:a16="http://schemas.microsoft.com/office/drawing/2014/main" id="{A0BB5154-9426-4B9E-8974-946E98DBD63D}"/>
+              </a:ext>
+            </a:extLst>
+          </p:cNvPr>
+          <p:cNvSpPr>
+            <a:spLocks noGrp="1"/>
+          </p:cNvSpPr>
+          <p:nvPr>
+            <p:ph sz="half" idx="2"/>
+          </p:nvPr>
+        </p:nvSpPr>
+        <p:spPr/>
+        <p:txBody>
+          <a:bodyPr/>
+          <a:lstStyle/>
+          <a:p>
+            <a:endParaRPr lang="en-US"/>
+          </a:p>
+        </p:txBody>
+      </p:sp>
+      <p:sp>
+        <p:nvSpPr>
+          <p:cNvPr id="4" name="Slide Number Placeholder 3">
+            <a:extLst>
+              <a:ext uri="{FF2B5EF4-FFF2-40B4-BE49-F238E27FC236}">
+                <a16:creationId xmlns:a16="http://schemas.microsoft.com/office/drawing/2014/main" id="{6AE28A57-51FF-4B7B-B838-A409DEB68CEE}"/>
+              </a:ext>
+            </a:extLst>
+          </p:cNvPr>
+          <p:cNvSpPr>
+            <a:spLocks noGrp="1"/>
+          </p:cNvSpPr>
+          <p:nvPr>
+            <p:ph type="sldNum" sz="quarter" idx="12"/>
+          </p:nvPr>
+        </p:nvSpPr>
+        <p:spPr/>
+        <p:txBody>
+          <a:bodyPr/>
+          <a:lstStyle/>
+          <a:p>
+            <a:fld id="{CAB166B3-F268-4CEF-878A-CFB0D0D505D3}" type="slidenum">
+              <a:rPr lang="en-US" smtClean="0"/>
+              <a:t>15</a:t>
+            </a:fld>
+            <a:endParaRPr lang="en-US"/>
+          </a:p>
+        </p:txBody>
+      </p:sp>
+    </p:spTree>
+    <p:extLst>
+      <p:ext uri="{BB962C8B-B14F-4D97-AF65-F5344CB8AC3E}">
+        <p14:creationId xmlns:p14="http://schemas.microsoft.com/office/powerpoint/2010/main" val="4028781759"/>
+      </p:ext>
+    </p:extLst>
+  </p:cSld>
+  <p:clrMapOvr>
+    <a:masterClrMapping/>
+  </p:clrMapOvr>
+</p:sld>
+</file>
+
+<file path=ppt/slides/slide16.xml><?xml version="1.0" encoding="utf-8"?>
+<p:sld xmlns:a="http://schemas.openxmlformats.org/drawingml/2006/main" xmlns:r="http://schemas.openxmlformats.org/officeDocument/2006/relationships" xmlns:p="http://schemas.openxmlformats.org/presentationml/2006/main">
+  <p:cSld>
+    <p:spTree>
+      <p:nvGrpSpPr>
+        <p:cNvPr id="1" name=""/>
+        <p:cNvGrpSpPr/>
+        <p:nvPr/>
+      </p:nvGrpSpPr>
+      <p:grpSpPr>
+        <a:xfrm>
+          <a:off x="0" y="0"/>
+          <a:ext cx="0" cy="0"/>
+          <a:chOff x="0" y="0"/>
+          <a:chExt cx="0" cy="0"/>
+        </a:xfrm>
+      </p:grpSpPr>
+      <p:sp>
+        <p:nvSpPr>
+          <p:cNvPr id="2" name="Title 1">
+            <a:extLst>
+              <a:ext uri="{FF2B5EF4-FFF2-40B4-BE49-F238E27FC236}">
                 <a16:creationId xmlns:a16="http://schemas.microsoft.com/office/drawing/2014/main" id="{29757EC0-C4C7-4C21-8BBD-162462AD095F}"/>
               </a:ext>
             </a:extLst>
@@ -3948,6 +6105,31 @@
           <a:p>
             <a:pPr lvl="1"/>
             <a:r>
+              <a:rPr lang="en-SG" dirty="0"/>
+              <a:t>7-segment tube displays</a:t>
+            </a:r>
+          </a:p>
+          <a:p>
+            <a:pPr lvl="1"/>
+            <a:r>
+              <a:rPr lang="en-SG" dirty="0"/>
+              <a:t>Dot-matrix displays (running messages)</a:t>
+            </a:r>
+          </a:p>
+          <a:p>
+            <a:pPr lvl="1"/>
+            <a:r>
+              <a:rPr lang="en-SG" dirty="0" err="1"/>
+              <a:t>Oled</a:t>
+            </a:r>
+            <a:r>
+              <a:rPr lang="en-SG" dirty="0"/>
+              <a:t> displays</a:t>
+            </a:r>
+          </a:p>
+          <a:p>
+            <a:pPr lvl="1"/>
+            <a:r>
               <a:rPr lang="en-SG" dirty="0" err="1"/>
               <a:t>NeoPixels</a:t>
             </a:r>
@@ -3963,32 +6145,6 @@
               <a:rPr lang="en-SG" dirty="0"/>
               <a:t>)</a:t>
             </a:r>
-          </a:p>
-          <a:p>
-            <a:pPr lvl="1"/>
-            <a:r>
-              <a:rPr lang="en-SG" dirty="0"/>
-              <a:t>7-segment tube displays</a:t>
-            </a:r>
-          </a:p>
-          <a:p>
-            <a:pPr lvl="1"/>
-            <a:r>
-              <a:rPr lang="en-SG" dirty="0"/>
-              <a:t>Dot-matrix displays (running messages)</a:t>
-            </a:r>
-          </a:p>
-          <a:p>
-            <a:pPr lvl="1"/>
-            <a:r>
-              <a:rPr lang="en-SG" dirty="0" err="1"/>
-              <a:t>Oled</a:t>
-            </a:r>
-            <a:r>
-              <a:rPr lang="en-SG" dirty="0"/>
-              <a:t> displays</a:t>
-            </a:r>
-            <a:endParaRPr lang="en-US" dirty="0"/>
           </a:p>
         </p:txBody>
       </p:sp>
@@ -4351,7 +6507,7 @@
           <a:p>
             <a:r>
               <a:rPr lang="en-SG" sz="2000" dirty="0"/>
-              <a:t>Usually Hitachi HD44780 control (8 data, RS, RW, </a:t>
+              <a:t>Usually Hitachi HD44780 control requires 11 lines (8 data, RS, RW, </a:t>
             </a:r>
             <a:r>
               <a:rPr lang="en-SG" sz="2000" dirty="0" err="1"/>
@@ -5166,7 +7322,7 @@
           <a:p>
             <a:r>
               <a:rPr lang="en-SG" dirty="0"/>
-              <a:t>Tube 7-Segment </a:t>
+              <a:t>Tube 7-Segment Display TM1637 </a:t>
             </a:r>
             <a:endParaRPr lang="en-US" dirty="0"/>
           </a:p>
@@ -5193,35 +7349,104 @@
           <a:bodyPr/>
           <a:lstStyle/>
           <a:p>
-            <a:endParaRPr lang="en-US"/>
-          </a:p>
-        </p:txBody>
-      </p:sp>
-      <p:sp>
-        <p:nvSpPr>
-          <p:cNvPr id="4" name="Content Placeholder 3">
+            <a:r>
+              <a:rPr lang="en-US" sz="2000" dirty="0"/>
+              <a:t>7-segment displays common in projects</a:t>
+            </a:r>
+          </a:p>
+          <a:p>
+            <a:r>
+              <a:rPr lang="en-US" sz="2000" dirty="0"/>
+              <a:t>Having multiple 7-segments require conversion and multiplexing</a:t>
+            </a:r>
+          </a:p>
+          <a:p>
+            <a:r>
+              <a:rPr lang="en-US" sz="2000" dirty="0"/>
+              <a:t>TM1637 provides 4-digit 7-segment display with only 2 digital I/O lines.</a:t>
+            </a:r>
+          </a:p>
+          <a:p>
+            <a:r>
+              <a:rPr lang="en-US" sz="2000" dirty="0"/>
+              <a:t>Library: </a:t>
+            </a:r>
+            <a:r>
+              <a:rPr lang="en-US" sz="2000" dirty="0">
+                <a:hlinkClick r:id="rId2"/>
+              </a:rPr>
+              <a:t>TM1637-master</a:t>
+            </a:r>
+            <a:r>
+              <a:rPr lang="en-US" sz="2000" dirty="0"/>
+              <a:t> by Avishay </a:t>
+            </a:r>
+            <a:r>
+              <a:rPr lang="en-US" sz="2000" dirty="0" err="1"/>
+              <a:t>Orpaz</a:t>
+            </a:r>
+            <a:r>
+              <a:rPr lang="en-US" sz="2000" dirty="0"/>
+              <a:t>.</a:t>
+            </a:r>
+          </a:p>
+          <a:p>
+            <a:r>
+              <a:rPr lang="en-US" sz="2000" dirty="0"/>
+              <a:t>Tutorial: </a:t>
+            </a:r>
+          </a:p>
+          <a:p>
+            <a:pPr lvl="1"/>
+            <a:r>
+              <a:rPr lang="en-US" sz="1600" dirty="0">
+                <a:hlinkClick r:id="rId3"/>
+              </a:rPr>
+              <a:t>Last Minute Engineers</a:t>
+            </a:r>
+            <a:endParaRPr lang="en-US" sz="1600" dirty="0"/>
+          </a:p>
+          <a:p>
+            <a:pPr lvl="1"/>
+            <a:r>
+              <a:rPr lang="en-US" sz="1600" dirty="0" err="1">
+                <a:hlinkClick r:id="rId4"/>
+              </a:rPr>
+              <a:t>Makerguides</a:t>
+            </a:r>
+            <a:endParaRPr lang="en-US" sz="1600" dirty="0"/>
+          </a:p>
+        </p:txBody>
+      </p:sp>
+      <p:pic>
+        <p:nvPicPr>
+          <p:cNvPr id="7" name="Content Placeholder 6">
             <a:extLst>
               <a:ext uri="{FF2B5EF4-FFF2-40B4-BE49-F238E27FC236}">
-                <a16:creationId xmlns:a16="http://schemas.microsoft.com/office/drawing/2014/main" id="{62350674-7663-437D-8ECD-B192B9CC1C7A}"/>
+                <a16:creationId xmlns:a16="http://schemas.microsoft.com/office/drawing/2014/main" id="{C07E3364-52A5-4AC3-B475-0FC30740E114}"/>
               </a:ext>
             </a:extLst>
           </p:cNvPr>
-          <p:cNvSpPr>
-            <a:spLocks noGrp="1"/>
-          </p:cNvSpPr>
+          <p:cNvPicPr>
+            <a:picLocks noGrp="1" noChangeAspect="1"/>
+          </p:cNvPicPr>
           <p:nvPr>
             <p:ph sz="half" idx="2"/>
           </p:nvPr>
-        </p:nvSpPr>
-        <p:spPr/>
-        <p:txBody>
-          <a:bodyPr/>
-          <a:lstStyle/>
-          <a:p>
-            <a:endParaRPr lang="en-US"/>
-          </a:p>
-        </p:txBody>
-      </p:sp>
+        </p:nvPicPr>
+        <p:blipFill>
+          <a:blip r:embed="rId5"/>
+          <a:stretch>
+            <a:fillRect/>
+          </a:stretch>
+        </p:blipFill>
+        <p:spPr>
+          <a:xfrm>
+            <a:off x="4629150" y="1941468"/>
+            <a:ext cx="3886200" cy="1981366"/>
+          </a:xfrm>
+        </p:spPr>
+      </p:pic>
       <p:sp>
         <p:nvSpPr>
           <p:cNvPr id="5" name="Slide Number Placeholder 4">
@@ -5248,6 +7473,47 @@
               <a:t>9</a:t>
             </a:fld>
             <a:endParaRPr lang="en-US"/>
+          </a:p>
+        </p:txBody>
+      </p:sp>
+      <p:sp>
+        <p:nvSpPr>
+          <p:cNvPr id="8" name="TextBox 7">
+            <a:extLst>
+              <a:ext uri="{FF2B5EF4-FFF2-40B4-BE49-F238E27FC236}">
+                <a16:creationId xmlns:a16="http://schemas.microsoft.com/office/drawing/2014/main" id="{CC1024E5-6F59-482A-9BD8-3F7C608A06DF}"/>
+              </a:ext>
+            </a:extLst>
+          </p:cNvPr>
+          <p:cNvSpPr txBox="1"/>
+          <p:nvPr/>
+        </p:nvSpPr>
+        <p:spPr>
+          <a:xfrm>
+            <a:off x="4802886" y="4001294"/>
+            <a:ext cx="3044952" cy="523220"/>
+          </a:xfrm>
+          <a:prstGeom prst="rect">
+            <a:avLst/>
+          </a:prstGeom>
+          <a:noFill/>
+        </p:spPr>
+        <p:txBody>
+          <a:bodyPr wrap="square" rtlCol="0">
+            <a:spAutoFit/>
+          </a:bodyPr>
+          <a:lstStyle/>
+          <a:p>
+            <a:r>
+              <a:rPr lang="en-US" sz="1400" dirty="0"/>
+              <a:t>Other versions have 6~8 digits</a:t>
+            </a:r>
+          </a:p>
+          <a:p>
+            <a:r>
+              <a:rPr lang="en-US" sz="1400" dirty="0"/>
+              <a:t>Simplifies circuitry</a:t>
+            </a:r>
           </a:p>
         </p:txBody>
       </p:sp>

--- a/presentations/ep1000_actuators/ep1000_actuators.pptx
+++ b/presentations/ep1000_actuators/ep1000_actuators.pptx
@@ -5,7 +5,7 @@
     <p:sldMasterId id="2147483660" r:id="rId1"/>
   </p:sldMasterIdLst>
   <p:notesMasterIdLst>
-    <p:notesMasterId r:id="rId18"/>
+    <p:notesMasterId r:id="rId33"/>
   </p:notesMasterIdLst>
   <p:sldIdLst>
     <p:sldId id="256" r:id="rId2"/>
@@ -23,7 +23,22 @@
     <p:sldId id="271" r:id="rId14"/>
     <p:sldId id="272" r:id="rId15"/>
     <p:sldId id="273" r:id="rId16"/>
-    <p:sldId id="259" r:id="rId17"/>
+    <p:sldId id="274" r:id="rId17"/>
+    <p:sldId id="275" r:id="rId18"/>
+    <p:sldId id="276" r:id="rId19"/>
+    <p:sldId id="278" r:id="rId20"/>
+    <p:sldId id="277" r:id="rId21"/>
+    <p:sldId id="279" r:id="rId22"/>
+    <p:sldId id="280" r:id="rId23"/>
+    <p:sldId id="281" r:id="rId24"/>
+    <p:sldId id="282" r:id="rId25"/>
+    <p:sldId id="286" r:id="rId26"/>
+    <p:sldId id="283" r:id="rId27"/>
+    <p:sldId id="285" r:id="rId28"/>
+    <p:sldId id="287" r:id="rId29"/>
+    <p:sldId id="288" r:id="rId30"/>
+    <p:sldId id="289" r:id="rId31"/>
+    <p:sldId id="259" r:id="rId32"/>
   </p:sldIdLst>
   <p:sldSz cx="9144000" cy="6858000" type="screen4x3"/>
   <p:notesSz cx="6858000" cy="9144000"/>
@@ -212,7 +227,7 @@
           <a:p>
             <a:fld id="{2A875741-58CA-43A4-9946-B635E52C5CD8}" type="datetimeFigureOut">
               <a:rPr lang="en-US" smtClean="0"/>
-              <a:t>6/11/2021</a:t>
+              <a:t>6/14/2021</a:t>
             </a:fld>
             <a:endParaRPr lang="en-US"/>
           </a:p>
@@ -622,7 +637,7 @@
           <a:p>
             <a:fld id="{9665C769-D7C3-4E51-9622-EB882B1C6B88}" type="datetime1">
               <a:rPr lang="en-US" smtClean="0"/>
-              <a:t>6/11/2021</a:t>
+              <a:t>6/14/2021</a:t>
             </a:fld>
             <a:endParaRPr lang="en-US"/>
           </a:p>
@@ -816,7 +831,7 @@
           <a:p>
             <a:fld id="{AC2FA8F2-92AD-4DF3-BB80-1A576E4607C5}" type="datetime1">
               <a:rPr lang="en-US" smtClean="0"/>
-              <a:t>6/11/2021</a:t>
+              <a:t>6/14/2021</a:t>
             </a:fld>
             <a:endParaRPr lang="en-US"/>
           </a:p>
@@ -1015,7 +1030,7 @@
           <a:p>
             <a:fld id="{FF161318-0D48-4B52-BC2D-A0EA8E79725D}" type="datetime1">
               <a:rPr lang="en-US" smtClean="0"/>
-              <a:t>6/11/2021</a:t>
+              <a:t>6/14/2021</a:t>
             </a:fld>
             <a:endParaRPr lang="en-US"/>
           </a:p>
@@ -1209,7 +1224,7 @@
           <a:p>
             <a:fld id="{828929F4-2E32-48E9-8E95-ABAA8EAAF6A9}" type="datetime1">
               <a:rPr lang="en-US" smtClean="0"/>
-              <a:t>6/11/2021</a:t>
+              <a:t>6/14/2021</a:t>
             </a:fld>
             <a:endParaRPr lang="en-US"/>
           </a:p>
@@ -1472,7 +1487,7 @@
           <a:p>
             <a:fld id="{4D668969-C21F-428C-9E53-8D921FF4543A}" type="datetime1">
               <a:rPr lang="en-US" smtClean="0"/>
-              <a:t>6/11/2021</a:t>
+              <a:t>6/14/2021</a:t>
             </a:fld>
             <a:endParaRPr lang="en-US"/>
           </a:p>
@@ -1726,7 +1741,7 @@
           <a:p>
             <a:fld id="{01FB22A5-6159-4D69-BFEE-F4892803599C}" type="datetime1">
               <a:rPr lang="en-US" smtClean="0"/>
-              <a:t>6/11/2021</a:t>
+              <a:t>6/14/2021</a:t>
             </a:fld>
             <a:endParaRPr lang="en-US"/>
           </a:p>
@@ -2120,7 +2135,7 @@
           <a:p>
             <a:fld id="{738CC944-9765-440C-9A18-3DC1DA37440E}" type="datetime1">
               <a:rPr lang="en-US" smtClean="0"/>
-              <a:t>6/11/2021</a:t>
+              <a:t>6/14/2021</a:t>
             </a:fld>
             <a:endParaRPr lang="en-US"/>
           </a:p>
@@ -2254,7 +2269,7 @@
           <a:p>
             <a:fld id="{D8661C67-BB8E-4D16-A78D-460AAF94A53C}" type="datetime1">
               <a:rPr lang="en-US" smtClean="0"/>
-              <a:t>6/11/2021</a:t>
+              <a:t>6/14/2021</a:t>
             </a:fld>
             <a:endParaRPr lang="en-US"/>
           </a:p>
@@ -2365,7 +2380,7 @@
           <a:p>
             <a:fld id="{DBBC12E8-4105-456C-A90A-AF2362FB188F}" type="datetime1">
               <a:rPr lang="en-US" smtClean="0"/>
-              <a:t>6/11/2021</a:t>
+              <a:t>6/14/2021</a:t>
             </a:fld>
             <a:endParaRPr lang="en-US"/>
           </a:p>
@@ -2664,7 +2679,7 @@
           <a:p>
             <a:fld id="{11FD4DDA-56B2-4B92-884C-68E9C78E3003}" type="datetime1">
               <a:rPr lang="en-US" smtClean="0"/>
-              <a:t>6/11/2021</a:t>
+              <a:t>6/14/2021</a:t>
             </a:fld>
             <a:endParaRPr lang="en-US"/>
           </a:p>
@@ -2943,7 +2958,7 @@
           <a:p>
             <a:fld id="{750461B4-47C4-4F2C-98A2-225FD39D225C}" type="datetime1">
               <a:rPr lang="en-US" smtClean="0"/>
-              <a:t>6/11/2021</a:t>
+              <a:t>6/14/2021</a:t>
             </a:fld>
             <a:endParaRPr lang="en-US"/>
           </a:p>
@@ -5674,30 +5689,11 @@
               <a:t>PWM at low speeds do not provide much torque.</a:t>
             </a:r>
           </a:p>
-        </p:txBody>
-      </p:sp>
-      <p:sp>
-        <p:nvSpPr>
-          <p:cNvPr id="6" name="Content Placeholder 5">
-            <a:extLst>
-              <a:ext uri="{FF2B5EF4-FFF2-40B4-BE49-F238E27FC236}">
-                <a16:creationId xmlns:a16="http://schemas.microsoft.com/office/drawing/2014/main" id="{A0BB5154-9426-4B9E-8974-946E98DBD63D}"/>
-              </a:ext>
-            </a:extLst>
-          </p:cNvPr>
-          <p:cNvSpPr>
-            <a:spLocks noGrp="1"/>
-          </p:cNvSpPr>
-          <p:nvPr>
-            <p:ph sz="half" idx="2"/>
-          </p:nvPr>
-        </p:nvSpPr>
-        <p:spPr/>
-        <p:txBody>
-          <a:bodyPr/>
-          <a:lstStyle/>
-          <a:p>
-            <a:endParaRPr lang="en-US"/>
+          <a:p>
+            <a:r>
+              <a:rPr lang="en-US" sz="2000" dirty="0"/>
+              <a:t>This method only allows one direction of motor.</a:t>
+            </a:r>
           </a:p>
         </p:txBody>
       </p:sp>
@@ -5730,6 +5726,73 @@
           </a:p>
         </p:txBody>
       </p:sp>
+      <p:sp>
+        <p:nvSpPr>
+          <p:cNvPr id="8" name="TextBox 7">
+            <a:extLst>
+              <a:ext uri="{FF2B5EF4-FFF2-40B4-BE49-F238E27FC236}">
+                <a16:creationId xmlns:a16="http://schemas.microsoft.com/office/drawing/2014/main" id="{4F1EBE39-4427-4474-B019-E900DF9BA987}"/>
+              </a:ext>
+            </a:extLst>
+          </p:cNvPr>
+          <p:cNvSpPr txBox="1"/>
+          <p:nvPr/>
+        </p:nvSpPr>
+        <p:spPr>
+          <a:xfrm>
+            <a:off x="5666361" y="4514127"/>
+            <a:ext cx="3152851" cy="369332"/>
+          </a:xfrm>
+          <a:prstGeom prst="rect">
+            <a:avLst/>
+          </a:prstGeom>
+          <a:noFill/>
+        </p:spPr>
+        <p:txBody>
+          <a:bodyPr wrap="none" rtlCol="0">
+            <a:spAutoFit/>
+          </a:bodyPr>
+          <a:lstStyle/>
+          <a:p>
+            <a:r>
+              <a:rPr lang="en-US" dirty="0">
+                <a:hlinkClick r:id="rId2"/>
+              </a:rPr>
+              <a:t>PWM Motor Control Simulation</a:t>
+            </a:r>
+            <a:endParaRPr lang="en-US" dirty="0"/>
+          </a:p>
+        </p:txBody>
+      </p:sp>
+      <p:pic>
+        <p:nvPicPr>
+          <p:cNvPr id="12" name="Content Placeholder 11">
+            <a:extLst>
+              <a:ext uri="{FF2B5EF4-FFF2-40B4-BE49-F238E27FC236}">
+                <a16:creationId xmlns:a16="http://schemas.microsoft.com/office/drawing/2014/main" id="{1A9A33D1-86ED-4493-943A-F907265B163F}"/>
+              </a:ext>
+            </a:extLst>
+          </p:cNvPr>
+          <p:cNvPicPr>
+            <a:picLocks noGrp="1" noChangeAspect="1"/>
+          </p:cNvPicPr>
+          <p:nvPr>
+            <p:ph sz="half" idx="2"/>
+          </p:nvPr>
+        </p:nvPicPr>
+        <p:blipFill>
+          <a:blip r:embed="rId3"/>
+          <a:stretch>
+            <a:fillRect/>
+          </a:stretch>
+        </p:blipFill>
+        <p:spPr>
+          <a:xfrm>
+            <a:off x="4629150" y="1662303"/>
+            <a:ext cx="4221440" cy="2681097"/>
+          </a:xfrm>
+        </p:spPr>
+      </p:pic>
     </p:spTree>
     <p:extLst>
       <p:ext uri="{BB962C8B-B14F-4D97-AF65-F5344CB8AC3E}">
@@ -5765,15 +5828,15 @@
           <p:cNvPr id="2" name="Title 1">
             <a:extLst>
               <a:ext uri="{FF2B5EF4-FFF2-40B4-BE49-F238E27FC236}">
-                <a16:creationId xmlns:a16="http://schemas.microsoft.com/office/drawing/2014/main" id="{29757EC0-C4C7-4C21-8BBD-162462AD095F}"/>
-              </a:ext>
-            </a:extLst>
-          </p:cNvPr>
-          <p:cNvSpPr>
-            <a:spLocks noGrp="1"/>
-          </p:cNvSpPr>
-          <p:nvPr>
-            <p:ph type="ctrTitle"/>
+                <a16:creationId xmlns:a16="http://schemas.microsoft.com/office/drawing/2014/main" id="{BCC55370-3B17-4841-82F4-8C4123A3993E}"/>
+              </a:ext>
+            </a:extLst>
+          </p:cNvPr>
+          <p:cNvSpPr>
+            <a:spLocks noGrp="1"/>
+          </p:cNvSpPr>
+          <p:nvPr>
+            <p:ph type="title"/>
           </p:nvPr>
         </p:nvSpPr>
         <p:spPr/>
@@ -5783,25 +5846,25 @@
           <a:p>
             <a:r>
               <a:rPr lang="en-US" dirty="0"/>
-              <a:t>EP1000</a:t>
-            </a:r>
-          </a:p>
-        </p:txBody>
-      </p:sp>
-      <p:sp>
-        <p:nvSpPr>
-          <p:cNvPr id="3" name="Subtitle 2">
-            <a:extLst>
-              <a:ext uri="{FF2B5EF4-FFF2-40B4-BE49-F238E27FC236}">
-                <a16:creationId xmlns:a16="http://schemas.microsoft.com/office/drawing/2014/main" id="{1F579C3D-8773-4BAF-B0E2-847945ECA23E}"/>
-              </a:ext>
-            </a:extLst>
-          </p:cNvPr>
-          <p:cNvSpPr>
-            <a:spLocks noGrp="1"/>
-          </p:cNvSpPr>
-          <p:nvPr>
-            <p:ph type="subTitle" idx="1"/>
+              <a:t>Motor Control with PWM</a:t>
+            </a:r>
+          </a:p>
+        </p:txBody>
+      </p:sp>
+      <p:sp>
+        <p:nvSpPr>
+          <p:cNvPr id="3" name="Content Placeholder 2">
+            <a:extLst>
+              <a:ext uri="{FF2B5EF4-FFF2-40B4-BE49-F238E27FC236}">
+                <a16:creationId xmlns:a16="http://schemas.microsoft.com/office/drawing/2014/main" id="{B292583B-6C39-4313-B393-3711BEAEEA32}"/>
+              </a:ext>
+            </a:extLst>
+          </p:cNvPr>
+          <p:cNvSpPr>
+            <a:spLocks noGrp="1"/>
+          </p:cNvSpPr>
+          <p:nvPr>
+            <p:ph sz="half" idx="1"/>
           </p:nvPr>
         </p:nvSpPr>
         <p:spPr/>
@@ -5810,26 +5873,1118 @@
           <a:lstStyle/>
           <a:p>
             <a:r>
-              <a:rPr lang="en-US" dirty="0"/>
-              <a:t>Actuators</a:t>
-            </a:r>
-          </a:p>
-          <a:p>
-            <a:r>
-              <a:rPr lang="en-US" dirty="0">
-                <a:solidFill>
-                  <a:srgbClr val="FF0000"/>
-                </a:solidFill>
+              <a:rPr lang="en-US" sz="2400" dirty="0"/>
+              <a:t>Many circuits available</a:t>
+            </a:r>
+          </a:p>
+          <a:p>
+            <a:pPr lvl="1"/>
+            <a:r>
+              <a:rPr lang="en-US" sz="2000" dirty="0">
+                <a:hlinkClick r:id="rId2"/>
               </a:rPr>
-              <a:t>End</a:t>
-            </a:r>
+              <a:t>Transistor</a:t>
+            </a:r>
+            <a:endParaRPr lang="en-US" sz="2000" dirty="0"/>
+          </a:p>
+          <a:p>
+            <a:pPr lvl="1"/>
+            <a:r>
+              <a:rPr lang="en-US" sz="2000" dirty="0">
+                <a:hlinkClick r:id="rId3"/>
+              </a:rPr>
+              <a:t>MOSFET</a:t>
+            </a:r>
+            <a:endParaRPr lang="en-US" sz="2000" dirty="0"/>
+          </a:p>
+          <a:p>
+            <a:r>
+              <a:rPr lang="en-US" sz="2400" dirty="0"/>
+              <a:t>Transistor acts as a “control tap/valve” for current. Used in the saturation mode.</a:t>
+            </a:r>
+          </a:p>
+          <a:p>
+            <a:r>
+              <a:rPr lang="en-US" sz="2400" dirty="0"/>
+              <a:t>Problems:</a:t>
+            </a:r>
+          </a:p>
+          <a:p>
+            <a:pPr lvl="1"/>
+            <a:r>
+              <a:rPr lang="en-US" sz="2000" dirty="0"/>
+              <a:t>Single direction only</a:t>
+            </a:r>
+          </a:p>
+          <a:p>
+            <a:pPr lvl="1"/>
+            <a:r>
+              <a:rPr lang="en-US" sz="2000" dirty="0"/>
+              <a:t>Need to worry about resistor values</a:t>
+            </a:r>
+          </a:p>
+          <a:p>
+            <a:pPr lvl="1"/>
+            <a:r>
+              <a:rPr lang="en-US" sz="2000" dirty="0"/>
+              <a:t>Small duty cycles result in lower torque.</a:t>
+            </a:r>
+          </a:p>
+        </p:txBody>
+      </p:sp>
+      <p:pic>
+        <p:nvPicPr>
+          <p:cNvPr id="7" name="Content Placeholder 6">
+            <a:extLst>
+              <a:ext uri="{FF2B5EF4-FFF2-40B4-BE49-F238E27FC236}">
+                <a16:creationId xmlns:a16="http://schemas.microsoft.com/office/drawing/2014/main" id="{4772437F-35B5-4924-8081-C5E3DEE76029}"/>
+              </a:ext>
+            </a:extLst>
+          </p:cNvPr>
+          <p:cNvPicPr>
+            <a:picLocks noGrp="1" noChangeAspect="1"/>
+          </p:cNvPicPr>
+          <p:nvPr>
+            <p:ph sz="half" idx="2"/>
+          </p:nvPr>
+        </p:nvPicPr>
+        <p:blipFill>
+          <a:blip r:embed="rId4"/>
+          <a:stretch>
+            <a:fillRect/>
+          </a:stretch>
+        </p:blipFill>
+        <p:spPr>
+          <a:xfrm>
+            <a:off x="4629150" y="1826070"/>
+            <a:ext cx="3886200" cy="2801048"/>
+          </a:xfrm>
+        </p:spPr>
+      </p:pic>
+      <p:sp>
+        <p:nvSpPr>
+          <p:cNvPr id="5" name="Slide Number Placeholder 4">
+            <a:extLst>
+              <a:ext uri="{FF2B5EF4-FFF2-40B4-BE49-F238E27FC236}">
+                <a16:creationId xmlns:a16="http://schemas.microsoft.com/office/drawing/2014/main" id="{319E15CE-C8B3-4EB9-9956-A1EE01E80DD7}"/>
+              </a:ext>
+            </a:extLst>
+          </p:cNvPr>
+          <p:cNvSpPr>
+            <a:spLocks noGrp="1"/>
+          </p:cNvSpPr>
+          <p:nvPr>
+            <p:ph type="sldNum" sz="quarter" idx="12"/>
+          </p:nvPr>
+        </p:nvSpPr>
+        <p:spPr/>
+        <p:txBody>
+          <a:bodyPr/>
+          <a:lstStyle/>
+          <a:p>
+            <a:fld id="{CAB166B3-F268-4CEF-878A-CFB0D0D505D3}" type="slidenum">
+              <a:rPr lang="en-US" smtClean="0"/>
+              <a:t>16</a:t>
+            </a:fld>
+            <a:endParaRPr lang="en-US"/>
           </a:p>
         </p:txBody>
       </p:sp>
     </p:spTree>
     <p:extLst>
       <p:ext uri="{BB962C8B-B14F-4D97-AF65-F5344CB8AC3E}">
-        <p14:creationId xmlns:p14="http://schemas.microsoft.com/office/powerpoint/2010/main" val="2293809126"/>
+        <p14:creationId xmlns:p14="http://schemas.microsoft.com/office/powerpoint/2010/main" val="2482857392"/>
+      </p:ext>
+    </p:extLst>
+  </p:cSld>
+  <p:clrMapOvr>
+    <a:masterClrMapping/>
+  </p:clrMapOvr>
+</p:sld>
+</file>
+
+<file path=ppt/slides/slide17.xml><?xml version="1.0" encoding="utf-8"?>
+<p:sld xmlns:a="http://schemas.openxmlformats.org/drawingml/2006/main" xmlns:r="http://schemas.openxmlformats.org/officeDocument/2006/relationships" xmlns:p="http://schemas.openxmlformats.org/presentationml/2006/main">
+  <p:cSld>
+    <p:spTree>
+      <p:nvGrpSpPr>
+        <p:cNvPr id="1" name=""/>
+        <p:cNvGrpSpPr/>
+        <p:nvPr/>
+      </p:nvGrpSpPr>
+      <p:grpSpPr>
+        <a:xfrm>
+          <a:off x="0" y="0"/>
+          <a:ext cx="0" cy="0"/>
+          <a:chOff x="0" y="0"/>
+          <a:chExt cx="0" cy="0"/>
+        </a:xfrm>
+      </p:grpSpPr>
+      <p:sp>
+        <p:nvSpPr>
+          <p:cNvPr id="2" name="Title 1">
+            <a:extLst>
+              <a:ext uri="{FF2B5EF4-FFF2-40B4-BE49-F238E27FC236}">
+                <a16:creationId xmlns:a16="http://schemas.microsoft.com/office/drawing/2014/main" id="{7CE6A190-3A37-4E4D-A016-330473FD1BB5}"/>
+              </a:ext>
+            </a:extLst>
+          </p:cNvPr>
+          <p:cNvSpPr>
+            <a:spLocks noGrp="1"/>
+          </p:cNvSpPr>
+          <p:nvPr>
+            <p:ph type="title"/>
+          </p:nvPr>
+        </p:nvSpPr>
+        <p:spPr/>
+        <p:txBody>
+          <a:bodyPr/>
+          <a:lstStyle/>
+          <a:p>
+            <a:r>
+              <a:rPr lang="en-US" dirty="0"/>
+              <a:t>H-bridge</a:t>
+            </a:r>
+          </a:p>
+        </p:txBody>
+      </p:sp>
+      <p:sp>
+        <p:nvSpPr>
+          <p:cNvPr id="3" name="Content Placeholder 2">
+            <a:extLst>
+              <a:ext uri="{FF2B5EF4-FFF2-40B4-BE49-F238E27FC236}">
+                <a16:creationId xmlns:a16="http://schemas.microsoft.com/office/drawing/2014/main" id="{8319B598-69DD-41D9-BCDC-99D29ACCD8A0}"/>
+              </a:ext>
+            </a:extLst>
+          </p:cNvPr>
+          <p:cNvSpPr>
+            <a:spLocks noGrp="1"/>
+          </p:cNvSpPr>
+          <p:nvPr>
+            <p:ph sz="half" idx="1"/>
+          </p:nvPr>
+        </p:nvSpPr>
+        <p:spPr/>
+        <p:txBody>
+          <a:bodyPr/>
+          <a:lstStyle/>
+          <a:p>
+            <a:r>
+              <a:rPr lang="en-US" sz="2400" dirty="0"/>
+              <a:t>Allows PWM motor control in both directions.</a:t>
+            </a:r>
+          </a:p>
+          <a:p>
+            <a:r>
+              <a:rPr lang="en-US" sz="2400" dirty="0"/>
+              <a:t>H-bridge is an IC made up of transistors or MOSFETs</a:t>
+            </a:r>
+          </a:p>
+          <a:p>
+            <a:r>
+              <a:rPr lang="en-US" sz="2400" dirty="0"/>
+              <a:t>Most common method of controlling DC motors</a:t>
+            </a:r>
+          </a:p>
+          <a:p>
+            <a:r>
+              <a:rPr lang="en-US" sz="2400" dirty="0"/>
+              <a:t>References:</a:t>
+            </a:r>
+          </a:p>
+          <a:p>
+            <a:pPr lvl="1"/>
+            <a:r>
+              <a:rPr lang="en-US" sz="2000" dirty="0" err="1">
+                <a:hlinkClick r:id="rId2"/>
+              </a:rPr>
+              <a:t>Dronebot</a:t>
+            </a:r>
+            <a:r>
+              <a:rPr lang="en-US" sz="2000" dirty="0">
+                <a:hlinkClick r:id="rId2"/>
+              </a:rPr>
+              <a:t> Workshop</a:t>
+            </a:r>
+            <a:endParaRPr lang="en-US" sz="2000" dirty="0"/>
+          </a:p>
+          <a:p>
+            <a:pPr lvl="1"/>
+            <a:r>
+              <a:rPr lang="en-US" sz="2000" dirty="0" err="1">
+                <a:hlinkClick r:id="rId3"/>
+              </a:rPr>
+              <a:t>LastMinuteEngineers</a:t>
+            </a:r>
+            <a:endParaRPr lang="en-US" sz="2000" dirty="0"/>
+          </a:p>
+        </p:txBody>
+      </p:sp>
+      <p:sp>
+        <p:nvSpPr>
+          <p:cNvPr id="5" name="Slide Number Placeholder 4">
+            <a:extLst>
+              <a:ext uri="{FF2B5EF4-FFF2-40B4-BE49-F238E27FC236}">
+                <a16:creationId xmlns:a16="http://schemas.microsoft.com/office/drawing/2014/main" id="{6ACD45A3-7A38-4D35-B4CC-682DD77F1157}"/>
+              </a:ext>
+            </a:extLst>
+          </p:cNvPr>
+          <p:cNvSpPr>
+            <a:spLocks noGrp="1"/>
+          </p:cNvSpPr>
+          <p:nvPr>
+            <p:ph type="sldNum" sz="quarter" idx="12"/>
+          </p:nvPr>
+        </p:nvSpPr>
+        <p:spPr/>
+        <p:txBody>
+          <a:bodyPr/>
+          <a:lstStyle/>
+          <a:p>
+            <a:fld id="{CAB166B3-F268-4CEF-878A-CFB0D0D505D3}" type="slidenum">
+              <a:rPr lang="en-US" smtClean="0"/>
+              <a:t>17</a:t>
+            </a:fld>
+            <a:endParaRPr lang="en-US"/>
+          </a:p>
+        </p:txBody>
+      </p:sp>
+      <p:pic>
+        <p:nvPicPr>
+          <p:cNvPr id="1026" name="Picture 2" descr="H-Bridge Working Motor Direction Control Animation">
+            <a:extLst>
+              <a:ext uri="{FF2B5EF4-FFF2-40B4-BE49-F238E27FC236}">
+                <a16:creationId xmlns:a16="http://schemas.microsoft.com/office/drawing/2014/main" id="{64C34468-EC99-414F-8FEE-3ADB3BC87B43}"/>
+              </a:ext>
+            </a:extLst>
+          </p:cNvPr>
+          <p:cNvPicPr>
+            <a:picLocks noGrp="1" noChangeAspect="1" noChangeArrowheads="1" noCrop="1"/>
+          </p:cNvPicPr>
+          <p:nvPr>
+            <p:ph sz="half" idx="2"/>
+          </p:nvPr>
+        </p:nvPicPr>
+        <p:blipFill>
+          <a:blip r:embed="rId4">
+            <a:extLst>
+              <a:ext uri="{28A0092B-C50C-407E-A947-70E740481C1C}">
+                <a14:useLocalDpi xmlns:a14="http://schemas.microsoft.com/office/drawing/2010/main" val="0"/>
+              </a:ext>
+            </a:extLst>
+          </a:blip>
+          <a:srcRect/>
+          <a:stretch>
+            <a:fillRect/>
+          </a:stretch>
+        </p:blipFill>
+        <p:spPr bwMode="auto">
+          <a:xfrm>
+            <a:off x="4870452" y="792837"/>
+            <a:ext cx="3765548" cy="5563514"/>
+          </a:xfrm>
+          <a:prstGeom prst="rect">
+            <a:avLst/>
+          </a:prstGeom>
+          <a:noFill/>
+          <a:extLst>
+            <a:ext uri="{909E8E84-426E-40DD-AFC4-6F175D3DCCD1}">
+              <a14:hiddenFill xmlns:a14="http://schemas.microsoft.com/office/drawing/2010/main">
+                <a:solidFill>
+                  <a:srgbClr val="FFFFFF"/>
+                </a:solidFill>
+              </a14:hiddenFill>
+            </a:ext>
+          </a:extLst>
+        </p:spPr>
+      </p:pic>
+    </p:spTree>
+    <p:extLst>
+      <p:ext uri="{BB962C8B-B14F-4D97-AF65-F5344CB8AC3E}">
+        <p14:creationId xmlns:p14="http://schemas.microsoft.com/office/powerpoint/2010/main" val="3482243826"/>
+      </p:ext>
+    </p:extLst>
+  </p:cSld>
+  <p:clrMapOvr>
+    <a:masterClrMapping/>
+  </p:clrMapOvr>
+</p:sld>
+</file>
+
+<file path=ppt/slides/slide18.xml><?xml version="1.0" encoding="utf-8"?>
+<p:sld xmlns:a="http://schemas.openxmlformats.org/drawingml/2006/main" xmlns:r="http://schemas.openxmlformats.org/officeDocument/2006/relationships" xmlns:p="http://schemas.openxmlformats.org/presentationml/2006/main">
+  <p:cSld>
+    <p:spTree>
+      <p:nvGrpSpPr>
+        <p:cNvPr id="1" name=""/>
+        <p:cNvGrpSpPr/>
+        <p:nvPr/>
+      </p:nvGrpSpPr>
+      <p:grpSpPr>
+        <a:xfrm>
+          <a:off x="0" y="0"/>
+          <a:ext cx="0" cy="0"/>
+          <a:chOff x="0" y="0"/>
+          <a:chExt cx="0" cy="0"/>
+        </a:xfrm>
+      </p:grpSpPr>
+      <p:sp>
+        <p:nvSpPr>
+          <p:cNvPr id="2" name="Title 1">
+            <a:extLst>
+              <a:ext uri="{FF2B5EF4-FFF2-40B4-BE49-F238E27FC236}">
+                <a16:creationId xmlns:a16="http://schemas.microsoft.com/office/drawing/2014/main" id="{5E0DCA8D-A311-4E09-BE7E-0563D309DFD0}"/>
+              </a:ext>
+            </a:extLst>
+          </p:cNvPr>
+          <p:cNvSpPr>
+            <a:spLocks noGrp="1"/>
+          </p:cNvSpPr>
+          <p:nvPr>
+            <p:ph type="title"/>
+          </p:nvPr>
+        </p:nvSpPr>
+        <p:spPr/>
+        <p:txBody>
+          <a:bodyPr/>
+          <a:lstStyle/>
+          <a:p>
+            <a:r>
+              <a:rPr lang="en-US" dirty="0"/>
+              <a:t>H-bridge connections</a:t>
+            </a:r>
+          </a:p>
+        </p:txBody>
+      </p:sp>
+      <p:sp>
+        <p:nvSpPr>
+          <p:cNvPr id="3" name="Content Placeholder 2">
+            <a:extLst>
+              <a:ext uri="{FF2B5EF4-FFF2-40B4-BE49-F238E27FC236}">
+                <a16:creationId xmlns:a16="http://schemas.microsoft.com/office/drawing/2014/main" id="{ECF01F1F-DA03-459D-94D0-F8DB0C1C3AB4}"/>
+              </a:ext>
+            </a:extLst>
+          </p:cNvPr>
+          <p:cNvSpPr>
+            <a:spLocks noGrp="1"/>
+          </p:cNvSpPr>
+          <p:nvPr>
+            <p:ph sz="half" idx="1"/>
+          </p:nvPr>
+        </p:nvSpPr>
+        <p:spPr/>
+        <p:txBody>
+          <a:bodyPr/>
+          <a:lstStyle/>
+          <a:p>
+            <a:r>
+              <a:rPr lang="en-US" sz="2400" dirty="0"/>
+              <a:t>Transistor driven, combined voltage drop is 1.4V.</a:t>
+            </a:r>
+          </a:p>
+          <a:p>
+            <a:r>
+              <a:rPr lang="en-US" sz="2400" dirty="0"/>
+              <a:t>If motor is 9V, you will need minimum 9+1.4 = 10.4V.</a:t>
+            </a:r>
+          </a:p>
+          <a:p>
+            <a:r>
+              <a:rPr lang="en-US" sz="2400" dirty="0"/>
+              <a:t>Can drive 2 DC motors</a:t>
+            </a:r>
+          </a:p>
+          <a:p>
+            <a:r>
+              <a:rPr lang="en-US" sz="2400" dirty="0"/>
+              <a:t>Enable line controls speed of motors if PWM is applied.</a:t>
+            </a:r>
+          </a:p>
+          <a:p>
+            <a:r>
+              <a:rPr lang="en-US" sz="2400" dirty="0"/>
+              <a:t>L298 can be supplied separately from the motor voltages</a:t>
+            </a:r>
+          </a:p>
+        </p:txBody>
+      </p:sp>
+      <p:graphicFrame>
+        <p:nvGraphicFramePr>
+          <p:cNvPr id="6" name="Table 6">
+            <a:extLst>
+              <a:ext uri="{FF2B5EF4-FFF2-40B4-BE49-F238E27FC236}">
+                <a16:creationId xmlns:a16="http://schemas.microsoft.com/office/drawing/2014/main" id="{9D01626E-6BD7-4D56-9CDE-B10C69B10BD3}"/>
+              </a:ext>
+            </a:extLst>
+          </p:cNvPr>
+          <p:cNvGraphicFramePr>
+            <a:graphicFrameLocks noGrp="1"/>
+          </p:cNvGraphicFramePr>
+          <p:nvPr>
+            <p:ph sz="half" idx="2"/>
+            <p:extLst>
+              <p:ext uri="{D42A27DB-BD31-4B8C-83A1-F6EECF244321}">
+                <p14:modId xmlns:p14="http://schemas.microsoft.com/office/powerpoint/2010/main" val="2339077534"/>
+              </p:ext>
+            </p:extLst>
+          </p:nvPr>
+        </p:nvGraphicFramePr>
+        <p:xfrm>
+          <a:off x="4629150" y="1825625"/>
+          <a:ext cx="3886198" cy="1483360"/>
+        </p:xfrm>
+        <a:graphic>
+          <a:graphicData uri="http://schemas.openxmlformats.org/drawingml/2006/table">
+            <a:tbl>
+              <a:tblPr firstRow="1" bandRow="1">
+                <a:tableStyleId>{5C22544A-7EE6-4342-B048-85BDC9FD1C3A}</a:tableStyleId>
+              </a:tblPr>
+              <a:tblGrid>
+                <a:gridCol w="1085850">
+                  <a:extLst>
+                    <a:ext uri="{9D8B030D-6E8A-4147-A177-3AD203B41FA5}">
+                      <a16:colId xmlns:a16="http://schemas.microsoft.com/office/drawing/2014/main" val="3252010969"/>
+                    </a:ext>
+                  </a:extLst>
+                </a:gridCol>
+                <a:gridCol w="2800348">
+                  <a:extLst>
+                    <a:ext uri="{9D8B030D-6E8A-4147-A177-3AD203B41FA5}">
+                      <a16:colId xmlns:a16="http://schemas.microsoft.com/office/drawing/2014/main" val="1929490104"/>
+                    </a:ext>
+                  </a:extLst>
+                </a:gridCol>
+              </a:tblGrid>
+              <a:tr h="370840">
+                <a:tc>
+                  <a:txBody>
+                    <a:bodyPr/>
+                    <a:lstStyle/>
+                    <a:p>
+                      <a:r>
+                        <a:rPr lang="en-US" dirty="0"/>
+                        <a:t>Control</a:t>
+                      </a:r>
+                    </a:p>
+                  </a:txBody>
+                  <a:tcPr/>
+                </a:tc>
+                <a:tc>
+                  <a:txBody>
+                    <a:bodyPr/>
+                    <a:lstStyle/>
+                    <a:p>
+                      <a:r>
+                        <a:rPr lang="en-US" dirty="0"/>
+                        <a:t>Purpose</a:t>
+                      </a:r>
+                    </a:p>
+                  </a:txBody>
+                  <a:tcPr/>
+                </a:tc>
+                <a:extLst>
+                  <a:ext uri="{0D108BD9-81ED-4DB2-BD59-A6C34878D82A}">
+                    <a16:rowId xmlns:a16="http://schemas.microsoft.com/office/drawing/2014/main" val="2679598332"/>
+                  </a:ext>
+                </a:extLst>
+              </a:tr>
+              <a:tr h="370840">
+                <a:tc>
+                  <a:txBody>
+                    <a:bodyPr/>
+                    <a:lstStyle/>
+                    <a:p>
+                      <a:r>
+                        <a:rPr lang="en-US" dirty="0"/>
+                        <a:t>IN1</a:t>
+                      </a:r>
+                    </a:p>
+                  </a:txBody>
+                  <a:tcPr/>
+                </a:tc>
+                <a:tc>
+                  <a:txBody>
+                    <a:bodyPr/>
+                    <a:lstStyle/>
+                    <a:p>
+                      <a:r>
+                        <a:rPr lang="en-US" dirty="0"/>
+                        <a:t>Input 1 for Motor A</a:t>
+                      </a:r>
+                    </a:p>
+                  </a:txBody>
+                  <a:tcPr/>
+                </a:tc>
+                <a:extLst>
+                  <a:ext uri="{0D108BD9-81ED-4DB2-BD59-A6C34878D82A}">
+                    <a16:rowId xmlns:a16="http://schemas.microsoft.com/office/drawing/2014/main" val="2710758491"/>
+                  </a:ext>
+                </a:extLst>
+              </a:tr>
+              <a:tr h="370840">
+                <a:tc>
+                  <a:txBody>
+                    <a:bodyPr/>
+                    <a:lstStyle/>
+                    <a:p>
+                      <a:r>
+                        <a:rPr lang="en-US" dirty="0"/>
+                        <a:t>IN2</a:t>
+                      </a:r>
+                    </a:p>
+                  </a:txBody>
+                  <a:tcPr/>
+                </a:tc>
+                <a:tc>
+                  <a:txBody>
+                    <a:bodyPr/>
+                    <a:lstStyle/>
+                    <a:p>
+                      <a:r>
+                        <a:rPr lang="en-US" dirty="0"/>
+                        <a:t>Input 2 for Motor A</a:t>
+                      </a:r>
+                    </a:p>
+                  </a:txBody>
+                  <a:tcPr/>
+                </a:tc>
+                <a:extLst>
+                  <a:ext uri="{0D108BD9-81ED-4DB2-BD59-A6C34878D82A}">
+                    <a16:rowId xmlns:a16="http://schemas.microsoft.com/office/drawing/2014/main" val="1413965984"/>
+                  </a:ext>
+                </a:extLst>
+              </a:tr>
+              <a:tr h="370840">
+                <a:tc>
+                  <a:txBody>
+                    <a:bodyPr/>
+                    <a:lstStyle/>
+                    <a:p>
+                      <a:r>
+                        <a:rPr lang="en-US" dirty="0"/>
+                        <a:t>EN1</a:t>
+                      </a:r>
+                    </a:p>
+                  </a:txBody>
+                  <a:tcPr/>
+                </a:tc>
+                <a:tc>
+                  <a:txBody>
+                    <a:bodyPr/>
+                    <a:lstStyle/>
+                    <a:p>
+                      <a:r>
+                        <a:rPr lang="en-US" dirty="0"/>
+                        <a:t>Enable line for Motor A</a:t>
+                      </a:r>
+                    </a:p>
+                  </a:txBody>
+                  <a:tcPr/>
+                </a:tc>
+                <a:extLst>
+                  <a:ext uri="{0D108BD9-81ED-4DB2-BD59-A6C34878D82A}">
+                    <a16:rowId xmlns:a16="http://schemas.microsoft.com/office/drawing/2014/main" val="611037894"/>
+                  </a:ext>
+                </a:extLst>
+              </a:tr>
+            </a:tbl>
+          </a:graphicData>
+        </a:graphic>
+      </p:graphicFrame>
+      <p:sp>
+        <p:nvSpPr>
+          <p:cNvPr id="5" name="Slide Number Placeholder 4">
+            <a:extLst>
+              <a:ext uri="{FF2B5EF4-FFF2-40B4-BE49-F238E27FC236}">
+                <a16:creationId xmlns:a16="http://schemas.microsoft.com/office/drawing/2014/main" id="{DECCFF8A-455A-4FC1-A21C-38C11E913AB5}"/>
+              </a:ext>
+            </a:extLst>
+          </p:cNvPr>
+          <p:cNvSpPr>
+            <a:spLocks noGrp="1"/>
+          </p:cNvSpPr>
+          <p:nvPr>
+            <p:ph type="sldNum" sz="quarter" idx="12"/>
+          </p:nvPr>
+        </p:nvSpPr>
+        <p:spPr/>
+        <p:txBody>
+          <a:bodyPr/>
+          <a:lstStyle/>
+          <a:p>
+            <a:fld id="{CAB166B3-F268-4CEF-878A-CFB0D0D505D3}" type="slidenum">
+              <a:rPr lang="en-US" smtClean="0"/>
+              <a:t>18</a:t>
+            </a:fld>
+            <a:endParaRPr lang="en-US" dirty="0"/>
+          </a:p>
+        </p:txBody>
+      </p:sp>
+      <p:graphicFrame>
+        <p:nvGraphicFramePr>
+          <p:cNvPr id="7" name="Table 6">
+            <a:extLst>
+              <a:ext uri="{FF2B5EF4-FFF2-40B4-BE49-F238E27FC236}">
+                <a16:creationId xmlns:a16="http://schemas.microsoft.com/office/drawing/2014/main" id="{7F2B73AD-0AF2-4CA5-BF13-86AC14C0946F}"/>
+              </a:ext>
+            </a:extLst>
+          </p:cNvPr>
+          <p:cNvGraphicFramePr>
+            <a:graphicFrameLocks/>
+          </p:cNvGraphicFramePr>
+          <p:nvPr>
+            <p:extLst>
+              <p:ext uri="{D42A27DB-BD31-4B8C-83A1-F6EECF244321}">
+                <p14:modId xmlns:p14="http://schemas.microsoft.com/office/powerpoint/2010/main" val="3322091173"/>
+              </p:ext>
+            </p:extLst>
+          </p:nvPr>
+        </p:nvGraphicFramePr>
+        <p:xfrm>
+          <a:off x="4629150" y="3679825"/>
+          <a:ext cx="3886198" cy="1854200"/>
+        </p:xfrm>
+        <a:graphic>
+          <a:graphicData uri="http://schemas.openxmlformats.org/drawingml/2006/table">
+            <a:tbl>
+              <a:tblPr firstRow="1" bandRow="1">
+                <a:tableStyleId>{5C22544A-7EE6-4342-B048-85BDC9FD1C3A}</a:tableStyleId>
+              </a:tblPr>
+              <a:tblGrid>
+                <a:gridCol w="933450">
+                  <a:extLst>
+                    <a:ext uri="{9D8B030D-6E8A-4147-A177-3AD203B41FA5}">
+                      <a16:colId xmlns:a16="http://schemas.microsoft.com/office/drawing/2014/main" val="3252010969"/>
+                    </a:ext>
+                  </a:extLst>
+                </a:gridCol>
+                <a:gridCol w="1028700">
+                  <a:extLst>
+                    <a:ext uri="{9D8B030D-6E8A-4147-A177-3AD203B41FA5}">
+                      <a16:colId xmlns:a16="http://schemas.microsoft.com/office/drawing/2014/main" val="1929490104"/>
+                    </a:ext>
+                  </a:extLst>
+                </a:gridCol>
+                <a:gridCol w="1924048">
+                  <a:extLst>
+                    <a:ext uri="{9D8B030D-6E8A-4147-A177-3AD203B41FA5}">
+                      <a16:colId xmlns:a16="http://schemas.microsoft.com/office/drawing/2014/main" val="2257589585"/>
+                    </a:ext>
+                  </a:extLst>
+                </a:gridCol>
+              </a:tblGrid>
+              <a:tr h="370840">
+                <a:tc>
+                  <a:txBody>
+                    <a:bodyPr/>
+                    <a:lstStyle/>
+                    <a:p>
+                      <a:r>
+                        <a:rPr lang="en-US" dirty="0"/>
+                        <a:t>IN1</a:t>
+                      </a:r>
+                    </a:p>
+                  </a:txBody>
+                  <a:tcPr/>
+                </a:tc>
+                <a:tc>
+                  <a:txBody>
+                    <a:bodyPr/>
+                    <a:lstStyle/>
+                    <a:p>
+                      <a:r>
+                        <a:rPr lang="en-US" dirty="0"/>
+                        <a:t>IN2</a:t>
+                      </a:r>
+                    </a:p>
+                  </a:txBody>
+                  <a:tcPr/>
+                </a:tc>
+                <a:tc>
+                  <a:txBody>
+                    <a:bodyPr/>
+                    <a:lstStyle/>
+                    <a:p>
+                      <a:r>
+                        <a:rPr lang="en-US" dirty="0"/>
+                        <a:t>Direction</a:t>
+                      </a:r>
+                    </a:p>
+                  </a:txBody>
+                  <a:tcPr/>
+                </a:tc>
+                <a:extLst>
+                  <a:ext uri="{0D108BD9-81ED-4DB2-BD59-A6C34878D82A}">
+                    <a16:rowId xmlns:a16="http://schemas.microsoft.com/office/drawing/2014/main" val="2679598332"/>
+                  </a:ext>
+                </a:extLst>
+              </a:tr>
+              <a:tr h="370840">
+                <a:tc>
+                  <a:txBody>
+                    <a:bodyPr/>
+                    <a:lstStyle/>
+                    <a:p>
+                      <a:r>
+                        <a:rPr lang="en-US" dirty="0"/>
+                        <a:t>0</a:t>
+                      </a:r>
+                    </a:p>
+                  </a:txBody>
+                  <a:tcPr/>
+                </a:tc>
+                <a:tc>
+                  <a:txBody>
+                    <a:bodyPr/>
+                    <a:lstStyle/>
+                    <a:p>
+                      <a:r>
+                        <a:rPr lang="en-US" dirty="0"/>
+                        <a:t>0</a:t>
+                      </a:r>
+                    </a:p>
+                  </a:txBody>
+                  <a:tcPr/>
+                </a:tc>
+                <a:tc>
+                  <a:txBody>
+                    <a:bodyPr/>
+                    <a:lstStyle/>
+                    <a:p>
+                      <a:r>
+                        <a:rPr lang="en-US" dirty="0"/>
+                        <a:t>Motor OFF</a:t>
+                      </a:r>
+                    </a:p>
+                  </a:txBody>
+                  <a:tcPr/>
+                </a:tc>
+                <a:extLst>
+                  <a:ext uri="{0D108BD9-81ED-4DB2-BD59-A6C34878D82A}">
+                    <a16:rowId xmlns:a16="http://schemas.microsoft.com/office/drawing/2014/main" val="2710758491"/>
+                  </a:ext>
+                </a:extLst>
+              </a:tr>
+              <a:tr h="370840">
+                <a:tc>
+                  <a:txBody>
+                    <a:bodyPr/>
+                    <a:lstStyle/>
+                    <a:p>
+                      <a:r>
+                        <a:rPr lang="en-US" dirty="0"/>
+                        <a:t>5V</a:t>
+                      </a:r>
+                    </a:p>
+                  </a:txBody>
+                  <a:tcPr/>
+                </a:tc>
+                <a:tc>
+                  <a:txBody>
+                    <a:bodyPr/>
+                    <a:lstStyle/>
+                    <a:p>
+                      <a:r>
+                        <a:rPr lang="en-US" dirty="0"/>
+                        <a:t>0</a:t>
+                      </a:r>
+                    </a:p>
+                  </a:txBody>
+                  <a:tcPr/>
+                </a:tc>
+                <a:tc>
+                  <a:txBody>
+                    <a:bodyPr/>
+                    <a:lstStyle/>
+                    <a:p>
+                      <a:r>
+                        <a:rPr lang="en-US" dirty="0"/>
+                        <a:t>Forward</a:t>
+                      </a:r>
+                    </a:p>
+                  </a:txBody>
+                  <a:tcPr/>
+                </a:tc>
+                <a:extLst>
+                  <a:ext uri="{0D108BD9-81ED-4DB2-BD59-A6C34878D82A}">
+                    <a16:rowId xmlns:a16="http://schemas.microsoft.com/office/drawing/2014/main" val="1413965984"/>
+                  </a:ext>
+                </a:extLst>
+              </a:tr>
+              <a:tr h="370840">
+                <a:tc>
+                  <a:txBody>
+                    <a:bodyPr/>
+                    <a:lstStyle/>
+                    <a:p>
+                      <a:r>
+                        <a:rPr lang="en-US" dirty="0"/>
+                        <a:t>0</a:t>
+                      </a:r>
+                    </a:p>
+                  </a:txBody>
+                  <a:tcPr/>
+                </a:tc>
+                <a:tc>
+                  <a:txBody>
+                    <a:bodyPr/>
+                    <a:lstStyle/>
+                    <a:p>
+                      <a:r>
+                        <a:rPr lang="en-US" dirty="0"/>
+                        <a:t>5V</a:t>
+                      </a:r>
+                    </a:p>
+                  </a:txBody>
+                  <a:tcPr/>
+                </a:tc>
+                <a:tc>
+                  <a:txBody>
+                    <a:bodyPr/>
+                    <a:lstStyle/>
+                    <a:p>
+                      <a:r>
+                        <a:rPr lang="en-US" dirty="0"/>
+                        <a:t>Reverse</a:t>
+                      </a:r>
+                    </a:p>
+                  </a:txBody>
+                  <a:tcPr/>
+                </a:tc>
+                <a:extLst>
+                  <a:ext uri="{0D108BD9-81ED-4DB2-BD59-A6C34878D82A}">
+                    <a16:rowId xmlns:a16="http://schemas.microsoft.com/office/drawing/2014/main" val="611037894"/>
+                  </a:ext>
+                </a:extLst>
+              </a:tr>
+              <a:tr h="370840">
+                <a:tc>
+                  <a:txBody>
+                    <a:bodyPr/>
+                    <a:lstStyle/>
+                    <a:p>
+                      <a:r>
+                        <a:rPr lang="en-US" dirty="0"/>
+                        <a:t>5V</a:t>
+                      </a:r>
+                    </a:p>
+                  </a:txBody>
+                  <a:tcPr/>
+                </a:tc>
+                <a:tc>
+                  <a:txBody>
+                    <a:bodyPr/>
+                    <a:lstStyle/>
+                    <a:p>
+                      <a:r>
+                        <a:rPr lang="en-US" dirty="0"/>
+                        <a:t>5V</a:t>
+                      </a:r>
+                    </a:p>
+                  </a:txBody>
+                  <a:tcPr/>
+                </a:tc>
+                <a:tc>
+                  <a:txBody>
+                    <a:bodyPr/>
+                    <a:lstStyle/>
+                    <a:p>
+                      <a:r>
+                        <a:rPr lang="en-US" dirty="0"/>
+                        <a:t>Not used</a:t>
+                      </a:r>
+                    </a:p>
+                  </a:txBody>
+                  <a:tcPr/>
+                </a:tc>
+                <a:extLst>
+                  <a:ext uri="{0D108BD9-81ED-4DB2-BD59-A6C34878D82A}">
+                    <a16:rowId xmlns:a16="http://schemas.microsoft.com/office/drawing/2014/main" val="2565589079"/>
+                  </a:ext>
+                </a:extLst>
+              </a:tr>
+            </a:tbl>
+          </a:graphicData>
+        </a:graphic>
+      </p:graphicFrame>
+    </p:spTree>
+    <p:extLst>
+      <p:ext uri="{BB962C8B-B14F-4D97-AF65-F5344CB8AC3E}">
+        <p14:creationId xmlns:p14="http://schemas.microsoft.com/office/powerpoint/2010/main" val="1712911043"/>
+      </p:ext>
+    </p:extLst>
+  </p:cSld>
+  <p:clrMapOvr>
+    <a:masterClrMapping/>
+  </p:clrMapOvr>
+</p:sld>
+</file>
+
+<file path=ppt/slides/slide19.xml><?xml version="1.0" encoding="utf-8"?>
+<p:sld xmlns:a="http://schemas.openxmlformats.org/drawingml/2006/main" xmlns:r="http://schemas.openxmlformats.org/officeDocument/2006/relationships" xmlns:p="http://schemas.openxmlformats.org/presentationml/2006/main">
+  <p:cSld>
+    <p:spTree>
+      <p:nvGrpSpPr>
+        <p:cNvPr id="1" name=""/>
+        <p:cNvGrpSpPr/>
+        <p:nvPr/>
+      </p:nvGrpSpPr>
+      <p:grpSpPr>
+        <a:xfrm>
+          <a:off x="0" y="0"/>
+          <a:ext cx="0" cy="0"/>
+          <a:chOff x="0" y="0"/>
+          <a:chExt cx="0" cy="0"/>
+        </a:xfrm>
+      </p:grpSpPr>
+      <p:sp>
+        <p:nvSpPr>
+          <p:cNvPr id="2" name="Title 1">
+            <a:extLst>
+              <a:ext uri="{FF2B5EF4-FFF2-40B4-BE49-F238E27FC236}">
+                <a16:creationId xmlns:a16="http://schemas.microsoft.com/office/drawing/2014/main" id="{9EB02CB5-EFCA-4066-8212-6E165CE4B8F9}"/>
+              </a:ext>
+            </a:extLst>
+          </p:cNvPr>
+          <p:cNvSpPr>
+            <a:spLocks noGrp="1"/>
+          </p:cNvSpPr>
+          <p:nvPr>
+            <p:ph type="title"/>
+          </p:nvPr>
+        </p:nvSpPr>
+        <p:spPr/>
+        <p:txBody>
+          <a:bodyPr/>
+          <a:lstStyle/>
+          <a:p>
+            <a:r>
+              <a:rPr lang="en-US" dirty="0"/>
+              <a:t>H-bridge Simulation </a:t>
+            </a:r>
+          </a:p>
+        </p:txBody>
+      </p:sp>
+      <p:pic>
+        <p:nvPicPr>
+          <p:cNvPr id="10" name="Content Placeholder 9">
+            <a:hlinkClick r:id="rId2"/>
+            <a:extLst>
+              <a:ext uri="{FF2B5EF4-FFF2-40B4-BE49-F238E27FC236}">
+                <a16:creationId xmlns:a16="http://schemas.microsoft.com/office/drawing/2014/main" id="{97ACAEE3-C1CA-4FBE-A17E-829F77C141C2}"/>
+              </a:ext>
+            </a:extLst>
+          </p:cNvPr>
+          <p:cNvPicPr>
+            <a:picLocks noGrp="1" noChangeAspect="1"/>
+          </p:cNvPicPr>
+          <p:nvPr>
+            <p:ph idx="1"/>
+          </p:nvPr>
+        </p:nvPicPr>
+        <p:blipFill>
+          <a:blip r:embed="rId3"/>
+          <a:stretch>
+            <a:fillRect/>
+          </a:stretch>
+        </p:blipFill>
+        <p:spPr>
+          <a:xfrm>
+            <a:off x="522493" y="1495425"/>
+            <a:ext cx="5635213" cy="4351338"/>
+          </a:xfrm>
+        </p:spPr>
+      </p:pic>
+      <p:sp>
+        <p:nvSpPr>
+          <p:cNvPr id="5" name="Slide Number Placeholder 4">
+            <a:extLst>
+              <a:ext uri="{FF2B5EF4-FFF2-40B4-BE49-F238E27FC236}">
+                <a16:creationId xmlns:a16="http://schemas.microsoft.com/office/drawing/2014/main" id="{C7C861BA-F5C9-4E11-9FD5-F23C5E5FBD63}"/>
+              </a:ext>
+            </a:extLst>
+          </p:cNvPr>
+          <p:cNvSpPr>
+            <a:spLocks noGrp="1"/>
+          </p:cNvSpPr>
+          <p:nvPr>
+            <p:ph type="sldNum" sz="quarter" idx="12"/>
+          </p:nvPr>
+        </p:nvSpPr>
+        <p:spPr/>
+        <p:txBody>
+          <a:bodyPr/>
+          <a:lstStyle/>
+          <a:p>
+            <a:fld id="{CAB166B3-F268-4CEF-878A-CFB0D0D505D3}" type="slidenum">
+              <a:rPr lang="en-US" smtClean="0"/>
+              <a:t>19</a:t>
+            </a:fld>
+            <a:endParaRPr lang="en-US"/>
+          </a:p>
+        </p:txBody>
+      </p:sp>
+      <p:sp>
+        <p:nvSpPr>
+          <p:cNvPr id="11" name="TextBox 10">
+            <a:extLst>
+              <a:ext uri="{FF2B5EF4-FFF2-40B4-BE49-F238E27FC236}">
+                <a16:creationId xmlns:a16="http://schemas.microsoft.com/office/drawing/2014/main" id="{23946379-4208-4D66-8141-07DEFD6D47EB}"/>
+              </a:ext>
+            </a:extLst>
+          </p:cNvPr>
+          <p:cNvSpPr txBox="1"/>
+          <p:nvPr/>
+        </p:nvSpPr>
+        <p:spPr>
+          <a:xfrm>
+            <a:off x="6245225" y="2008188"/>
+            <a:ext cx="2482850" cy="2585323"/>
+          </a:xfrm>
+          <a:prstGeom prst="rect">
+            <a:avLst/>
+          </a:prstGeom>
+          <a:noFill/>
+        </p:spPr>
+        <p:txBody>
+          <a:bodyPr wrap="square" rtlCol="0">
+            <a:spAutoFit/>
+          </a:bodyPr>
+          <a:lstStyle/>
+          <a:p>
+            <a:r>
+              <a:rPr lang="en-US" dirty="0">
+                <a:hlinkClick r:id="rId2"/>
+              </a:rPr>
+              <a:t>H-bridge L293 </a:t>
+            </a:r>
+            <a:endParaRPr lang="en-US" dirty="0"/>
+          </a:p>
+          <a:p>
+            <a:r>
+              <a:rPr lang="en-US" dirty="0"/>
+              <a:t>H-bridge (L293) control of a dc motor.</a:t>
+            </a:r>
+          </a:p>
+          <a:p>
+            <a:r>
+              <a:rPr lang="en-US" dirty="0"/>
+              <a:t>Use SW to control direction of motor (IN1, IN2)</a:t>
+            </a:r>
+            <a:br>
+              <a:rPr lang="en-US" dirty="0"/>
+            </a:br>
+            <a:r>
+              <a:rPr lang="en-US" dirty="0"/>
+              <a:t>Use POT to control speed of the motor (EN1) </a:t>
+            </a:r>
+          </a:p>
+        </p:txBody>
+      </p:sp>
+    </p:spTree>
+    <p:extLst>
+      <p:ext uri="{BB962C8B-B14F-4D97-AF65-F5344CB8AC3E}">
+        <p14:creationId xmlns:p14="http://schemas.microsoft.com/office/powerpoint/2010/main" val="2931550726"/>
       </p:ext>
     </p:extLst>
   </p:cSld>
@@ -6008,6 +7163,2387 @@
 </p:sld>
 </file>
 
+<file path=ppt/slides/slide20.xml><?xml version="1.0" encoding="utf-8"?>
+<p:sld xmlns:a="http://schemas.openxmlformats.org/drawingml/2006/main" xmlns:r="http://schemas.openxmlformats.org/officeDocument/2006/relationships" xmlns:p="http://schemas.openxmlformats.org/presentationml/2006/main">
+  <p:cSld>
+    <p:spTree>
+      <p:nvGrpSpPr>
+        <p:cNvPr id="1" name=""/>
+        <p:cNvGrpSpPr/>
+        <p:nvPr/>
+      </p:nvGrpSpPr>
+      <p:grpSpPr>
+        <a:xfrm>
+          <a:off x="0" y="0"/>
+          <a:ext cx="0" cy="0"/>
+          <a:chOff x="0" y="0"/>
+          <a:chExt cx="0" cy="0"/>
+        </a:xfrm>
+      </p:grpSpPr>
+      <p:sp>
+        <p:nvSpPr>
+          <p:cNvPr id="2" name="Title 1">
+            <a:extLst>
+              <a:ext uri="{FF2B5EF4-FFF2-40B4-BE49-F238E27FC236}">
+                <a16:creationId xmlns:a16="http://schemas.microsoft.com/office/drawing/2014/main" id="{6A0BAACF-D5E3-48EA-9E98-655D5D2D49EA}"/>
+              </a:ext>
+            </a:extLst>
+          </p:cNvPr>
+          <p:cNvSpPr>
+            <a:spLocks noGrp="1"/>
+          </p:cNvSpPr>
+          <p:nvPr>
+            <p:ph type="title"/>
+          </p:nvPr>
+        </p:nvSpPr>
+        <p:spPr/>
+        <p:txBody>
+          <a:bodyPr/>
+          <a:lstStyle/>
+          <a:p>
+            <a:r>
+              <a:rPr lang="en-US" dirty="0"/>
+              <a:t>H-bridge code</a:t>
+            </a:r>
+          </a:p>
+        </p:txBody>
+      </p:sp>
+      <p:pic>
+        <p:nvPicPr>
+          <p:cNvPr id="9" name="Content Placeholder 8">
+            <a:extLst>
+              <a:ext uri="{FF2B5EF4-FFF2-40B4-BE49-F238E27FC236}">
+                <a16:creationId xmlns:a16="http://schemas.microsoft.com/office/drawing/2014/main" id="{0BBC8607-5F93-4342-A2DA-22AED6CFDCDF}"/>
+              </a:ext>
+            </a:extLst>
+          </p:cNvPr>
+          <p:cNvPicPr>
+            <a:picLocks noGrp="1" noChangeAspect="1"/>
+          </p:cNvPicPr>
+          <p:nvPr>
+            <p:ph sz="half" idx="1"/>
+          </p:nvPr>
+        </p:nvPicPr>
+        <p:blipFill>
+          <a:blip r:embed="rId2"/>
+          <a:stretch>
+            <a:fillRect/>
+          </a:stretch>
+        </p:blipFill>
+        <p:spPr>
+          <a:xfrm>
+            <a:off x="628650" y="1795324"/>
+            <a:ext cx="3886200" cy="3954739"/>
+          </a:xfrm>
+        </p:spPr>
+      </p:pic>
+      <p:pic>
+        <p:nvPicPr>
+          <p:cNvPr id="7" name="Content Placeholder 6">
+            <a:extLst>
+              <a:ext uri="{FF2B5EF4-FFF2-40B4-BE49-F238E27FC236}">
+                <a16:creationId xmlns:a16="http://schemas.microsoft.com/office/drawing/2014/main" id="{B0F371FF-9EF2-4FAA-8B3A-6BD22E10A63F}"/>
+              </a:ext>
+            </a:extLst>
+          </p:cNvPr>
+          <p:cNvPicPr>
+            <a:picLocks noGrp="1" noChangeAspect="1"/>
+          </p:cNvPicPr>
+          <p:nvPr>
+            <p:ph sz="half" idx="2"/>
+          </p:nvPr>
+        </p:nvPicPr>
+        <p:blipFill>
+          <a:blip r:embed="rId3"/>
+          <a:stretch>
+            <a:fillRect/>
+          </a:stretch>
+        </p:blipFill>
+        <p:spPr>
+          <a:xfrm>
+            <a:off x="4629150" y="2261873"/>
+            <a:ext cx="3886200" cy="3478841"/>
+          </a:xfrm>
+        </p:spPr>
+      </p:pic>
+      <p:sp>
+        <p:nvSpPr>
+          <p:cNvPr id="5" name="Slide Number Placeholder 4">
+            <a:extLst>
+              <a:ext uri="{FF2B5EF4-FFF2-40B4-BE49-F238E27FC236}">
+                <a16:creationId xmlns:a16="http://schemas.microsoft.com/office/drawing/2014/main" id="{3C1087B5-DAA4-49D1-B802-AA3D8016D56F}"/>
+              </a:ext>
+            </a:extLst>
+          </p:cNvPr>
+          <p:cNvSpPr>
+            <a:spLocks noGrp="1"/>
+          </p:cNvSpPr>
+          <p:nvPr>
+            <p:ph type="sldNum" sz="quarter" idx="12"/>
+          </p:nvPr>
+        </p:nvSpPr>
+        <p:spPr/>
+        <p:txBody>
+          <a:bodyPr/>
+          <a:lstStyle/>
+          <a:p>
+            <a:fld id="{CAB166B3-F268-4CEF-878A-CFB0D0D505D3}" type="slidenum">
+              <a:rPr lang="en-US" smtClean="0"/>
+              <a:t>20</a:t>
+            </a:fld>
+            <a:endParaRPr lang="en-US"/>
+          </a:p>
+        </p:txBody>
+      </p:sp>
+    </p:spTree>
+    <p:extLst>
+      <p:ext uri="{BB962C8B-B14F-4D97-AF65-F5344CB8AC3E}">
+        <p14:creationId xmlns:p14="http://schemas.microsoft.com/office/powerpoint/2010/main" val="1452171597"/>
+      </p:ext>
+    </p:extLst>
+  </p:cSld>
+  <p:clrMapOvr>
+    <a:masterClrMapping/>
+  </p:clrMapOvr>
+</p:sld>
+</file>
+
+<file path=ppt/slides/slide21.xml><?xml version="1.0" encoding="utf-8"?>
+<p:sld xmlns:a="http://schemas.openxmlformats.org/drawingml/2006/main" xmlns:r="http://schemas.openxmlformats.org/officeDocument/2006/relationships" xmlns:p="http://schemas.openxmlformats.org/presentationml/2006/main">
+  <p:cSld>
+    <p:spTree>
+      <p:nvGrpSpPr>
+        <p:cNvPr id="1" name=""/>
+        <p:cNvGrpSpPr/>
+        <p:nvPr/>
+      </p:nvGrpSpPr>
+      <p:grpSpPr>
+        <a:xfrm>
+          <a:off x="0" y="0"/>
+          <a:ext cx="0" cy="0"/>
+          <a:chOff x="0" y="0"/>
+          <a:chExt cx="0" cy="0"/>
+        </a:xfrm>
+      </p:grpSpPr>
+      <p:sp>
+        <p:nvSpPr>
+          <p:cNvPr id="2" name="Title 1">
+            <a:extLst>
+              <a:ext uri="{FF2B5EF4-FFF2-40B4-BE49-F238E27FC236}">
+                <a16:creationId xmlns:a16="http://schemas.microsoft.com/office/drawing/2014/main" id="{C0879C69-4C16-413B-AA4F-6C32C3C489AA}"/>
+              </a:ext>
+            </a:extLst>
+          </p:cNvPr>
+          <p:cNvSpPr>
+            <a:spLocks noGrp="1"/>
+          </p:cNvSpPr>
+          <p:nvPr>
+            <p:ph type="title"/>
+          </p:nvPr>
+        </p:nvSpPr>
+        <p:spPr/>
+        <p:txBody>
+          <a:bodyPr/>
+          <a:lstStyle/>
+          <a:p>
+            <a:r>
+              <a:rPr lang="en-US" dirty="0"/>
+              <a:t>Stepper Motors</a:t>
+            </a:r>
+          </a:p>
+        </p:txBody>
+      </p:sp>
+      <p:sp>
+        <p:nvSpPr>
+          <p:cNvPr id="3" name="Content Placeholder 2">
+            <a:extLst>
+              <a:ext uri="{FF2B5EF4-FFF2-40B4-BE49-F238E27FC236}">
+                <a16:creationId xmlns:a16="http://schemas.microsoft.com/office/drawing/2014/main" id="{51E5C897-AC70-4347-B3C6-079E5747A313}"/>
+              </a:ext>
+            </a:extLst>
+          </p:cNvPr>
+          <p:cNvSpPr>
+            <a:spLocks noGrp="1"/>
+          </p:cNvSpPr>
+          <p:nvPr>
+            <p:ph sz="half" idx="1"/>
+          </p:nvPr>
+        </p:nvSpPr>
+        <p:spPr/>
+        <p:txBody>
+          <a:bodyPr/>
+          <a:lstStyle/>
+          <a:p>
+            <a:r>
+              <a:rPr lang="en-US" sz="2400" dirty="0"/>
+              <a:t>A motor that can move in steps.</a:t>
+            </a:r>
+          </a:p>
+          <a:p>
+            <a:r>
+              <a:rPr lang="en-US" sz="2400" dirty="0"/>
+              <a:t>Each step is a division (in degrees) of a full rotation.</a:t>
+            </a:r>
+          </a:p>
+          <a:p>
+            <a:r>
+              <a:rPr lang="en-US" sz="2400" dirty="0"/>
+              <a:t>Done by activation motor coils.</a:t>
+            </a:r>
+          </a:p>
+          <a:p>
+            <a:r>
+              <a:rPr lang="en-US" sz="2400" dirty="0"/>
+              <a:t>Stepper Motors are good</a:t>
+            </a:r>
+          </a:p>
+          <a:p>
+            <a:pPr lvl="1"/>
+            <a:r>
+              <a:rPr lang="en-US" sz="2000" dirty="0"/>
+              <a:t>For exact positional control</a:t>
+            </a:r>
+          </a:p>
+          <a:p>
+            <a:pPr lvl="1"/>
+            <a:r>
+              <a:rPr lang="en-US" sz="2000" dirty="0"/>
+              <a:t>Movement at specific speeds</a:t>
+            </a:r>
+          </a:p>
+          <a:p>
+            <a:pPr lvl="1"/>
+            <a:r>
+              <a:rPr lang="en-US" sz="2000" dirty="0"/>
+              <a:t>High torque (even at rest)</a:t>
+            </a:r>
+          </a:p>
+          <a:p>
+            <a:r>
+              <a:rPr lang="en-US" sz="2400" dirty="0"/>
+              <a:t>Have Stepper control modules</a:t>
+            </a:r>
+          </a:p>
+        </p:txBody>
+      </p:sp>
+      <p:sp>
+        <p:nvSpPr>
+          <p:cNvPr id="4" name="Content Placeholder 3">
+            <a:extLst>
+              <a:ext uri="{FF2B5EF4-FFF2-40B4-BE49-F238E27FC236}">
+                <a16:creationId xmlns:a16="http://schemas.microsoft.com/office/drawing/2014/main" id="{E0939552-E550-43C6-B108-4B867F7A3B09}"/>
+              </a:ext>
+            </a:extLst>
+          </p:cNvPr>
+          <p:cNvSpPr>
+            <a:spLocks noGrp="1"/>
+          </p:cNvSpPr>
+          <p:nvPr>
+            <p:ph sz="half" idx="2"/>
+          </p:nvPr>
+        </p:nvSpPr>
+        <p:spPr>
+          <a:xfrm>
+            <a:off x="4914900" y="4572000"/>
+            <a:ext cx="3600450" cy="1604962"/>
+          </a:xfrm>
+        </p:spPr>
+        <p:txBody>
+          <a:bodyPr/>
+          <a:lstStyle/>
+          <a:p>
+            <a:r>
+              <a:rPr lang="en-US" sz="2400" dirty="0"/>
+              <a:t>References:</a:t>
+            </a:r>
+          </a:p>
+          <a:p>
+            <a:pPr lvl="1"/>
+            <a:r>
+              <a:rPr lang="en-US" sz="1800" dirty="0">
+                <a:hlinkClick r:id="rId2"/>
+              </a:rPr>
+              <a:t>Wikipedia: Stepper Motor</a:t>
+            </a:r>
+            <a:endParaRPr lang="en-US" sz="1800" dirty="0"/>
+          </a:p>
+          <a:p>
+            <a:pPr lvl="1"/>
+            <a:r>
+              <a:rPr lang="en-US" sz="1800" dirty="0" err="1">
+                <a:hlinkClick r:id="rId3"/>
+              </a:rPr>
+              <a:t>Dronebot</a:t>
+            </a:r>
+            <a:r>
+              <a:rPr lang="en-US" sz="1800" dirty="0">
+                <a:hlinkClick r:id="rId3"/>
+              </a:rPr>
+              <a:t> Workshop</a:t>
+            </a:r>
+            <a:endParaRPr lang="en-US" sz="1800" dirty="0"/>
+          </a:p>
+          <a:p>
+            <a:pPr lvl="1"/>
+            <a:r>
+              <a:rPr lang="en-US" sz="1800" dirty="0" err="1">
+                <a:hlinkClick r:id="rId4"/>
+              </a:rPr>
+              <a:t>LastMinuteEngineers</a:t>
+            </a:r>
+            <a:endParaRPr lang="en-US" sz="1800" dirty="0"/>
+          </a:p>
+        </p:txBody>
+      </p:sp>
+      <p:sp>
+        <p:nvSpPr>
+          <p:cNvPr id="5" name="Slide Number Placeholder 4">
+            <a:extLst>
+              <a:ext uri="{FF2B5EF4-FFF2-40B4-BE49-F238E27FC236}">
+                <a16:creationId xmlns:a16="http://schemas.microsoft.com/office/drawing/2014/main" id="{A12A43C5-74C1-4ACF-A40D-4BD24B0E140F}"/>
+              </a:ext>
+            </a:extLst>
+          </p:cNvPr>
+          <p:cNvSpPr>
+            <a:spLocks noGrp="1"/>
+          </p:cNvSpPr>
+          <p:nvPr>
+            <p:ph type="sldNum" sz="quarter" idx="12"/>
+          </p:nvPr>
+        </p:nvSpPr>
+        <p:spPr/>
+        <p:txBody>
+          <a:bodyPr/>
+          <a:lstStyle/>
+          <a:p>
+            <a:fld id="{CAB166B3-F268-4CEF-878A-CFB0D0D505D3}" type="slidenum">
+              <a:rPr lang="en-US" smtClean="0"/>
+              <a:t>21</a:t>
+            </a:fld>
+            <a:endParaRPr lang="en-US"/>
+          </a:p>
+        </p:txBody>
+      </p:sp>
+      <p:pic>
+        <p:nvPicPr>
+          <p:cNvPr id="2052" name="Picture 4">
+            <a:extLst>
+              <a:ext uri="{FF2B5EF4-FFF2-40B4-BE49-F238E27FC236}">
+                <a16:creationId xmlns:a16="http://schemas.microsoft.com/office/drawing/2014/main" id="{FAAF2BA2-D882-4B87-A403-93DC7962D19B}"/>
+              </a:ext>
+            </a:extLst>
+          </p:cNvPr>
+          <p:cNvPicPr>
+            <a:picLocks noChangeAspect="1" noChangeArrowheads="1" noCrop="1"/>
+          </p:cNvPicPr>
+          <p:nvPr/>
+        </p:nvPicPr>
+        <p:blipFill>
+          <a:blip r:embed="rId5">
+            <a:extLst>
+              <a:ext uri="{28A0092B-C50C-407E-A947-70E740481C1C}">
+                <a14:useLocalDpi xmlns:a14="http://schemas.microsoft.com/office/drawing/2010/main" val="0"/>
+              </a:ext>
+            </a:extLst>
+          </a:blip>
+          <a:srcRect/>
+          <a:stretch>
+            <a:fillRect/>
+          </a:stretch>
+        </p:blipFill>
+        <p:spPr bwMode="auto">
+          <a:xfrm>
+            <a:off x="4914900" y="1119982"/>
+            <a:ext cx="3452018" cy="3452018"/>
+          </a:xfrm>
+          <a:prstGeom prst="rect">
+            <a:avLst/>
+          </a:prstGeom>
+          <a:noFill/>
+          <a:extLst>
+            <a:ext uri="{909E8E84-426E-40DD-AFC4-6F175D3DCCD1}">
+              <a14:hiddenFill xmlns:a14="http://schemas.microsoft.com/office/drawing/2010/main">
+                <a:solidFill>
+                  <a:srgbClr val="FFFFFF"/>
+                </a:solidFill>
+              </a14:hiddenFill>
+            </a:ext>
+          </a:extLst>
+        </p:spPr>
+      </p:pic>
+    </p:spTree>
+    <p:extLst>
+      <p:ext uri="{BB962C8B-B14F-4D97-AF65-F5344CB8AC3E}">
+        <p14:creationId xmlns:p14="http://schemas.microsoft.com/office/powerpoint/2010/main" val="4051797969"/>
+      </p:ext>
+    </p:extLst>
+  </p:cSld>
+  <p:clrMapOvr>
+    <a:masterClrMapping/>
+  </p:clrMapOvr>
+</p:sld>
+</file>
+
+<file path=ppt/slides/slide22.xml><?xml version="1.0" encoding="utf-8"?>
+<p:sld xmlns:a="http://schemas.openxmlformats.org/drawingml/2006/main" xmlns:r="http://schemas.openxmlformats.org/officeDocument/2006/relationships" xmlns:p="http://schemas.openxmlformats.org/presentationml/2006/main">
+  <p:cSld>
+    <p:spTree>
+      <p:nvGrpSpPr>
+        <p:cNvPr id="1" name=""/>
+        <p:cNvGrpSpPr/>
+        <p:nvPr/>
+      </p:nvGrpSpPr>
+      <p:grpSpPr>
+        <a:xfrm>
+          <a:off x="0" y="0"/>
+          <a:ext cx="0" cy="0"/>
+          <a:chOff x="0" y="0"/>
+          <a:chExt cx="0" cy="0"/>
+        </a:xfrm>
+      </p:grpSpPr>
+      <p:sp>
+        <p:nvSpPr>
+          <p:cNvPr id="2" name="Title 1">
+            <a:extLst>
+              <a:ext uri="{FF2B5EF4-FFF2-40B4-BE49-F238E27FC236}">
+                <a16:creationId xmlns:a16="http://schemas.microsoft.com/office/drawing/2014/main" id="{6C41759B-C706-43D0-85FE-82D06D8633EF}"/>
+              </a:ext>
+            </a:extLst>
+          </p:cNvPr>
+          <p:cNvSpPr>
+            <a:spLocks noGrp="1"/>
+          </p:cNvSpPr>
+          <p:nvPr>
+            <p:ph type="title"/>
+          </p:nvPr>
+        </p:nvSpPr>
+        <p:spPr/>
+        <p:txBody>
+          <a:bodyPr/>
+          <a:lstStyle/>
+          <a:p>
+            <a:r>
+              <a:rPr lang="en-US" dirty="0"/>
+              <a:t>Simple Stepper Motor: 28BYJ-48</a:t>
+            </a:r>
+          </a:p>
+        </p:txBody>
+      </p:sp>
+      <p:sp>
+        <p:nvSpPr>
+          <p:cNvPr id="3" name="Content Placeholder 2">
+            <a:extLst>
+              <a:ext uri="{FF2B5EF4-FFF2-40B4-BE49-F238E27FC236}">
+                <a16:creationId xmlns:a16="http://schemas.microsoft.com/office/drawing/2014/main" id="{7348F618-08A4-47E4-9747-C74779DEEFF3}"/>
+              </a:ext>
+            </a:extLst>
+          </p:cNvPr>
+          <p:cNvSpPr>
+            <a:spLocks noGrp="1"/>
+          </p:cNvSpPr>
+          <p:nvPr>
+            <p:ph sz="half" idx="1"/>
+          </p:nvPr>
+        </p:nvSpPr>
+        <p:spPr/>
+        <p:txBody>
+          <a:bodyPr/>
+          <a:lstStyle/>
+          <a:p>
+            <a:r>
+              <a:rPr lang="en-US" sz="2000" dirty="0"/>
+              <a:t>Common hobby motor with controller board for many projects.</a:t>
+            </a:r>
+          </a:p>
+          <a:p>
+            <a:r>
+              <a:rPr lang="en-US" sz="2000" dirty="0"/>
+              <a:t>Able to work with 5V supply (external)</a:t>
+            </a:r>
+          </a:p>
+          <a:p>
+            <a:r>
+              <a:rPr lang="en-US" sz="2000" dirty="0"/>
+              <a:t>Can be controlled manually or with a library</a:t>
+            </a:r>
+          </a:p>
+          <a:p>
+            <a:r>
+              <a:rPr lang="en-US" sz="2000" dirty="0"/>
+              <a:t>Library: </a:t>
+            </a:r>
+            <a:r>
+              <a:rPr lang="en-US" sz="2000" dirty="0">
+                <a:hlinkClick r:id="rId2"/>
+              </a:rPr>
+              <a:t>Arduino Stepper</a:t>
+            </a:r>
+            <a:endParaRPr lang="en-US" sz="2000" dirty="0"/>
+          </a:p>
+          <a:p>
+            <a:r>
+              <a:rPr lang="en-US" sz="2000" dirty="0"/>
+              <a:t>References:</a:t>
+            </a:r>
+          </a:p>
+          <a:p>
+            <a:pPr lvl="1"/>
+            <a:r>
+              <a:rPr lang="en-US" sz="1600" dirty="0" err="1">
+                <a:hlinkClick r:id="rId3"/>
+              </a:rPr>
+              <a:t>LastMinuteEngineers</a:t>
+            </a:r>
+            <a:endParaRPr lang="en-US" sz="1600" dirty="0"/>
+          </a:p>
+          <a:p>
+            <a:pPr lvl="1"/>
+            <a:r>
+              <a:rPr lang="en-US" sz="1600" dirty="0" err="1">
+                <a:hlinkClick r:id="rId4"/>
+              </a:rPr>
+              <a:t>Dronebot</a:t>
+            </a:r>
+            <a:r>
+              <a:rPr lang="en-US" sz="1600" dirty="0">
+                <a:hlinkClick r:id="rId4"/>
+              </a:rPr>
+              <a:t> workshop</a:t>
+            </a:r>
+            <a:r>
+              <a:rPr lang="en-US" sz="1600" dirty="0"/>
+              <a:t> (has manual code and library examples)</a:t>
+            </a:r>
+          </a:p>
+        </p:txBody>
+      </p:sp>
+      <p:pic>
+        <p:nvPicPr>
+          <p:cNvPr id="7" name="Content Placeholder 6">
+            <a:extLst>
+              <a:ext uri="{FF2B5EF4-FFF2-40B4-BE49-F238E27FC236}">
+                <a16:creationId xmlns:a16="http://schemas.microsoft.com/office/drawing/2014/main" id="{504030FA-3D8D-4C69-8427-5ED633884C38}"/>
+              </a:ext>
+            </a:extLst>
+          </p:cNvPr>
+          <p:cNvPicPr>
+            <a:picLocks noGrp="1" noChangeAspect="1"/>
+          </p:cNvPicPr>
+          <p:nvPr>
+            <p:ph sz="half" idx="2"/>
+          </p:nvPr>
+        </p:nvPicPr>
+        <p:blipFill>
+          <a:blip r:embed="rId5"/>
+          <a:stretch>
+            <a:fillRect/>
+          </a:stretch>
+        </p:blipFill>
+        <p:spPr>
+          <a:xfrm>
+            <a:off x="4250549" y="1741374"/>
+            <a:ext cx="4414802" cy="2124702"/>
+          </a:xfrm>
+        </p:spPr>
+      </p:pic>
+      <p:sp>
+        <p:nvSpPr>
+          <p:cNvPr id="5" name="Slide Number Placeholder 4">
+            <a:extLst>
+              <a:ext uri="{FF2B5EF4-FFF2-40B4-BE49-F238E27FC236}">
+                <a16:creationId xmlns:a16="http://schemas.microsoft.com/office/drawing/2014/main" id="{17A1D23A-DD84-4726-A99A-82055A07D222}"/>
+              </a:ext>
+            </a:extLst>
+          </p:cNvPr>
+          <p:cNvSpPr>
+            <a:spLocks noGrp="1"/>
+          </p:cNvSpPr>
+          <p:nvPr>
+            <p:ph type="sldNum" sz="quarter" idx="12"/>
+          </p:nvPr>
+        </p:nvSpPr>
+        <p:spPr/>
+        <p:txBody>
+          <a:bodyPr/>
+          <a:lstStyle/>
+          <a:p>
+            <a:fld id="{CAB166B3-F268-4CEF-878A-CFB0D0D505D3}" type="slidenum">
+              <a:rPr lang="en-US" smtClean="0"/>
+              <a:t>22</a:t>
+            </a:fld>
+            <a:endParaRPr lang="en-US"/>
+          </a:p>
+        </p:txBody>
+      </p:sp>
+      <p:pic>
+        <p:nvPicPr>
+          <p:cNvPr id="9" name="Picture 8">
+            <a:extLst>
+              <a:ext uri="{FF2B5EF4-FFF2-40B4-BE49-F238E27FC236}">
+                <a16:creationId xmlns:a16="http://schemas.microsoft.com/office/drawing/2014/main" id="{07AB1BE5-3892-4903-8051-1E93F29C13A7}"/>
+              </a:ext>
+            </a:extLst>
+          </p:cNvPr>
+          <p:cNvPicPr>
+            <a:picLocks noChangeAspect="1"/>
+          </p:cNvPicPr>
+          <p:nvPr/>
+        </p:nvPicPr>
+        <p:blipFill>
+          <a:blip r:embed="rId6"/>
+          <a:stretch>
+            <a:fillRect/>
+          </a:stretch>
+        </p:blipFill>
+        <p:spPr>
+          <a:xfrm>
+            <a:off x="6457950" y="3933544"/>
+            <a:ext cx="2057401" cy="1881411"/>
+          </a:xfrm>
+          <a:prstGeom prst="rect">
+            <a:avLst/>
+          </a:prstGeom>
+        </p:spPr>
+      </p:pic>
+    </p:spTree>
+    <p:extLst>
+      <p:ext uri="{BB962C8B-B14F-4D97-AF65-F5344CB8AC3E}">
+        <p14:creationId xmlns:p14="http://schemas.microsoft.com/office/powerpoint/2010/main" val="2349158096"/>
+      </p:ext>
+    </p:extLst>
+  </p:cSld>
+  <p:clrMapOvr>
+    <a:masterClrMapping/>
+  </p:clrMapOvr>
+</p:sld>
+</file>
+
+<file path=ppt/slides/slide23.xml><?xml version="1.0" encoding="utf-8"?>
+<p:sld xmlns:a="http://schemas.openxmlformats.org/drawingml/2006/main" xmlns:r="http://schemas.openxmlformats.org/officeDocument/2006/relationships" xmlns:p="http://schemas.openxmlformats.org/presentationml/2006/main">
+  <p:cSld>
+    <p:spTree>
+      <p:nvGrpSpPr>
+        <p:cNvPr id="1" name=""/>
+        <p:cNvGrpSpPr/>
+        <p:nvPr/>
+      </p:nvGrpSpPr>
+      <p:grpSpPr>
+        <a:xfrm>
+          <a:off x="0" y="0"/>
+          <a:ext cx="0" cy="0"/>
+          <a:chOff x="0" y="0"/>
+          <a:chExt cx="0" cy="0"/>
+        </a:xfrm>
+      </p:grpSpPr>
+      <p:sp>
+        <p:nvSpPr>
+          <p:cNvPr id="2" name="Title 1">
+            <a:extLst>
+              <a:ext uri="{FF2B5EF4-FFF2-40B4-BE49-F238E27FC236}">
+                <a16:creationId xmlns:a16="http://schemas.microsoft.com/office/drawing/2014/main" id="{522587A8-0AA5-4496-A580-5FEB56F5610B}"/>
+              </a:ext>
+            </a:extLst>
+          </p:cNvPr>
+          <p:cNvSpPr>
+            <a:spLocks noGrp="1"/>
+          </p:cNvSpPr>
+          <p:nvPr>
+            <p:ph type="title"/>
+          </p:nvPr>
+        </p:nvSpPr>
+        <p:spPr/>
+        <p:txBody>
+          <a:bodyPr/>
+          <a:lstStyle/>
+          <a:p>
+            <a:r>
+              <a:rPr lang="en-US" dirty="0"/>
+              <a:t>Stepper Motor Code</a:t>
+            </a:r>
+          </a:p>
+        </p:txBody>
+      </p:sp>
+      <p:pic>
+        <p:nvPicPr>
+          <p:cNvPr id="7" name="Content Placeholder 6">
+            <a:extLst>
+              <a:ext uri="{FF2B5EF4-FFF2-40B4-BE49-F238E27FC236}">
+                <a16:creationId xmlns:a16="http://schemas.microsoft.com/office/drawing/2014/main" id="{3FF76D59-43D8-4F69-9F21-3E465DBB3B96}"/>
+              </a:ext>
+            </a:extLst>
+          </p:cNvPr>
+          <p:cNvPicPr>
+            <a:picLocks noGrp="1" noChangeAspect="1"/>
+          </p:cNvPicPr>
+          <p:nvPr>
+            <p:ph sz="half" idx="1"/>
+          </p:nvPr>
+        </p:nvPicPr>
+        <p:blipFill>
+          <a:blip r:embed="rId2"/>
+          <a:stretch>
+            <a:fillRect/>
+          </a:stretch>
+        </p:blipFill>
+        <p:spPr>
+          <a:xfrm>
+            <a:off x="628649" y="1413556"/>
+            <a:ext cx="4632457" cy="5079317"/>
+          </a:xfrm>
+        </p:spPr>
+      </p:pic>
+      <p:sp>
+        <p:nvSpPr>
+          <p:cNvPr id="4" name="Content Placeholder 3">
+            <a:extLst>
+              <a:ext uri="{FF2B5EF4-FFF2-40B4-BE49-F238E27FC236}">
+                <a16:creationId xmlns:a16="http://schemas.microsoft.com/office/drawing/2014/main" id="{A58CD60C-96B5-4540-86FD-46C59BC31E24}"/>
+              </a:ext>
+            </a:extLst>
+          </p:cNvPr>
+          <p:cNvSpPr>
+            <a:spLocks noGrp="1"/>
+          </p:cNvSpPr>
+          <p:nvPr>
+            <p:ph sz="half" idx="2"/>
+          </p:nvPr>
+        </p:nvSpPr>
+        <p:spPr>
+          <a:xfrm>
+            <a:off x="5372100" y="1825625"/>
+            <a:ext cx="3143250" cy="4351338"/>
+          </a:xfrm>
+        </p:spPr>
+        <p:txBody>
+          <a:bodyPr/>
+          <a:lstStyle/>
+          <a:p>
+            <a:r>
+              <a:rPr lang="en-US" sz="2400" dirty="0"/>
+              <a:t>Uses stepper motor library</a:t>
+            </a:r>
+          </a:p>
+          <a:p>
+            <a:r>
+              <a:rPr lang="en-US" sz="2400" dirty="0"/>
+              <a:t>There is a min and max speed the motor can achieve.</a:t>
+            </a:r>
+          </a:p>
+          <a:p>
+            <a:pPr marL="0" indent="0">
+              <a:buNone/>
+            </a:pPr>
+            <a:endParaRPr lang="en-US" sz="2400" dirty="0"/>
+          </a:p>
+        </p:txBody>
+      </p:sp>
+      <p:sp>
+        <p:nvSpPr>
+          <p:cNvPr id="5" name="Slide Number Placeholder 4">
+            <a:extLst>
+              <a:ext uri="{FF2B5EF4-FFF2-40B4-BE49-F238E27FC236}">
+                <a16:creationId xmlns:a16="http://schemas.microsoft.com/office/drawing/2014/main" id="{57F36C66-D78D-41E5-AF43-FECCA8B406BF}"/>
+              </a:ext>
+            </a:extLst>
+          </p:cNvPr>
+          <p:cNvSpPr>
+            <a:spLocks noGrp="1"/>
+          </p:cNvSpPr>
+          <p:nvPr>
+            <p:ph type="sldNum" sz="quarter" idx="12"/>
+          </p:nvPr>
+        </p:nvSpPr>
+        <p:spPr/>
+        <p:txBody>
+          <a:bodyPr/>
+          <a:lstStyle/>
+          <a:p>
+            <a:fld id="{CAB166B3-F268-4CEF-878A-CFB0D0D505D3}" type="slidenum">
+              <a:rPr lang="en-US" smtClean="0"/>
+              <a:t>23</a:t>
+            </a:fld>
+            <a:endParaRPr lang="en-US"/>
+          </a:p>
+        </p:txBody>
+      </p:sp>
+    </p:spTree>
+    <p:extLst>
+      <p:ext uri="{BB962C8B-B14F-4D97-AF65-F5344CB8AC3E}">
+        <p14:creationId xmlns:p14="http://schemas.microsoft.com/office/powerpoint/2010/main" val="417472065"/>
+      </p:ext>
+    </p:extLst>
+  </p:cSld>
+  <p:clrMapOvr>
+    <a:masterClrMapping/>
+  </p:clrMapOvr>
+</p:sld>
+</file>
+
+<file path=ppt/slides/slide24.xml><?xml version="1.0" encoding="utf-8"?>
+<p:sld xmlns:a="http://schemas.openxmlformats.org/drawingml/2006/main" xmlns:r="http://schemas.openxmlformats.org/officeDocument/2006/relationships" xmlns:p="http://schemas.openxmlformats.org/presentationml/2006/main">
+  <p:cSld>
+    <p:spTree>
+      <p:nvGrpSpPr>
+        <p:cNvPr id="1" name=""/>
+        <p:cNvGrpSpPr/>
+        <p:nvPr/>
+      </p:nvGrpSpPr>
+      <p:grpSpPr>
+        <a:xfrm>
+          <a:off x="0" y="0"/>
+          <a:ext cx="0" cy="0"/>
+          <a:chOff x="0" y="0"/>
+          <a:chExt cx="0" cy="0"/>
+        </a:xfrm>
+      </p:grpSpPr>
+      <p:sp>
+        <p:nvSpPr>
+          <p:cNvPr id="2" name="Title 1">
+            <a:extLst>
+              <a:ext uri="{FF2B5EF4-FFF2-40B4-BE49-F238E27FC236}">
+                <a16:creationId xmlns:a16="http://schemas.microsoft.com/office/drawing/2014/main" id="{5FF10807-11E6-44A5-A612-60D1B2DBBCAE}"/>
+              </a:ext>
+            </a:extLst>
+          </p:cNvPr>
+          <p:cNvSpPr>
+            <a:spLocks noGrp="1"/>
+          </p:cNvSpPr>
+          <p:nvPr>
+            <p:ph type="title"/>
+          </p:nvPr>
+        </p:nvSpPr>
+        <p:spPr/>
+        <p:txBody>
+          <a:bodyPr/>
+          <a:lstStyle/>
+          <a:p>
+            <a:r>
+              <a:rPr lang="en-US" dirty="0"/>
+              <a:t>Servo Motors</a:t>
+            </a:r>
+          </a:p>
+        </p:txBody>
+      </p:sp>
+      <p:sp>
+        <p:nvSpPr>
+          <p:cNvPr id="3" name="Content Placeholder 2">
+            <a:extLst>
+              <a:ext uri="{FF2B5EF4-FFF2-40B4-BE49-F238E27FC236}">
+                <a16:creationId xmlns:a16="http://schemas.microsoft.com/office/drawing/2014/main" id="{63B874AC-BD01-40D4-A303-898E83A27A90}"/>
+              </a:ext>
+            </a:extLst>
+          </p:cNvPr>
+          <p:cNvSpPr>
+            <a:spLocks noGrp="1"/>
+          </p:cNvSpPr>
+          <p:nvPr>
+            <p:ph sz="half" idx="1"/>
+          </p:nvPr>
+        </p:nvSpPr>
+        <p:spPr>
+          <a:xfrm>
+            <a:off x="628650" y="1763486"/>
+            <a:ext cx="3886200" cy="4413477"/>
+          </a:xfrm>
+        </p:spPr>
+        <p:txBody>
+          <a:bodyPr/>
+          <a:lstStyle/>
+          <a:p>
+            <a:r>
+              <a:rPr lang="en-US" sz="2400" dirty="0"/>
+              <a:t>Has an internal control circuit with geared motors</a:t>
+            </a:r>
+          </a:p>
+          <a:p>
+            <a:r>
+              <a:rPr lang="en-US" sz="2400" dirty="0"/>
+              <a:t>Controlled using PWM</a:t>
+            </a:r>
+          </a:p>
+          <a:p>
+            <a:r>
+              <a:rPr lang="en-US" sz="2400" dirty="0"/>
+              <a:t>Pulse width determine</a:t>
+            </a:r>
+          </a:p>
+          <a:p>
+            <a:pPr lvl="1"/>
+            <a:r>
+              <a:rPr lang="en-US" sz="2000" dirty="0"/>
+              <a:t>Position of servo</a:t>
+            </a:r>
+          </a:p>
+          <a:p>
+            <a:pPr lvl="1"/>
+            <a:r>
+              <a:rPr lang="en-US" sz="2000" dirty="0"/>
+              <a:t>Direction of rotation</a:t>
+            </a:r>
+          </a:p>
+          <a:p>
+            <a:r>
+              <a:rPr lang="en-US" sz="2400" dirty="0"/>
+              <a:t>Library: </a:t>
+            </a:r>
+            <a:r>
+              <a:rPr lang="en-US" sz="2400" dirty="0">
+                <a:hlinkClick r:id="rId2"/>
+              </a:rPr>
+              <a:t>Arduino Servo</a:t>
+            </a:r>
+            <a:endParaRPr lang="en-US" sz="2400" dirty="0"/>
+          </a:p>
+          <a:p>
+            <a:r>
+              <a:rPr lang="en-US" sz="2400" dirty="0"/>
+              <a:t>Reference:</a:t>
+            </a:r>
+          </a:p>
+          <a:p>
+            <a:pPr lvl="1"/>
+            <a:r>
+              <a:rPr lang="en-US" sz="2000" dirty="0" err="1">
+                <a:hlinkClick r:id="rId3"/>
+              </a:rPr>
+              <a:t>LastMinuteEngineers</a:t>
+            </a:r>
+            <a:endParaRPr lang="en-US" sz="2000" dirty="0"/>
+          </a:p>
+          <a:p>
+            <a:pPr lvl="1"/>
+            <a:r>
+              <a:rPr lang="en-US" sz="2000" dirty="0" err="1">
+                <a:hlinkClick r:id="rId4"/>
+              </a:rPr>
+              <a:t>Dronebot</a:t>
+            </a:r>
+            <a:r>
+              <a:rPr lang="en-US" sz="2000" dirty="0">
+                <a:hlinkClick r:id="rId4"/>
+              </a:rPr>
+              <a:t> Workshop</a:t>
+            </a:r>
+            <a:endParaRPr lang="en-US" sz="2000" dirty="0"/>
+          </a:p>
+        </p:txBody>
+      </p:sp>
+      <p:sp>
+        <p:nvSpPr>
+          <p:cNvPr id="6" name="Content Placeholder 5">
+            <a:extLst>
+              <a:ext uri="{FF2B5EF4-FFF2-40B4-BE49-F238E27FC236}">
+                <a16:creationId xmlns:a16="http://schemas.microsoft.com/office/drawing/2014/main" id="{C27B5AEF-EEAF-4ACE-ADC0-5993641B2F5D}"/>
+              </a:ext>
+            </a:extLst>
+          </p:cNvPr>
+          <p:cNvSpPr>
+            <a:spLocks noGrp="1"/>
+          </p:cNvSpPr>
+          <p:nvPr>
+            <p:ph sz="half" idx="2"/>
+          </p:nvPr>
+        </p:nvSpPr>
+        <p:spPr>
+          <a:xfrm>
+            <a:off x="4629149" y="1803854"/>
+            <a:ext cx="4079421" cy="4351338"/>
+          </a:xfrm>
+        </p:spPr>
+        <p:txBody>
+          <a:bodyPr/>
+          <a:lstStyle/>
+          <a:p>
+            <a:r>
+              <a:rPr lang="en-US" sz="2400" dirty="0">
+                <a:hlinkClick r:id="rId5"/>
+              </a:rPr>
+              <a:t>Positional Servo (FS90)</a:t>
+            </a:r>
+            <a:endParaRPr lang="en-US" sz="2400" dirty="0"/>
+          </a:p>
+          <a:p>
+            <a:pPr lvl="1"/>
+            <a:r>
+              <a:rPr lang="en-US" sz="2000" dirty="0"/>
+              <a:t>3.0~5.0V, 120</a:t>
+            </a:r>
+            <a:r>
+              <a:rPr lang="en-US" sz="2000" baseline="30000" dirty="0"/>
+              <a:t>o</a:t>
+            </a:r>
+            <a:r>
+              <a:rPr lang="en-US" sz="2000" dirty="0"/>
+              <a:t> angle</a:t>
+            </a:r>
+          </a:p>
+          <a:p>
+            <a:pPr lvl="1"/>
+            <a:r>
+              <a:rPr lang="en-US" sz="2000" dirty="0"/>
+              <a:t>Servo pulse 900~1200uS determines position</a:t>
+            </a:r>
+          </a:p>
+          <a:p>
+            <a:pPr lvl="1"/>
+            <a:r>
+              <a:rPr lang="en-US" sz="2000" dirty="0"/>
+              <a:t>Maintains control position</a:t>
+            </a:r>
+          </a:p>
+          <a:p>
+            <a:r>
+              <a:rPr lang="en-US" sz="2400" dirty="0">
+                <a:hlinkClick r:id="rId6"/>
+              </a:rPr>
+              <a:t>Continuous Rotation (FS90R)</a:t>
+            </a:r>
+            <a:endParaRPr lang="en-US" sz="2400" dirty="0"/>
+          </a:p>
+          <a:p>
+            <a:pPr lvl="1"/>
+            <a:r>
+              <a:rPr lang="en-US" sz="2000" dirty="0"/>
+              <a:t>3.0~5.0V, 360</a:t>
+            </a:r>
+            <a:r>
+              <a:rPr lang="en-US" sz="2000" baseline="30000" dirty="0"/>
+              <a:t>o</a:t>
+            </a:r>
+            <a:r>
+              <a:rPr lang="en-US" sz="2000" dirty="0"/>
+              <a:t> rotation</a:t>
+            </a:r>
+          </a:p>
+          <a:p>
+            <a:pPr lvl="1"/>
+            <a:r>
+              <a:rPr lang="en-US" sz="2000" dirty="0"/>
+              <a:t>Servo pulse 900~1200uS controls direction of rotation or speed</a:t>
+            </a:r>
+          </a:p>
+          <a:p>
+            <a:pPr lvl="1"/>
+            <a:r>
+              <a:rPr lang="en-US" sz="2000" dirty="0"/>
+              <a:t>For small robots or moving objects</a:t>
+            </a:r>
+          </a:p>
+        </p:txBody>
+      </p:sp>
+      <p:sp>
+        <p:nvSpPr>
+          <p:cNvPr id="5" name="Slide Number Placeholder 4">
+            <a:extLst>
+              <a:ext uri="{FF2B5EF4-FFF2-40B4-BE49-F238E27FC236}">
+                <a16:creationId xmlns:a16="http://schemas.microsoft.com/office/drawing/2014/main" id="{54D2F11E-B568-4FFE-8F4E-2074126FC165}"/>
+              </a:ext>
+            </a:extLst>
+          </p:cNvPr>
+          <p:cNvSpPr>
+            <a:spLocks noGrp="1"/>
+          </p:cNvSpPr>
+          <p:nvPr>
+            <p:ph type="sldNum" sz="quarter" idx="12"/>
+          </p:nvPr>
+        </p:nvSpPr>
+        <p:spPr/>
+        <p:txBody>
+          <a:bodyPr/>
+          <a:lstStyle/>
+          <a:p>
+            <a:fld id="{CAB166B3-F268-4CEF-878A-CFB0D0D505D3}" type="slidenum">
+              <a:rPr lang="en-US" smtClean="0"/>
+              <a:t>24</a:t>
+            </a:fld>
+            <a:endParaRPr lang="en-US"/>
+          </a:p>
+        </p:txBody>
+      </p:sp>
+    </p:spTree>
+    <p:extLst>
+      <p:ext uri="{BB962C8B-B14F-4D97-AF65-F5344CB8AC3E}">
+        <p14:creationId xmlns:p14="http://schemas.microsoft.com/office/powerpoint/2010/main" val="1601877864"/>
+      </p:ext>
+    </p:extLst>
+  </p:cSld>
+  <p:clrMapOvr>
+    <a:masterClrMapping/>
+  </p:clrMapOvr>
+</p:sld>
+</file>
+
+<file path=ppt/slides/slide25.xml><?xml version="1.0" encoding="utf-8"?>
+<p:sld xmlns:a="http://schemas.openxmlformats.org/drawingml/2006/main" xmlns:r="http://schemas.openxmlformats.org/officeDocument/2006/relationships" xmlns:p="http://schemas.openxmlformats.org/presentationml/2006/main">
+  <p:cSld>
+    <p:spTree>
+      <p:nvGrpSpPr>
+        <p:cNvPr id="1" name=""/>
+        <p:cNvGrpSpPr/>
+        <p:nvPr/>
+      </p:nvGrpSpPr>
+      <p:grpSpPr>
+        <a:xfrm>
+          <a:off x="0" y="0"/>
+          <a:ext cx="0" cy="0"/>
+          <a:chOff x="0" y="0"/>
+          <a:chExt cx="0" cy="0"/>
+        </a:xfrm>
+      </p:grpSpPr>
+      <p:pic>
+        <p:nvPicPr>
+          <p:cNvPr id="9" name="Picture 8">
+            <a:extLst>
+              <a:ext uri="{FF2B5EF4-FFF2-40B4-BE49-F238E27FC236}">
+                <a16:creationId xmlns:a16="http://schemas.microsoft.com/office/drawing/2014/main" id="{5945DBFC-30C4-4695-B3B2-71E5C94C0BB6}"/>
+              </a:ext>
+            </a:extLst>
+          </p:cNvPr>
+          <p:cNvPicPr>
+            <a:picLocks noChangeAspect="1"/>
+          </p:cNvPicPr>
+          <p:nvPr/>
+        </p:nvPicPr>
+        <p:blipFill>
+          <a:blip r:embed="rId2"/>
+          <a:stretch>
+            <a:fillRect/>
+          </a:stretch>
+        </p:blipFill>
+        <p:spPr>
+          <a:xfrm>
+            <a:off x="4248150" y="1776412"/>
+            <a:ext cx="4895850" cy="4400550"/>
+          </a:xfrm>
+          <a:prstGeom prst="rect">
+            <a:avLst/>
+          </a:prstGeom>
+        </p:spPr>
+      </p:pic>
+      <p:sp>
+        <p:nvSpPr>
+          <p:cNvPr id="2" name="Title 1">
+            <a:extLst>
+              <a:ext uri="{FF2B5EF4-FFF2-40B4-BE49-F238E27FC236}">
+                <a16:creationId xmlns:a16="http://schemas.microsoft.com/office/drawing/2014/main" id="{C54A7AF9-7802-499C-BB16-CA478280B8A8}"/>
+              </a:ext>
+            </a:extLst>
+          </p:cNvPr>
+          <p:cNvSpPr>
+            <a:spLocks noGrp="1"/>
+          </p:cNvSpPr>
+          <p:nvPr>
+            <p:ph type="title"/>
+          </p:nvPr>
+        </p:nvSpPr>
+        <p:spPr/>
+        <p:txBody>
+          <a:bodyPr/>
+          <a:lstStyle/>
+          <a:p>
+            <a:r>
+              <a:rPr lang="en-SG" dirty="0"/>
+              <a:t>How Servos work</a:t>
+            </a:r>
+            <a:endParaRPr lang="en-US" dirty="0"/>
+          </a:p>
+        </p:txBody>
+      </p:sp>
+      <p:sp>
+        <p:nvSpPr>
+          <p:cNvPr id="3" name="Content Placeholder 2">
+            <a:extLst>
+              <a:ext uri="{FF2B5EF4-FFF2-40B4-BE49-F238E27FC236}">
+                <a16:creationId xmlns:a16="http://schemas.microsoft.com/office/drawing/2014/main" id="{1CBFABFE-F325-4193-B5E1-0CD1AFA99F8A}"/>
+              </a:ext>
+            </a:extLst>
+          </p:cNvPr>
+          <p:cNvSpPr>
+            <a:spLocks noGrp="1"/>
+          </p:cNvSpPr>
+          <p:nvPr>
+            <p:ph idx="1"/>
+          </p:nvPr>
+        </p:nvSpPr>
+        <p:spPr>
+          <a:xfrm>
+            <a:off x="245589" y="1785054"/>
+            <a:ext cx="4190485" cy="3823493"/>
+          </a:xfrm>
+        </p:spPr>
+        <p:txBody>
+          <a:bodyPr/>
+          <a:lstStyle/>
+          <a:p>
+            <a:r>
+              <a:rPr lang="en-SG" sz="2000" dirty="0"/>
+              <a:t>Controlled by pulse width</a:t>
+            </a:r>
+            <a:endParaRPr lang="en-US" sz="2000" dirty="0"/>
+          </a:p>
+          <a:p>
+            <a:pPr lvl="1"/>
+            <a:r>
+              <a:rPr lang="en-US" sz="1800" dirty="0"/>
+              <a:t>0 = 1ms (min)</a:t>
+            </a:r>
+          </a:p>
+          <a:p>
+            <a:pPr lvl="1"/>
+            <a:r>
+              <a:rPr lang="en-US" sz="1800" dirty="0"/>
+              <a:t>90 = 1.5ms (neutral)</a:t>
+            </a:r>
+          </a:p>
+          <a:p>
+            <a:pPr lvl="1"/>
+            <a:r>
+              <a:rPr lang="en-US" sz="1800" dirty="0"/>
+              <a:t>180 = 2ms (max)</a:t>
+            </a:r>
+          </a:p>
+          <a:p>
+            <a:r>
+              <a:rPr lang="en-US" sz="2200" dirty="0"/>
+              <a:t>Varys slightly with motor</a:t>
+            </a:r>
+          </a:p>
+          <a:p>
+            <a:r>
+              <a:rPr lang="en-US" sz="2200" dirty="0"/>
+              <a:t>Continuous motor</a:t>
+            </a:r>
+          </a:p>
+          <a:p>
+            <a:pPr lvl="1"/>
+            <a:r>
+              <a:rPr lang="en-US" sz="1800" dirty="0"/>
+              <a:t>0 = full speed direction 1</a:t>
+            </a:r>
+          </a:p>
+          <a:p>
+            <a:pPr lvl="1"/>
+            <a:r>
+              <a:rPr lang="en-US" sz="1800" dirty="0"/>
+              <a:t>90 = stop</a:t>
+            </a:r>
+          </a:p>
+          <a:p>
+            <a:pPr lvl="1"/>
+            <a:r>
+              <a:rPr lang="en-US" sz="1800" dirty="0"/>
+              <a:t>180 = full speed reverse direction 1</a:t>
+            </a:r>
+          </a:p>
+          <a:p>
+            <a:r>
+              <a:rPr lang="en-US" sz="2200" dirty="0"/>
+              <a:t>Must always use external power.</a:t>
+            </a:r>
+            <a:endParaRPr lang="en-SG" sz="2200" dirty="0"/>
+          </a:p>
+        </p:txBody>
+      </p:sp>
+      <p:sp>
+        <p:nvSpPr>
+          <p:cNvPr id="5" name="Slide Number Placeholder 4">
+            <a:extLst>
+              <a:ext uri="{FF2B5EF4-FFF2-40B4-BE49-F238E27FC236}">
+                <a16:creationId xmlns:a16="http://schemas.microsoft.com/office/drawing/2014/main" id="{D3B4B26B-93D6-4BBA-A005-688B0B273378}"/>
+              </a:ext>
+            </a:extLst>
+          </p:cNvPr>
+          <p:cNvSpPr>
+            <a:spLocks noGrp="1"/>
+          </p:cNvSpPr>
+          <p:nvPr>
+            <p:ph type="sldNum" sz="quarter" idx="12"/>
+          </p:nvPr>
+        </p:nvSpPr>
+        <p:spPr/>
+        <p:txBody>
+          <a:bodyPr/>
+          <a:lstStyle/>
+          <a:p>
+            <a:fld id="{CAB166B3-F268-4CEF-878A-CFB0D0D505D3}" type="slidenum">
+              <a:rPr lang="en-US" smtClean="0"/>
+              <a:t>25</a:t>
+            </a:fld>
+            <a:endParaRPr lang="en-US"/>
+          </a:p>
+        </p:txBody>
+      </p:sp>
+    </p:spTree>
+    <p:extLst>
+      <p:ext uri="{BB962C8B-B14F-4D97-AF65-F5344CB8AC3E}">
+        <p14:creationId xmlns:p14="http://schemas.microsoft.com/office/powerpoint/2010/main" val="3621281678"/>
+      </p:ext>
+    </p:extLst>
+  </p:cSld>
+  <p:clrMapOvr>
+    <a:masterClrMapping/>
+  </p:clrMapOvr>
+</p:sld>
+</file>
+
+<file path=ppt/slides/slide26.xml><?xml version="1.0" encoding="utf-8"?>
+<p:sld xmlns:a="http://schemas.openxmlformats.org/drawingml/2006/main" xmlns:r="http://schemas.openxmlformats.org/officeDocument/2006/relationships" xmlns:p="http://schemas.openxmlformats.org/presentationml/2006/main">
+  <p:cSld>
+    <p:spTree>
+      <p:nvGrpSpPr>
+        <p:cNvPr id="1" name=""/>
+        <p:cNvGrpSpPr/>
+        <p:nvPr/>
+      </p:nvGrpSpPr>
+      <p:grpSpPr>
+        <a:xfrm>
+          <a:off x="0" y="0"/>
+          <a:ext cx="0" cy="0"/>
+          <a:chOff x="0" y="0"/>
+          <a:chExt cx="0" cy="0"/>
+        </a:xfrm>
+      </p:grpSpPr>
+      <p:sp>
+        <p:nvSpPr>
+          <p:cNvPr id="2" name="Title 1">
+            <a:extLst>
+              <a:ext uri="{FF2B5EF4-FFF2-40B4-BE49-F238E27FC236}">
+                <a16:creationId xmlns:a16="http://schemas.microsoft.com/office/drawing/2014/main" id="{79FE1664-E187-4B79-80CC-F909E341C927}"/>
+              </a:ext>
+            </a:extLst>
+          </p:cNvPr>
+          <p:cNvSpPr>
+            <a:spLocks noGrp="1"/>
+          </p:cNvSpPr>
+          <p:nvPr>
+            <p:ph type="title"/>
+          </p:nvPr>
+        </p:nvSpPr>
+        <p:spPr/>
+        <p:txBody>
+          <a:bodyPr/>
+          <a:lstStyle/>
+          <a:p>
+            <a:r>
+              <a:rPr lang="en-SG" dirty="0"/>
+              <a:t>Positional Servo</a:t>
+            </a:r>
+            <a:endParaRPr lang="en-US" dirty="0"/>
+          </a:p>
+        </p:txBody>
+      </p:sp>
+      <p:pic>
+        <p:nvPicPr>
+          <p:cNvPr id="10" name="Content Placeholder 9">
+            <a:extLst>
+              <a:ext uri="{FF2B5EF4-FFF2-40B4-BE49-F238E27FC236}">
+                <a16:creationId xmlns:a16="http://schemas.microsoft.com/office/drawing/2014/main" id="{A131E6F9-E785-4BFE-AC16-B1AA1E7FB4EC}"/>
+              </a:ext>
+            </a:extLst>
+          </p:cNvPr>
+          <p:cNvPicPr>
+            <a:picLocks noGrp="1" noChangeAspect="1"/>
+          </p:cNvPicPr>
+          <p:nvPr>
+            <p:ph sz="half" idx="1"/>
+          </p:nvPr>
+        </p:nvPicPr>
+        <p:blipFill>
+          <a:blip r:embed="rId2"/>
+          <a:stretch>
+            <a:fillRect/>
+          </a:stretch>
+        </p:blipFill>
+        <p:spPr>
+          <a:xfrm>
+            <a:off x="683536" y="1406856"/>
+            <a:ext cx="3631609" cy="5258888"/>
+          </a:xfrm>
+        </p:spPr>
+      </p:pic>
+      <p:pic>
+        <p:nvPicPr>
+          <p:cNvPr id="7" name="Content Placeholder 6">
+            <a:hlinkClick r:id="rId3"/>
+            <a:extLst>
+              <a:ext uri="{FF2B5EF4-FFF2-40B4-BE49-F238E27FC236}">
+                <a16:creationId xmlns:a16="http://schemas.microsoft.com/office/drawing/2014/main" id="{530388BF-15E2-4A6C-8CCB-11EF1080BC07}"/>
+              </a:ext>
+            </a:extLst>
+          </p:cNvPr>
+          <p:cNvPicPr>
+            <a:picLocks noGrp="1" noChangeAspect="1"/>
+          </p:cNvPicPr>
+          <p:nvPr>
+            <p:ph sz="half" idx="2"/>
+          </p:nvPr>
+        </p:nvPicPr>
+        <p:blipFill>
+          <a:blip r:embed="rId4"/>
+          <a:stretch>
+            <a:fillRect/>
+          </a:stretch>
+        </p:blipFill>
+        <p:spPr>
+          <a:xfrm>
+            <a:off x="4828858" y="1460856"/>
+            <a:ext cx="3662356" cy="3767295"/>
+          </a:xfrm>
+        </p:spPr>
+      </p:pic>
+      <p:sp>
+        <p:nvSpPr>
+          <p:cNvPr id="5" name="Slide Number Placeholder 4">
+            <a:extLst>
+              <a:ext uri="{FF2B5EF4-FFF2-40B4-BE49-F238E27FC236}">
+                <a16:creationId xmlns:a16="http://schemas.microsoft.com/office/drawing/2014/main" id="{125BDEAB-DE18-4D85-A5B5-F546426E24E0}"/>
+              </a:ext>
+            </a:extLst>
+          </p:cNvPr>
+          <p:cNvSpPr>
+            <a:spLocks noGrp="1"/>
+          </p:cNvSpPr>
+          <p:nvPr>
+            <p:ph type="sldNum" sz="quarter" idx="12"/>
+          </p:nvPr>
+        </p:nvSpPr>
+        <p:spPr/>
+        <p:txBody>
+          <a:bodyPr/>
+          <a:lstStyle/>
+          <a:p>
+            <a:fld id="{CAB166B3-F268-4CEF-878A-CFB0D0D505D3}" type="slidenum">
+              <a:rPr lang="en-US" smtClean="0"/>
+              <a:t>26</a:t>
+            </a:fld>
+            <a:endParaRPr lang="en-US"/>
+          </a:p>
+        </p:txBody>
+      </p:sp>
+      <p:sp>
+        <p:nvSpPr>
+          <p:cNvPr id="8" name="TextBox 7">
+            <a:extLst>
+              <a:ext uri="{FF2B5EF4-FFF2-40B4-BE49-F238E27FC236}">
+                <a16:creationId xmlns:a16="http://schemas.microsoft.com/office/drawing/2014/main" id="{5251CC3F-41CF-49D1-98A9-7DF6F98662CB}"/>
+              </a:ext>
+            </a:extLst>
+          </p:cNvPr>
+          <p:cNvSpPr txBox="1"/>
+          <p:nvPr/>
+        </p:nvSpPr>
+        <p:spPr>
+          <a:xfrm>
+            <a:off x="5712435" y="5393792"/>
+            <a:ext cx="2630184" cy="923330"/>
+          </a:xfrm>
+          <a:prstGeom prst="rect">
+            <a:avLst/>
+          </a:prstGeom>
+          <a:noFill/>
+        </p:spPr>
+        <p:txBody>
+          <a:bodyPr wrap="square" rtlCol="0">
+            <a:spAutoFit/>
+          </a:bodyPr>
+          <a:lstStyle/>
+          <a:p>
+            <a:r>
+              <a:rPr lang="en-SG" dirty="0">
+                <a:hlinkClick r:id="rId3"/>
+              </a:rPr>
+              <a:t>Positional Servo</a:t>
+            </a:r>
+            <a:br>
+              <a:rPr lang="en-SG" dirty="0"/>
+            </a:br>
+            <a:r>
+              <a:rPr lang="en-SG" dirty="0"/>
+              <a:t>Use any digital I/O pin</a:t>
+            </a:r>
+          </a:p>
+          <a:p>
+            <a:r>
+              <a:rPr lang="en-SG" dirty="0"/>
+              <a:t>Assume max angle = 120</a:t>
+            </a:r>
+            <a:r>
+              <a:rPr lang="en-SG" baseline="30000" dirty="0"/>
+              <a:t>o</a:t>
+            </a:r>
+            <a:endParaRPr lang="en-US" baseline="30000" dirty="0"/>
+          </a:p>
+        </p:txBody>
+      </p:sp>
+    </p:spTree>
+    <p:extLst>
+      <p:ext uri="{BB962C8B-B14F-4D97-AF65-F5344CB8AC3E}">
+        <p14:creationId xmlns:p14="http://schemas.microsoft.com/office/powerpoint/2010/main" val="1909740734"/>
+      </p:ext>
+    </p:extLst>
+  </p:cSld>
+  <p:clrMapOvr>
+    <a:masterClrMapping/>
+  </p:clrMapOvr>
+</p:sld>
+</file>
+
+<file path=ppt/slides/slide27.xml><?xml version="1.0" encoding="utf-8"?>
+<p:sld xmlns:a="http://schemas.openxmlformats.org/drawingml/2006/main" xmlns:r="http://schemas.openxmlformats.org/officeDocument/2006/relationships" xmlns:p="http://schemas.openxmlformats.org/presentationml/2006/main">
+  <p:cSld>
+    <p:spTree>
+      <p:nvGrpSpPr>
+        <p:cNvPr id="1" name=""/>
+        <p:cNvGrpSpPr/>
+        <p:nvPr/>
+      </p:nvGrpSpPr>
+      <p:grpSpPr>
+        <a:xfrm>
+          <a:off x="0" y="0"/>
+          <a:ext cx="0" cy="0"/>
+          <a:chOff x="0" y="0"/>
+          <a:chExt cx="0" cy="0"/>
+        </a:xfrm>
+      </p:grpSpPr>
+      <p:sp>
+        <p:nvSpPr>
+          <p:cNvPr id="2" name="Title 1">
+            <a:extLst>
+              <a:ext uri="{FF2B5EF4-FFF2-40B4-BE49-F238E27FC236}">
+                <a16:creationId xmlns:a16="http://schemas.microsoft.com/office/drawing/2014/main" id="{774B674B-0B8F-4B56-BFA9-584B0BADD0DE}"/>
+              </a:ext>
+            </a:extLst>
+          </p:cNvPr>
+          <p:cNvSpPr>
+            <a:spLocks noGrp="1"/>
+          </p:cNvSpPr>
+          <p:nvPr>
+            <p:ph type="title"/>
+          </p:nvPr>
+        </p:nvSpPr>
+        <p:spPr/>
+        <p:txBody>
+          <a:bodyPr/>
+          <a:lstStyle/>
+          <a:p>
+            <a:r>
+              <a:rPr lang="en-SG" dirty="0"/>
+              <a:t>Continuous Servo - code</a:t>
+            </a:r>
+            <a:endParaRPr lang="en-US" dirty="0"/>
+          </a:p>
+        </p:txBody>
+      </p:sp>
+      <p:pic>
+        <p:nvPicPr>
+          <p:cNvPr id="9" name="Content Placeholder 8">
+            <a:hlinkClick r:id="rId2"/>
+            <a:extLst>
+              <a:ext uri="{FF2B5EF4-FFF2-40B4-BE49-F238E27FC236}">
+                <a16:creationId xmlns:a16="http://schemas.microsoft.com/office/drawing/2014/main" id="{FEF1ED6C-9CD5-4516-B738-0E2BA724FE58}"/>
+              </a:ext>
+            </a:extLst>
+          </p:cNvPr>
+          <p:cNvPicPr>
+            <a:picLocks noGrp="1" noChangeAspect="1"/>
+          </p:cNvPicPr>
+          <p:nvPr>
+            <p:ph sz="half" idx="1"/>
+          </p:nvPr>
+        </p:nvPicPr>
+        <p:blipFill>
+          <a:blip r:embed="rId3"/>
+          <a:stretch>
+            <a:fillRect/>
+          </a:stretch>
+        </p:blipFill>
+        <p:spPr>
+          <a:xfrm>
+            <a:off x="392346" y="1422043"/>
+            <a:ext cx="4284541" cy="3149958"/>
+          </a:xfrm>
+        </p:spPr>
+      </p:pic>
+      <p:sp>
+        <p:nvSpPr>
+          <p:cNvPr id="5" name="Slide Number Placeholder 4">
+            <a:extLst>
+              <a:ext uri="{FF2B5EF4-FFF2-40B4-BE49-F238E27FC236}">
+                <a16:creationId xmlns:a16="http://schemas.microsoft.com/office/drawing/2014/main" id="{E1CD25B7-6892-400B-9B57-7E9B8935028A}"/>
+              </a:ext>
+            </a:extLst>
+          </p:cNvPr>
+          <p:cNvSpPr>
+            <a:spLocks noGrp="1"/>
+          </p:cNvSpPr>
+          <p:nvPr>
+            <p:ph type="sldNum" sz="quarter" idx="12"/>
+          </p:nvPr>
+        </p:nvSpPr>
+        <p:spPr/>
+        <p:txBody>
+          <a:bodyPr/>
+          <a:lstStyle/>
+          <a:p>
+            <a:fld id="{CAB166B3-F268-4CEF-878A-CFB0D0D505D3}" type="slidenum">
+              <a:rPr lang="en-US" smtClean="0"/>
+              <a:t>27</a:t>
+            </a:fld>
+            <a:endParaRPr lang="en-US"/>
+          </a:p>
+        </p:txBody>
+      </p:sp>
+      <p:pic>
+        <p:nvPicPr>
+          <p:cNvPr id="13" name="Content Placeholder 12">
+            <a:extLst>
+              <a:ext uri="{FF2B5EF4-FFF2-40B4-BE49-F238E27FC236}">
+                <a16:creationId xmlns:a16="http://schemas.microsoft.com/office/drawing/2014/main" id="{40F8BFA8-68E1-4F00-B42B-5FC002B8CF33}"/>
+              </a:ext>
+            </a:extLst>
+          </p:cNvPr>
+          <p:cNvPicPr>
+            <a:picLocks noGrp="1" noChangeAspect="1"/>
+          </p:cNvPicPr>
+          <p:nvPr>
+            <p:ph sz="half" idx="2"/>
+          </p:nvPr>
+        </p:nvPicPr>
+        <p:blipFill>
+          <a:blip r:embed="rId4"/>
+          <a:stretch>
+            <a:fillRect/>
+          </a:stretch>
+        </p:blipFill>
+        <p:spPr>
+          <a:xfrm>
+            <a:off x="4885941" y="1353013"/>
+            <a:ext cx="3949834" cy="5096061"/>
+          </a:xfrm>
+        </p:spPr>
+      </p:pic>
+      <p:pic>
+        <p:nvPicPr>
+          <p:cNvPr id="15" name="Picture 14">
+            <a:extLst>
+              <a:ext uri="{FF2B5EF4-FFF2-40B4-BE49-F238E27FC236}">
+                <a16:creationId xmlns:a16="http://schemas.microsoft.com/office/drawing/2014/main" id="{02964161-4F08-4065-8F88-C010E838289F}"/>
+              </a:ext>
+            </a:extLst>
+          </p:cNvPr>
+          <p:cNvPicPr>
+            <a:picLocks noChangeAspect="1"/>
+          </p:cNvPicPr>
+          <p:nvPr/>
+        </p:nvPicPr>
+        <p:blipFill>
+          <a:blip r:embed="rId5"/>
+          <a:stretch>
+            <a:fillRect/>
+          </a:stretch>
+        </p:blipFill>
+        <p:spPr>
+          <a:xfrm>
+            <a:off x="2876414" y="4921249"/>
+            <a:ext cx="1905000" cy="1571625"/>
+          </a:xfrm>
+          <a:prstGeom prst="rect">
+            <a:avLst/>
+          </a:prstGeom>
+        </p:spPr>
+      </p:pic>
+      <p:sp>
+        <p:nvSpPr>
+          <p:cNvPr id="17" name="TextBox 16">
+            <a:extLst>
+              <a:ext uri="{FF2B5EF4-FFF2-40B4-BE49-F238E27FC236}">
+                <a16:creationId xmlns:a16="http://schemas.microsoft.com/office/drawing/2014/main" id="{919BEB3C-D66B-4B46-854D-72B55D0ECCE9}"/>
+              </a:ext>
+            </a:extLst>
+          </p:cNvPr>
+          <p:cNvSpPr txBox="1"/>
+          <p:nvPr/>
+        </p:nvSpPr>
+        <p:spPr>
+          <a:xfrm>
+            <a:off x="308225" y="4675008"/>
+            <a:ext cx="2311685" cy="584775"/>
+          </a:xfrm>
+          <a:prstGeom prst="rect">
+            <a:avLst/>
+          </a:prstGeom>
+          <a:noFill/>
+        </p:spPr>
+        <p:txBody>
+          <a:bodyPr wrap="square">
+            <a:spAutoFit/>
+          </a:bodyPr>
+          <a:lstStyle/>
+          <a:p>
+            <a:r>
+              <a:rPr lang="en-US" sz="1600" dirty="0">
+                <a:hlinkClick r:id="rId2"/>
+              </a:rPr>
+              <a:t>Uno Continuous Rotational Servo</a:t>
+            </a:r>
+            <a:endParaRPr lang="en-US" sz="1600" dirty="0"/>
+          </a:p>
+        </p:txBody>
+      </p:sp>
+    </p:spTree>
+    <p:extLst>
+      <p:ext uri="{BB962C8B-B14F-4D97-AF65-F5344CB8AC3E}">
+        <p14:creationId xmlns:p14="http://schemas.microsoft.com/office/powerpoint/2010/main" val="2570171191"/>
+      </p:ext>
+    </p:extLst>
+  </p:cSld>
+  <p:clrMapOvr>
+    <a:masterClrMapping/>
+  </p:clrMapOvr>
+</p:sld>
+</file>
+
+<file path=ppt/slides/slide28.xml><?xml version="1.0" encoding="utf-8"?>
+<p:sld xmlns:a="http://schemas.openxmlformats.org/drawingml/2006/main" xmlns:r="http://schemas.openxmlformats.org/officeDocument/2006/relationships" xmlns:p="http://schemas.openxmlformats.org/presentationml/2006/main">
+  <p:cSld>
+    <p:spTree>
+      <p:nvGrpSpPr>
+        <p:cNvPr id="1" name=""/>
+        <p:cNvGrpSpPr/>
+        <p:nvPr/>
+      </p:nvGrpSpPr>
+      <p:grpSpPr>
+        <a:xfrm>
+          <a:off x="0" y="0"/>
+          <a:ext cx="0" cy="0"/>
+          <a:chOff x="0" y="0"/>
+          <a:chExt cx="0" cy="0"/>
+        </a:xfrm>
+      </p:grpSpPr>
+      <p:sp>
+        <p:nvSpPr>
+          <p:cNvPr id="2" name="Title 1">
+            <a:extLst>
+              <a:ext uri="{FF2B5EF4-FFF2-40B4-BE49-F238E27FC236}">
+                <a16:creationId xmlns:a16="http://schemas.microsoft.com/office/drawing/2014/main" id="{2306BE5F-02D3-4822-A408-6B92F8F4D96C}"/>
+              </a:ext>
+            </a:extLst>
+          </p:cNvPr>
+          <p:cNvSpPr>
+            <a:spLocks noGrp="1"/>
+          </p:cNvSpPr>
+          <p:nvPr>
+            <p:ph type="title"/>
+          </p:nvPr>
+        </p:nvSpPr>
+        <p:spPr/>
+        <p:txBody>
+          <a:bodyPr/>
+          <a:lstStyle/>
+          <a:p>
+            <a:r>
+              <a:rPr lang="en-SG" dirty="0"/>
+              <a:t>Controlling high powered applications</a:t>
+            </a:r>
+            <a:endParaRPr lang="en-US" dirty="0"/>
+          </a:p>
+        </p:txBody>
+      </p:sp>
+      <p:sp>
+        <p:nvSpPr>
+          <p:cNvPr id="3" name="Content Placeholder 2">
+            <a:extLst>
+              <a:ext uri="{FF2B5EF4-FFF2-40B4-BE49-F238E27FC236}">
+                <a16:creationId xmlns:a16="http://schemas.microsoft.com/office/drawing/2014/main" id="{572AA91D-D6E0-4FD3-87E0-6FA05DE3A0BC}"/>
+              </a:ext>
+            </a:extLst>
+          </p:cNvPr>
+          <p:cNvSpPr>
+            <a:spLocks noGrp="1"/>
+          </p:cNvSpPr>
+          <p:nvPr>
+            <p:ph sz="half" idx="1"/>
+          </p:nvPr>
+        </p:nvSpPr>
+        <p:spPr>
+          <a:xfrm>
+            <a:off x="628650" y="1825625"/>
+            <a:ext cx="5109468" cy="4351338"/>
+          </a:xfrm>
+        </p:spPr>
+        <p:txBody>
+          <a:bodyPr/>
+          <a:lstStyle/>
+          <a:p>
+            <a:r>
+              <a:rPr lang="en-SG" sz="2400" dirty="0"/>
+              <a:t>Use transistors or </a:t>
+            </a:r>
+            <a:r>
+              <a:rPr lang="en-SG" sz="2400" dirty="0" err="1"/>
+              <a:t>Mosfets</a:t>
+            </a:r>
+            <a:br>
+              <a:rPr lang="en-SG" sz="2400" dirty="0"/>
+            </a:br>
+            <a:r>
+              <a:rPr lang="en-SG" sz="2400" dirty="0"/>
+              <a:t>(Ref: </a:t>
+            </a:r>
+            <a:r>
+              <a:rPr lang="en-SG" sz="2400" dirty="0" err="1">
+                <a:hlinkClick r:id="rId2"/>
+              </a:rPr>
+              <a:t>Dronebot</a:t>
+            </a:r>
+            <a:r>
+              <a:rPr lang="en-SG" sz="2400" dirty="0">
+                <a:hlinkClick r:id="rId2"/>
+              </a:rPr>
+              <a:t> workshop – Transistors &amp; MOSFETS</a:t>
+            </a:r>
+            <a:r>
+              <a:rPr lang="en-SG" sz="2400" dirty="0"/>
+              <a:t>)</a:t>
+            </a:r>
+          </a:p>
+          <a:p>
+            <a:r>
+              <a:rPr lang="en-SG" sz="2400" dirty="0"/>
+              <a:t>Use relays/relay modules (Ref: </a:t>
+            </a:r>
+            <a:r>
+              <a:rPr lang="en-SG" sz="2400" dirty="0" err="1">
+                <a:hlinkClick r:id="rId3"/>
+              </a:rPr>
+              <a:t>Dronebot</a:t>
+            </a:r>
+            <a:r>
+              <a:rPr lang="en-SG" sz="2400" dirty="0">
+                <a:hlinkClick r:id="rId3"/>
+              </a:rPr>
+              <a:t> workshop – Relays</a:t>
+            </a:r>
+            <a:r>
+              <a:rPr lang="en-SG" sz="2400" dirty="0"/>
+              <a:t>)</a:t>
+            </a:r>
+          </a:p>
+          <a:p>
+            <a:r>
+              <a:rPr lang="en-SG" sz="2400" dirty="0"/>
+              <a:t>Control = Turn ON/OFF high power devices.</a:t>
+            </a:r>
+          </a:p>
+          <a:p>
+            <a:r>
+              <a:rPr lang="en-SG" sz="2400" dirty="0"/>
+              <a:t>Be </a:t>
+            </a:r>
+            <a:r>
+              <a:rPr lang="en-SG" sz="2400" b="1" dirty="0">
+                <a:solidFill>
+                  <a:srgbClr val="FF0000"/>
+                </a:solidFill>
+              </a:rPr>
+              <a:t>very careful </a:t>
+            </a:r>
+            <a:r>
+              <a:rPr lang="en-SG" sz="2400" dirty="0"/>
+              <a:t>when working with higher voltages!</a:t>
+            </a:r>
+            <a:endParaRPr lang="en-US" sz="2400" dirty="0"/>
+          </a:p>
+        </p:txBody>
+      </p:sp>
+      <p:sp>
+        <p:nvSpPr>
+          <p:cNvPr id="5" name="Slide Number Placeholder 4">
+            <a:extLst>
+              <a:ext uri="{FF2B5EF4-FFF2-40B4-BE49-F238E27FC236}">
+                <a16:creationId xmlns:a16="http://schemas.microsoft.com/office/drawing/2014/main" id="{051FDCD8-9597-4CF3-9580-F4C4A1F18A4E}"/>
+              </a:ext>
+            </a:extLst>
+          </p:cNvPr>
+          <p:cNvSpPr>
+            <a:spLocks noGrp="1"/>
+          </p:cNvSpPr>
+          <p:nvPr>
+            <p:ph type="sldNum" sz="quarter" idx="12"/>
+          </p:nvPr>
+        </p:nvSpPr>
+        <p:spPr/>
+        <p:txBody>
+          <a:bodyPr/>
+          <a:lstStyle/>
+          <a:p>
+            <a:fld id="{CAB166B3-F268-4CEF-878A-CFB0D0D505D3}" type="slidenum">
+              <a:rPr lang="en-US" smtClean="0"/>
+              <a:t>28</a:t>
+            </a:fld>
+            <a:endParaRPr lang="en-US"/>
+          </a:p>
+        </p:txBody>
+      </p:sp>
+      <p:pic>
+        <p:nvPicPr>
+          <p:cNvPr id="7" name="Picture 6">
+            <a:extLst>
+              <a:ext uri="{FF2B5EF4-FFF2-40B4-BE49-F238E27FC236}">
+                <a16:creationId xmlns:a16="http://schemas.microsoft.com/office/drawing/2014/main" id="{6B9E3FB1-0011-48B1-9EAC-77D56E761DED}"/>
+              </a:ext>
+            </a:extLst>
+          </p:cNvPr>
+          <p:cNvPicPr>
+            <a:picLocks noChangeAspect="1"/>
+          </p:cNvPicPr>
+          <p:nvPr/>
+        </p:nvPicPr>
+        <p:blipFill>
+          <a:blip r:embed="rId4"/>
+          <a:stretch>
+            <a:fillRect/>
+          </a:stretch>
+        </p:blipFill>
+        <p:spPr>
+          <a:xfrm>
+            <a:off x="5619321" y="3611937"/>
+            <a:ext cx="2528085" cy="2224715"/>
+          </a:xfrm>
+          <a:prstGeom prst="rect">
+            <a:avLst/>
+          </a:prstGeom>
+        </p:spPr>
+      </p:pic>
+      <p:pic>
+        <p:nvPicPr>
+          <p:cNvPr id="9" name="Picture 8">
+            <a:extLst>
+              <a:ext uri="{FF2B5EF4-FFF2-40B4-BE49-F238E27FC236}">
+                <a16:creationId xmlns:a16="http://schemas.microsoft.com/office/drawing/2014/main" id="{48194C7D-5E40-452A-BE07-87684D17C8F2}"/>
+              </a:ext>
+            </a:extLst>
+          </p:cNvPr>
+          <p:cNvPicPr>
+            <a:picLocks noChangeAspect="1"/>
+          </p:cNvPicPr>
+          <p:nvPr/>
+        </p:nvPicPr>
+        <p:blipFill>
+          <a:blip r:embed="rId5"/>
+          <a:stretch>
+            <a:fillRect/>
+          </a:stretch>
+        </p:blipFill>
+        <p:spPr>
+          <a:xfrm>
+            <a:off x="5738118" y="1690689"/>
+            <a:ext cx="1781175" cy="1952625"/>
+          </a:xfrm>
+          <a:prstGeom prst="rect">
+            <a:avLst/>
+          </a:prstGeom>
+        </p:spPr>
+      </p:pic>
+    </p:spTree>
+    <p:extLst>
+      <p:ext uri="{BB962C8B-B14F-4D97-AF65-F5344CB8AC3E}">
+        <p14:creationId xmlns:p14="http://schemas.microsoft.com/office/powerpoint/2010/main" val="2423041092"/>
+      </p:ext>
+    </p:extLst>
+  </p:cSld>
+  <p:clrMapOvr>
+    <a:masterClrMapping/>
+  </p:clrMapOvr>
+</p:sld>
+</file>
+
+<file path=ppt/slides/slide29.xml><?xml version="1.0" encoding="utf-8"?>
+<p:sld xmlns:a="http://schemas.openxmlformats.org/drawingml/2006/main" xmlns:r="http://schemas.openxmlformats.org/officeDocument/2006/relationships" xmlns:p="http://schemas.openxmlformats.org/presentationml/2006/main">
+  <p:cSld>
+    <p:spTree>
+      <p:nvGrpSpPr>
+        <p:cNvPr id="1" name=""/>
+        <p:cNvGrpSpPr/>
+        <p:nvPr/>
+      </p:nvGrpSpPr>
+      <p:grpSpPr>
+        <a:xfrm>
+          <a:off x="0" y="0"/>
+          <a:ext cx="0" cy="0"/>
+          <a:chOff x="0" y="0"/>
+          <a:chExt cx="0" cy="0"/>
+        </a:xfrm>
+      </p:grpSpPr>
+      <p:sp>
+        <p:nvSpPr>
+          <p:cNvPr id="2" name="Title 1">
+            <a:extLst>
+              <a:ext uri="{FF2B5EF4-FFF2-40B4-BE49-F238E27FC236}">
+                <a16:creationId xmlns:a16="http://schemas.microsoft.com/office/drawing/2014/main" id="{63C38D69-82D9-4ACC-8873-71BD7925C81E}"/>
+              </a:ext>
+            </a:extLst>
+          </p:cNvPr>
+          <p:cNvSpPr>
+            <a:spLocks noGrp="1"/>
+          </p:cNvSpPr>
+          <p:nvPr>
+            <p:ph type="title"/>
+          </p:nvPr>
+        </p:nvSpPr>
+        <p:spPr/>
+        <p:txBody>
+          <a:bodyPr/>
+          <a:lstStyle/>
+          <a:p>
+            <a:r>
+              <a:rPr lang="en-SG" dirty="0"/>
+              <a:t>Typical Relay Module</a:t>
+            </a:r>
+            <a:endParaRPr lang="en-US" dirty="0"/>
+          </a:p>
+        </p:txBody>
+      </p:sp>
+      <p:sp>
+        <p:nvSpPr>
+          <p:cNvPr id="3" name="Content Placeholder 2">
+            <a:extLst>
+              <a:ext uri="{FF2B5EF4-FFF2-40B4-BE49-F238E27FC236}">
+                <a16:creationId xmlns:a16="http://schemas.microsoft.com/office/drawing/2014/main" id="{887D2142-8C01-4C5D-B552-5C2DF0DA629F}"/>
+              </a:ext>
+            </a:extLst>
+          </p:cNvPr>
+          <p:cNvSpPr>
+            <a:spLocks noGrp="1"/>
+          </p:cNvSpPr>
+          <p:nvPr>
+            <p:ph sz="half" idx="1"/>
+          </p:nvPr>
+        </p:nvSpPr>
+        <p:spPr>
+          <a:xfrm>
+            <a:off x="628650" y="1692062"/>
+            <a:ext cx="3886200" cy="4800811"/>
+          </a:xfrm>
+        </p:spPr>
+        <p:txBody>
+          <a:bodyPr/>
+          <a:lstStyle/>
+          <a:p>
+            <a:r>
+              <a:rPr lang="en-SG" sz="2400" dirty="0"/>
+              <a:t>Inputs 5V DC</a:t>
+            </a:r>
+          </a:p>
+          <a:p>
+            <a:r>
+              <a:rPr lang="en-SG" sz="2400" dirty="0"/>
+              <a:t>Outputs 10A 250VAC</a:t>
+            </a:r>
+          </a:p>
+          <a:p>
+            <a:r>
+              <a:rPr lang="en-SG" sz="2400" dirty="0"/>
+              <a:t>Relay module must be powered up on the input side.</a:t>
+            </a:r>
+          </a:p>
+          <a:p>
+            <a:r>
+              <a:rPr lang="en-SG" sz="2400" dirty="0"/>
+              <a:t>One digital I/O pin (IN) for control in switching</a:t>
+            </a:r>
+          </a:p>
+          <a:p>
+            <a:r>
+              <a:rPr lang="en-SG" sz="2400" dirty="0"/>
+              <a:t>Split the “Live” end on high voltage side for switch</a:t>
+            </a:r>
+          </a:p>
+          <a:p>
+            <a:r>
+              <a:rPr lang="en-SG" sz="2400" dirty="0"/>
+              <a:t>Ref:</a:t>
+            </a:r>
+          </a:p>
+          <a:p>
+            <a:pPr lvl="1"/>
+            <a:r>
+              <a:rPr lang="en-SG" sz="2000" dirty="0" err="1">
+                <a:hlinkClick r:id="rId2"/>
+              </a:rPr>
+              <a:t>LastminuteEngineers</a:t>
+            </a:r>
+            <a:endParaRPr lang="en-SG" sz="2000" dirty="0"/>
+          </a:p>
+          <a:p>
+            <a:pPr lvl="1"/>
+            <a:r>
+              <a:rPr lang="en-SG" sz="2000" dirty="0" err="1">
+                <a:hlinkClick r:id="rId3"/>
+              </a:rPr>
+              <a:t>Dronebotworkshop</a:t>
+            </a:r>
+            <a:endParaRPr lang="en-US" sz="2000" dirty="0"/>
+          </a:p>
+        </p:txBody>
+      </p:sp>
+      <p:sp>
+        <p:nvSpPr>
+          <p:cNvPr id="5" name="Slide Number Placeholder 4">
+            <a:extLst>
+              <a:ext uri="{FF2B5EF4-FFF2-40B4-BE49-F238E27FC236}">
+                <a16:creationId xmlns:a16="http://schemas.microsoft.com/office/drawing/2014/main" id="{43018B81-A76B-4F7A-9A96-869FD356C6D0}"/>
+              </a:ext>
+            </a:extLst>
+          </p:cNvPr>
+          <p:cNvSpPr>
+            <a:spLocks noGrp="1"/>
+          </p:cNvSpPr>
+          <p:nvPr>
+            <p:ph type="sldNum" sz="quarter" idx="12"/>
+          </p:nvPr>
+        </p:nvSpPr>
+        <p:spPr/>
+        <p:txBody>
+          <a:bodyPr/>
+          <a:lstStyle/>
+          <a:p>
+            <a:fld id="{CAB166B3-F268-4CEF-878A-CFB0D0D505D3}" type="slidenum">
+              <a:rPr lang="en-US" smtClean="0"/>
+              <a:t>29</a:t>
+            </a:fld>
+            <a:endParaRPr lang="en-US"/>
+          </a:p>
+        </p:txBody>
+      </p:sp>
+      <p:pic>
+        <p:nvPicPr>
+          <p:cNvPr id="7" name="Picture 6">
+            <a:extLst>
+              <a:ext uri="{FF2B5EF4-FFF2-40B4-BE49-F238E27FC236}">
+                <a16:creationId xmlns:a16="http://schemas.microsoft.com/office/drawing/2014/main" id="{10609F7C-E8A4-4E6B-999C-955B3BA02363}"/>
+              </a:ext>
+            </a:extLst>
+          </p:cNvPr>
+          <p:cNvPicPr>
+            <a:picLocks noChangeAspect="1"/>
+          </p:cNvPicPr>
+          <p:nvPr/>
+        </p:nvPicPr>
+        <p:blipFill>
+          <a:blip r:embed="rId4"/>
+          <a:stretch>
+            <a:fillRect/>
+          </a:stretch>
+        </p:blipFill>
+        <p:spPr>
+          <a:xfrm>
+            <a:off x="4301992" y="1663932"/>
+            <a:ext cx="4483590" cy="1723972"/>
+          </a:xfrm>
+          <a:prstGeom prst="rect">
+            <a:avLst/>
+          </a:prstGeom>
+        </p:spPr>
+      </p:pic>
+      <p:graphicFrame>
+        <p:nvGraphicFramePr>
+          <p:cNvPr id="8" name="Table 8">
+            <a:extLst>
+              <a:ext uri="{FF2B5EF4-FFF2-40B4-BE49-F238E27FC236}">
+                <a16:creationId xmlns:a16="http://schemas.microsoft.com/office/drawing/2014/main" id="{8F08A2F3-D343-459F-9BCB-963F000FCD51}"/>
+              </a:ext>
+            </a:extLst>
+          </p:cNvPr>
+          <p:cNvGraphicFramePr>
+            <a:graphicFrameLocks noGrp="1"/>
+          </p:cNvGraphicFramePr>
+          <p:nvPr/>
+        </p:nvGraphicFramePr>
+        <p:xfrm>
+          <a:off x="4959636" y="3716461"/>
+          <a:ext cx="2996628" cy="1155666"/>
+        </p:xfrm>
+        <a:graphic>
+          <a:graphicData uri="http://schemas.openxmlformats.org/drawingml/2006/table">
+            <a:tbl>
+              <a:tblPr firstRow="1" bandRow="1">
+                <a:tableStyleId>{93296810-A885-4BE3-A3E7-6D5BEEA58F35}</a:tableStyleId>
+              </a:tblPr>
+              <a:tblGrid>
+                <a:gridCol w="686867">
+                  <a:extLst>
+                    <a:ext uri="{9D8B030D-6E8A-4147-A177-3AD203B41FA5}">
+                      <a16:colId xmlns:a16="http://schemas.microsoft.com/office/drawing/2014/main" val="2033118300"/>
+                    </a:ext>
+                  </a:extLst>
+                </a:gridCol>
+                <a:gridCol w="2309761">
+                  <a:extLst>
+                    <a:ext uri="{9D8B030D-6E8A-4147-A177-3AD203B41FA5}">
+                      <a16:colId xmlns:a16="http://schemas.microsoft.com/office/drawing/2014/main" val="3803033731"/>
+                    </a:ext>
+                  </a:extLst>
+                </a:gridCol>
+              </a:tblGrid>
+              <a:tr h="385222">
+                <a:tc>
+                  <a:txBody>
+                    <a:bodyPr/>
+                    <a:lstStyle/>
+                    <a:p>
+                      <a:r>
+                        <a:rPr lang="en-SG" dirty="0"/>
+                        <a:t>IN</a:t>
+                      </a:r>
+                      <a:endParaRPr lang="en-US" dirty="0"/>
+                    </a:p>
+                  </a:txBody>
+                  <a:tcPr/>
+                </a:tc>
+                <a:tc>
+                  <a:txBody>
+                    <a:bodyPr/>
+                    <a:lstStyle/>
+                    <a:p>
+                      <a:r>
+                        <a:rPr lang="en-SG" dirty="0"/>
+                        <a:t>Outputs NO-COM</a:t>
+                      </a:r>
+                      <a:endParaRPr lang="en-US" dirty="0"/>
+                    </a:p>
+                  </a:txBody>
+                  <a:tcPr/>
+                </a:tc>
+                <a:extLst>
+                  <a:ext uri="{0D108BD9-81ED-4DB2-BD59-A6C34878D82A}">
+                    <a16:rowId xmlns:a16="http://schemas.microsoft.com/office/drawing/2014/main" val="473659006"/>
+                  </a:ext>
+                </a:extLst>
+              </a:tr>
+              <a:tr h="385222">
+                <a:tc>
+                  <a:txBody>
+                    <a:bodyPr/>
+                    <a:lstStyle/>
+                    <a:p>
+                      <a:r>
+                        <a:rPr lang="en-SG" dirty="0"/>
+                        <a:t>0 V</a:t>
+                      </a:r>
+                      <a:endParaRPr lang="en-US" dirty="0"/>
+                    </a:p>
+                  </a:txBody>
+                  <a:tcPr/>
+                </a:tc>
+                <a:tc>
+                  <a:txBody>
+                    <a:bodyPr/>
+                    <a:lstStyle/>
+                    <a:p>
+                      <a:r>
+                        <a:rPr lang="en-SG" dirty="0"/>
+                        <a:t>No connection</a:t>
+                      </a:r>
+                      <a:endParaRPr lang="en-US" dirty="0"/>
+                    </a:p>
+                  </a:txBody>
+                  <a:tcPr/>
+                </a:tc>
+                <a:extLst>
+                  <a:ext uri="{0D108BD9-81ED-4DB2-BD59-A6C34878D82A}">
+                    <a16:rowId xmlns:a16="http://schemas.microsoft.com/office/drawing/2014/main" val="4292425590"/>
+                  </a:ext>
+                </a:extLst>
+              </a:tr>
+              <a:tr h="385222">
+                <a:tc>
+                  <a:txBody>
+                    <a:bodyPr/>
+                    <a:lstStyle/>
+                    <a:p>
+                      <a:r>
+                        <a:rPr lang="en-SG" dirty="0"/>
+                        <a:t>5 V</a:t>
+                      </a:r>
+                      <a:endParaRPr lang="en-US" dirty="0"/>
+                    </a:p>
+                  </a:txBody>
+                  <a:tcPr/>
+                </a:tc>
+                <a:tc>
+                  <a:txBody>
+                    <a:bodyPr/>
+                    <a:lstStyle/>
+                    <a:p>
+                      <a:r>
+                        <a:rPr lang="en-SG" dirty="0"/>
+                        <a:t>Conducts</a:t>
+                      </a:r>
+                      <a:endParaRPr lang="en-US" dirty="0"/>
+                    </a:p>
+                  </a:txBody>
+                  <a:tcPr/>
+                </a:tc>
+                <a:extLst>
+                  <a:ext uri="{0D108BD9-81ED-4DB2-BD59-A6C34878D82A}">
+                    <a16:rowId xmlns:a16="http://schemas.microsoft.com/office/drawing/2014/main" val="2060109085"/>
+                  </a:ext>
+                </a:extLst>
+              </a:tr>
+            </a:tbl>
+          </a:graphicData>
+        </a:graphic>
+      </p:graphicFrame>
+      <p:sp>
+        <p:nvSpPr>
+          <p:cNvPr id="9" name="TextBox 8">
+            <a:extLst>
+              <a:ext uri="{FF2B5EF4-FFF2-40B4-BE49-F238E27FC236}">
+                <a16:creationId xmlns:a16="http://schemas.microsoft.com/office/drawing/2014/main" id="{BE6E4704-4A91-4EB6-96EA-E0159275B320}"/>
+              </a:ext>
+            </a:extLst>
+          </p:cNvPr>
+          <p:cNvSpPr txBox="1"/>
+          <p:nvPr/>
+        </p:nvSpPr>
+        <p:spPr>
+          <a:xfrm>
+            <a:off x="5044611" y="5044611"/>
+            <a:ext cx="2911653" cy="923330"/>
+          </a:xfrm>
+          <a:prstGeom prst="rect">
+            <a:avLst/>
+          </a:prstGeom>
+          <a:noFill/>
+        </p:spPr>
+        <p:txBody>
+          <a:bodyPr wrap="square" rtlCol="0">
+            <a:spAutoFit/>
+          </a:bodyPr>
+          <a:lstStyle/>
+          <a:p>
+            <a:r>
+              <a:rPr lang="en-SG" dirty="0"/>
+              <a:t>NC (Normally Closed) works opposite to NO (Normally Open)</a:t>
+            </a:r>
+            <a:endParaRPr lang="en-US" dirty="0"/>
+          </a:p>
+        </p:txBody>
+      </p:sp>
+    </p:spTree>
+    <p:extLst>
+      <p:ext uri="{BB962C8B-B14F-4D97-AF65-F5344CB8AC3E}">
+        <p14:creationId xmlns:p14="http://schemas.microsoft.com/office/powerpoint/2010/main" val="290386043"/>
+      </p:ext>
+    </p:extLst>
+  </p:cSld>
+  <p:clrMapOvr>
+    <a:masterClrMapping/>
+  </p:clrMapOvr>
+</p:sld>
+</file>
+
 <file path=ppt/slides/slide3.xml><?xml version="1.0" encoding="utf-8"?>
 <p:sld xmlns:a="http://schemas.openxmlformats.org/drawingml/2006/main" xmlns:r="http://schemas.openxmlformats.org/officeDocument/2006/relationships" xmlns:p="http://schemas.openxmlformats.org/presentationml/2006/main">
   <p:cSld>
@@ -6181,6 +9717,317 @@
     <p:extLst>
       <p:ext uri="{BB962C8B-B14F-4D97-AF65-F5344CB8AC3E}">
         <p14:creationId xmlns:p14="http://schemas.microsoft.com/office/powerpoint/2010/main" val="1720573616"/>
+      </p:ext>
+    </p:extLst>
+  </p:cSld>
+  <p:clrMapOvr>
+    <a:masterClrMapping/>
+  </p:clrMapOvr>
+</p:sld>
+</file>
+
+<file path=ppt/slides/slide30.xml><?xml version="1.0" encoding="utf-8"?>
+<p:sld xmlns:a="http://schemas.openxmlformats.org/drawingml/2006/main" xmlns:r="http://schemas.openxmlformats.org/officeDocument/2006/relationships" xmlns:p="http://schemas.openxmlformats.org/presentationml/2006/main">
+  <p:cSld>
+    <p:spTree>
+      <p:nvGrpSpPr>
+        <p:cNvPr id="1" name=""/>
+        <p:cNvGrpSpPr/>
+        <p:nvPr/>
+      </p:nvGrpSpPr>
+      <p:grpSpPr>
+        <a:xfrm>
+          <a:off x="0" y="0"/>
+          <a:ext cx="0" cy="0"/>
+          <a:chOff x="0" y="0"/>
+          <a:chExt cx="0" cy="0"/>
+        </a:xfrm>
+      </p:grpSpPr>
+      <p:sp>
+        <p:nvSpPr>
+          <p:cNvPr id="2" name="Title 1">
+            <a:extLst>
+              <a:ext uri="{FF2B5EF4-FFF2-40B4-BE49-F238E27FC236}">
+                <a16:creationId xmlns:a16="http://schemas.microsoft.com/office/drawing/2014/main" id="{DCC99151-5E65-457A-B518-D2700F57B8C1}"/>
+              </a:ext>
+            </a:extLst>
+          </p:cNvPr>
+          <p:cNvSpPr>
+            <a:spLocks noGrp="1"/>
+          </p:cNvSpPr>
+          <p:nvPr>
+            <p:ph type="title"/>
+          </p:nvPr>
+        </p:nvSpPr>
+        <p:spPr/>
+        <p:txBody>
+          <a:bodyPr/>
+          <a:lstStyle/>
+          <a:p>
+            <a:r>
+              <a:rPr lang="en-SG" dirty="0"/>
+              <a:t>Relay connection</a:t>
+            </a:r>
+            <a:endParaRPr lang="en-US" dirty="0"/>
+          </a:p>
+        </p:txBody>
+      </p:sp>
+      <p:pic>
+        <p:nvPicPr>
+          <p:cNvPr id="11" name="Content Placeholder 10">
+            <a:extLst>
+              <a:ext uri="{FF2B5EF4-FFF2-40B4-BE49-F238E27FC236}">
+                <a16:creationId xmlns:a16="http://schemas.microsoft.com/office/drawing/2014/main" id="{2D5FF72C-A96C-4480-A530-3B76D0540182}"/>
+              </a:ext>
+            </a:extLst>
+          </p:cNvPr>
+          <p:cNvPicPr>
+            <a:picLocks noGrp="1" noChangeAspect="1"/>
+          </p:cNvPicPr>
+          <p:nvPr>
+            <p:ph sz="half" idx="1"/>
+          </p:nvPr>
+        </p:nvPicPr>
+        <p:blipFill>
+          <a:blip r:embed="rId2"/>
+          <a:stretch>
+            <a:fillRect/>
+          </a:stretch>
+        </p:blipFill>
+        <p:spPr>
+          <a:xfrm>
+            <a:off x="4600892" y="562207"/>
+            <a:ext cx="3361575" cy="6214067"/>
+          </a:xfrm>
+        </p:spPr>
+      </p:pic>
+      <p:pic>
+        <p:nvPicPr>
+          <p:cNvPr id="7" name="Content Placeholder 6">
+            <a:hlinkClick r:id="rId3"/>
+            <a:extLst>
+              <a:ext uri="{FF2B5EF4-FFF2-40B4-BE49-F238E27FC236}">
+                <a16:creationId xmlns:a16="http://schemas.microsoft.com/office/drawing/2014/main" id="{8C84D50B-E082-4D19-9C9A-AA3AC4E44239}"/>
+              </a:ext>
+            </a:extLst>
+          </p:cNvPr>
+          <p:cNvPicPr>
+            <a:picLocks noGrp="1" noChangeAspect="1"/>
+          </p:cNvPicPr>
+          <p:nvPr>
+            <p:ph sz="half" idx="2"/>
+          </p:nvPr>
+        </p:nvPicPr>
+        <p:blipFill>
+          <a:blip r:embed="rId4"/>
+          <a:stretch>
+            <a:fillRect/>
+          </a:stretch>
+        </p:blipFill>
+        <p:spPr>
+          <a:xfrm>
+            <a:off x="488665" y="1471376"/>
+            <a:ext cx="3886200" cy="2614588"/>
+          </a:xfrm>
+        </p:spPr>
+      </p:pic>
+      <p:sp>
+        <p:nvSpPr>
+          <p:cNvPr id="5" name="Slide Number Placeholder 4">
+            <a:extLst>
+              <a:ext uri="{FF2B5EF4-FFF2-40B4-BE49-F238E27FC236}">
+                <a16:creationId xmlns:a16="http://schemas.microsoft.com/office/drawing/2014/main" id="{30C74DBD-BB95-47F9-BDCB-E0F1C8303C1C}"/>
+              </a:ext>
+            </a:extLst>
+          </p:cNvPr>
+          <p:cNvSpPr>
+            <a:spLocks noGrp="1"/>
+          </p:cNvSpPr>
+          <p:nvPr>
+            <p:ph type="sldNum" sz="quarter" idx="12"/>
+          </p:nvPr>
+        </p:nvSpPr>
+        <p:spPr/>
+        <p:txBody>
+          <a:bodyPr/>
+          <a:lstStyle/>
+          <a:p>
+            <a:fld id="{CAB166B3-F268-4CEF-878A-CFB0D0D505D3}" type="slidenum">
+              <a:rPr lang="en-US" smtClean="0"/>
+              <a:t>30</a:t>
+            </a:fld>
+            <a:endParaRPr lang="en-US"/>
+          </a:p>
+        </p:txBody>
+      </p:sp>
+      <p:pic>
+        <p:nvPicPr>
+          <p:cNvPr id="9" name="Picture 8">
+            <a:extLst>
+              <a:ext uri="{FF2B5EF4-FFF2-40B4-BE49-F238E27FC236}">
+                <a16:creationId xmlns:a16="http://schemas.microsoft.com/office/drawing/2014/main" id="{9764C550-038E-4F87-B73A-436AEBB6CEE4}"/>
+              </a:ext>
+            </a:extLst>
+          </p:cNvPr>
+          <p:cNvPicPr>
+            <a:picLocks noChangeAspect="1"/>
+          </p:cNvPicPr>
+          <p:nvPr/>
+        </p:nvPicPr>
+        <p:blipFill>
+          <a:blip r:embed="rId5"/>
+          <a:stretch>
+            <a:fillRect/>
+          </a:stretch>
+        </p:blipFill>
+        <p:spPr>
+          <a:xfrm>
+            <a:off x="488665" y="4215973"/>
+            <a:ext cx="2542212" cy="1702728"/>
+          </a:xfrm>
+          <a:prstGeom prst="rect">
+            <a:avLst/>
+          </a:prstGeom>
+        </p:spPr>
+      </p:pic>
+      <p:sp>
+        <p:nvSpPr>
+          <p:cNvPr id="12" name="TextBox 11">
+            <a:extLst>
+              <a:ext uri="{FF2B5EF4-FFF2-40B4-BE49-F238E27FC236}">
+                <a16:creationId xmlns:a16="http://schemas.microsoft.com/office/drawing/2014/main" id="{10BF411E-3823-4C29-B123-F73BB674EED1}"/>
+              </a:ext>
+            </a:extLst>
+          </p:cNvPr>
+          <p:cNvSpPr txBox="1"/>
+          <p:nvPr/>
+        </p:nvSpPr>
+        <p:spPr>
+          <a:xfrm>
+            <a:off x="488665" y="5918701"/>
+            <a:ext cx="2761822" cy="584775"/>
+          </a:xfrm>
+          <a:prstGeom prst="rect">
+            <a:avLst/>
+          </a:prstGeom>
+          <a:noFill/>
+        </p:spPr>
+        <p:txBody>
+          <a:bodyPr wrap="square" rtlCol="0">
+            <a:spAutoFit/>
+          </a:bodyPr>
+          <a:lstStyle/>
+          <a:p>
+            <a:r>
+              <a:rPr lang="en-SG" sz="1600" dirty="0">
+                <a:hlinkClick r:id="rId3"/>
+              </a:rPr>
+              <a:t>Control High Power devices using a relay</a:t>
+            </a:r>
+            <a:endParaRPr lang="en-US" sz="1600" dirty="0"/>
+          </a:p>
+        </p:txBody>
+      </p:sp>
+    </p:spTree>
+    <p:extLst>
+      <p:ext uri="{BB962C8B-B14F-4D97-AF65-F5344CB8AC3E}">
+        <p14:creationId xmlns:p14="http://schemas.microsoft.com/office/powerpoint/2010/main" val="2495270592"/>
+      </p:ext>
+    </p:extLst>
+  </p:cSld>
+  <p:clrMapOvr>
+    <a:masterClrMapping/>
+  </p:clrMapOvr>
+</p:sld>
+</file>
+
+<file path=ppt/slides/slide31.xml><?xml version="1.0" encoding="utf-8"?>
+<p:sld xmlns:a="http://schemas.openxmlformats.org/drawingml/2006/main" xmlns:r="http://schemas.openxmlformats.org/officeDocument/2006/relationships" xmlns:p="http://schemas.openxmlformats.org/presentationml/2006/main">
+  <p:cSld>
+    <p:spTree>
+      <p:nvGrpSpPr>
+        <p:cNvPr id="1" name=""/>
+        <p:cNvGrpSpPr/>
+        <p:nvPr/>
+      </p:nvGrpSpPr>
+      <p:grpSpPr>
+        <a:xfrm>
+          <a:off x="0" y="0"/>
+          <a:ext cx="0" cy="0"/>
+          <a:chOff x="0" y="0"/>
+          <a:chExt cx="0" cy="0"/>
+        </a:xfrm>
+      </p:grpSpPr>
+      <p:sp>
+        <p:nvSpPr>
+          <p:cNvPr id="2" name="Title 1">
+            <a:extLst>
+              <a:ext uri="{FF2B5EF4-FFF2-40B4-BE49-F238E27FC236}">
+                <a16:creationId xmlns:a16="http://schemas.microsoft.com/office/drawing/2014/main" id="{29757EC0-C4C7-4C21-8BBD-162462AD095F}"/>
+              </a:ext>
+            </a:extLst>
+          </p:cNvPr>
+          <p:cNvSpPr>
+            <a:spLocks noGrp="1"/>
+          </p:cNvSpPr>
+          <p:nvPr>
+            <p:ph type="ctrTitle"/>
+          </p:nvPr>
+        </p:nvSpPr>
+        <p:spPr/>
+        <p:txBody>
+          <a:bodyPr/>
+          <a:lstStyle/>
+          <a:p>
+            <a:r>
+              <a:rPr lang="en-US" dirty="0"/>
+              <a:t>EP1000</a:t>
+            </a:r>
+          </a:p>
+        </p:txBody>
+      </p:sp>
+      <p:sp>
+        <p:nvSpPr>
+          <p:cNvPr id="3" name="Subtitle 2">
+            <a:extLst>
+              <a:ext uri="{FF2B5EF4-FFF2-40B4-BE49-F238E27FC236}">
+                <a16:creationId xmlns:a16="http://schemas.microsoft.com/office/drawing/2014/main" id="{1F579C3D-8773-4BAF-B0E2-847945ECA23E}"/>
+              </a:ext>
+            </a:extLst>
+          </p:cNvPr>
+          <p:cNvSpPr>
+            <a:spLocks noGrp="1"/>
+          </p:cNvSpPr>
+          <p:nvPr>
+            <p:ph type="subTitle" idx="1"/>
+          </p:nvPr>
+        </p:nvSpPr>
+        <p:spPr/>
+        <p:txBody>
+          <a:bodyPr/>
+          <a:lstStyle/>
+          <a:p>
+            <a:r>
+              <a:rPr lang="en-US" dirty="0"/>
+              <a:t>Actuators</a:t>
+            </a:r>
+          </a:p>
+          <a:p>
+            <a:r>
+              <a:rPr lang="en-US" dirty="0">
+                <a:solidFill>
+                  <a:srgbClr val="FF0000"/>
+                </a:solidFill>
+              </a:rPr>
+              <a:t>End</a:t>
+            </a:r>
+          </a:p>
+        </p:txBody>
+      </p:sp>
+    </p:spTree>
+    <p:extLst>
+      <p:ext uri="{BB962C8B-B14F-4D97-AF65-F5344CB8AC3E}">
+        <p14:creationId xmlns:p14="http://schemas.microsoft.com/office/powerpoint/2010/main" val="2293809126"/>
       </p:ext>
     </p:extLst>
   </p:cSld>
